--- a/B조 프로젝트 제안서.pptx
+++ b/B조 프로젝트 제안서.pptx
@@ -7,12 +7,13 @@
   <p:sldIdLst>
     <p:sldId id="270" r:id="rId2"/>
     <p:sldId id="263" r:id="rId3"/>
-    <p:sldId id="284" r:id="rId4"/>
-    <p:sldId id="276" r:id="rId5"/>
-    <p:sldId id="300" r:id="rId6"/>
-    <p:sldId id="301" r:id="rId7"/>
-    <p:sldId id="278" r:id="rId8"/>
-    <p:sldId id="266" r:id="rId9"/>
+    <p:sldId id="305" r:id="rId4"/>
+    <p:sldId id="284" r:id="rId5"/>
+    <p:sldId id="276" r:id="rId6"/>
+    <p:sldId id="300" r:id="rId7"/>
+    <p:sldId id="301" r:id="rId8"/>
+    <p:sldId id="303" r:id="rId9"/>
+    <p:sldId id="278" r:id="rId10"/>
   </p:sldIdLst>
   <p:sldSz cx="12192000" cy="6858000"/>
   <p:notesSz cx="6858000" cy="9144000"/>
@@ -277,7 +278,7 @@
           <a:p>
             <a:fld id="{9FE7A9D4-2312-4C80-955C-3A7FA2F8832A}" type="datetimeFigureOut">
               <a:rPr lang="ko-KR" altLang="en-US" smtClean="0"/>
-              <a:t>2022-03-07</a:t>
+              <a:t>2022-03-10</a:t>
             </a:fld>
             <a:endParaRPr lang="ko-KR" altLang="en-US"/>
           </a:p>
@@ -577,7 +578,7 @@
           <a:p>
             <a:fld id="{9FE7A9D4-2312-4C80-955C-3A7FA2F8832A}" type="datetimeFigureOut">
               <a:rPr lang="ko-KR" altLang="en-US" smtClean="0"/>
-              <a:t>2022-03-07</a:t>
+              <a:t>2022-03-10</a:t>
             </a:fld>
             <a:endParaRPr lang="ko-KR" altLang="en-US"/>
           </a:p>
@@ -787,7 +788,7 @@
           <a:p>
             <a:fld id="{9FE7A9D4-2312-4C80-955C-3A7FA2F8832A}" type="datetimeFigureOut">
               <a:rPr lang="ko-KR" altLang="en-US" smtClean="0"/>
-              <a:t>2022-03-07</a:t>
+              <a:t>2022-03-10</a:t>
             </a:fld>
             <a:endParaRPr lang="ko-KR" altLang="en-US"/>
           </a:p>
@@ -1007,7 +1008,7 @@
           <a:p>
             <a:fld id="{9FE7A9D4-2312-4C80-955C-3A7FA2F8832A}" type="datetimeFigureOut">
               <a:rPr lang="ko-KR" altLang="en-US" smtClean="0"/>
-              <a:t>2022-03-07</a:t>
+              <a:t>2022-03-10</a:t>
             </a:fld>
             <a:endParaRPr lang="ko-KR" altLang="en-US"/>
           </a:p>
@@ -1217,7 +1218,7 @@
           <a:p>
             <a:fld id="{9FE7A9D4-2312-4C80-955C-3A7FA2F8832A}" type="datetimeFigureOut">
               <a:rPr lang="ko-KR" altLang="en-US" smtClean="0"/>
-              <a:t>2022-03-07</a:t>
+              <a:t>2022-03-10</a:t>
             </a:fld>
             <a:endParaRPr lang="ko-KR" altLang="en-US"/>
           </a:p>
@@ -1504,7 +1505,7 @@
           <a:p>
             <a:fld id="{9FE7A9D4-2312-4C80-955C-3A7FA2F8832A}" type="datetimeFigureOut">
               <a:rPr lang="ko-KR" altLang="en-US" smtClean="0"/>
-              <a:t>2022-03-07</a:t>
+              <a:t>2022-03-10</a:t>
             </a:fld>
             <a:endParaRPr lang="ko-KR" altLang="en-US"/>
           </a:p>
@@ -1781,7 +1782,7 @@
           <a:p>
             <a:fld id="{9FE7A9D4-2312-4C80-955C-3A7FA2F8832A}" type="datetimeFigureOut">
               <a:rPr lang="ko-KR" altLang="en-US" smtClean="0"/>
-              <a:t>2022-03-07</a:t>
+              <a:t>2022-03-10</a:t>
             </a:fld>
             <a:endParaRPr lang="ko-KR" altLang="en-US"/>
           </a:p>
@@ -2205,7 +2206,7 @@
           <a:p>
             <a:fld id="{9FE7A9D4-2312-4C80-955C-3A7FA2F8832A}" type="datetimeFigureOut">
               <a:rPr lang="ko-KR" altLang="en-US" smtClean="0"/>
-              <a:t>2022-03-07</a:t>
+              <a:t>2022-03-10</a:t>
             </a:fld>
             <a:endParaRPr lang="ko-KR" altLang="en-US"/>
           </a:p>
@@ -2358,7 +2359,7 @@
           <a:p>
             <a:fld id="{9FE7A9D4-2312-4C80-955C-3A7FA2F8832A}" type="datetimeFigureOut">
               <a:rPr lang="ko-KR" altLang="en-US" smtClean="0"/>
-              <a:t>2022-03-07</a:t>
+              <a:t>2022-03-10</a:t>
             </a:fld>
             <a:endParaRPr lang="ko-KR" altLang="en-US"/>
           </a:p>
@@ -2572,7 +2573,7 @@
           <a:p>
             <a:fld id="{9FE7A9D4-2312-4C80-955C-3A7FA2F8832A}" type="datetimeFigureOut">
               <a:rPr lang="ko-KR" altLang="en-US" smtClean="0"/>
-              <a:t>2022-03-07</a:t>
+              <a:t>2022-03-10</a:t>
             </a:fld>
             <a:endParaRPr lang="ko-KR" altLang="en-US"/>
           </a:p>
@@ -2786,7 +2787,7 @@
           <a:p>
             <a:fld id="{9FE7A9D4-2312-4C80-955C-3A7FA2F8832A}" type="datetimeFigureOut">
               <a:rPr lang="ko-KR" altLang="en-US" smtClean="0"/>
-              <a:t>2022-03-07</a:t>
+              <a:t>2022-03-10</a:t>
             </a:fld>
             <a:endParaRPr lang="ko-KR" altLang="en-US"/>
           </a:p>
@@ -3109,7 +3110,7 @@
           <a:p>
             <a:fld id="{9FE7A9D4-2312-4C80-955C-3A7FA2F8832A}" type="datetimeFigureOut">
               <a:rPr lang="ko-KR" altLang="en-US" smtClean="0"/>
-              <a:t>2022-03-07</a:t>
+              <a:t>2022-03-10</a:t>
             </a:fld>
             <a:endParaRPr lang="ko-KR" altLang="en-US"/>
           </a:p>
@@ -3362,7 +3363,7 @@
           <a:p>
             <a:fld id="{9FE7A9D4-2312-4C80-955C-3A7FA2F8832A}" type="datetimeFigureOut">
               <a:rPr lang="ko-KR" altLang="en-US" smtClean="0"/>
-              <a:t>2022-03-07</a:t>
+              <a:t>2022-03-10</a:t>
             </a:fld>
             <a:endParaRPr lang="ko-KR" altLang="en-US"/>
           </a:p>
@@ -4665,7 +4666,7 @@
         <p:spPr>
           <a:xfrm>
             <a:off x="329610" y="111525"/>
-            <a:ext cx="1218603" cy="584775"/>
+            <a:ext cx="2016899" cy="584775"/>
           </a:xfrm>
           <a:prstGeom prst="rect">
             <a:avLst/>
@@ -4687,7 +4688,7 @@
                   </a:schemeClr>
                 </a:solidFill>
               </a:rPr>
-              <a:t>1. </a:t>
+              <a:t>0. </a:t>
             </a:r>
             <a:r>
               <a:rPr lang="ko-KR" altLang="en-US" sz="3200" spc="-300" dirty="0">
@@ -4698,7 +4699,7 @@
                   </a:schemeClr>
                 </a:solidFill>
               </a:rPr>
-              <a:t>주제</a:t>
+              <a:t>조원 소개</a:t>
             </a:r>
           </a:p>
         </p:txBody>
@@ -4749,10 +4750,10 @@
       </p:sp>
       <p:sp>
         <p:nvSpPr>
-          <p:cNvPr id="20" name="직사각형 19">
-            <a:extLst>
-              <a:ext uri="{FF2B5EF4-FFF2-40B4-BE49-F238E27FC236}">
-                <a16:creationId xmlns:a16="http://schemas.microsoft.com/office/drawing/2014/main" id="{4FA2D4A9-E4C9-43E1-833A-7E0DFF5D4F34}"/>
+          <p:cNvPr id="11" name="웃는 얼굴 10">
+            <a:extLst>
+              <a:ext uri="{FF2B5EF4-FFF2-40B4-BE49-F238E27FC236}">
+                <a16:creationId xmlns:a16="http://schemas.microsoft.com/office/drawing/2014/main" id="{03A7B8AE-4A9D-4E6B-AFDE-9D63DE4A357E}"/>
               </a:ext>
             </a:extLst>
           </p:cNvPr>
@@ -4761,14 +4762,200 @@
         </p:nvSpPr>
         <p:spPr>
           <a:xfrm>
-            <a:off x="1312934" y="1377686"/>
-            <a:ext cx="1168400" cy="1044000"/>
+            <a:off x="1878288" y="1382426"/>
+            <a:ext cx="1041148" cy="1004934"/>
+          </a:xfrm>
+          <a:prstGeom prst="smileyFace">
+            <a:avLst/>
+          </a:prstGeom>
+        </p:spPr>
+        <p:style>
+          <a:lnRef idx="2">
+            <a:schemeClr val="accent6">
+              <a:shade val="50000"/>
+            </a:schemeClr>
+          </a:lnRef>
+          <a:fillRef idx="1">
+            <a:schemeClr val="accent6"/>
+          </a:fillRef>
+          <a:effectRef idx="0">
+            <a:schemeClr val="accent6"/>
+          </a:effectRef>
+          <a:fontRef idx="minor">
+            <a:schemeClr val="lt1"/>
+          </a:fontRef>
+        </p:style>
+        <p:txBody>
+          <a:bodyPr rtlCol="0" anchor="ctr"/>
+          <a:lstStyle/>
+          <a:p>
+            <a:pPr algn="ctr"/>
+            <a:endParaRPr lang="ko-KR" altLang="en-US"/>
+          </a:p>
+        </p:txBody>
+      </p:sp>
+      <p:sp>
+        <p:nvSpPr>
+          <p:cNvPr id="12" name="웃는 얼굴 11">
+            <a:extLst>
+              <a:ext uri="{FF2B5EF4-FFF2-40B4-BE49-F238E27FC236}">
+                <a16:creationId xmlns:a16="http://schemas.microsoft.com/office/drawing/2014/main" id="{1CB1EC33-DF6C-4299-A14A-26007164CD9C}"/>
+              </a:ext>
+            </a:extLst>
+          </p:cNvPr>
+          <p:cNvSpPr/>
+          <p:nvPr/>
+        </p:nvSpPr>
+        <p:spPr>
+          <a:xfrm>
+            <a:off x="4359143" y="1382426"/>
+            <a:ext cx="1041148" cy="1004934"/>
+          </a:xfrm>
+          <a:prstGeom prst="smileyFace">
+            <a:avLst/>
+          </a:prstGeom>
+        </p:spPr>
+        <p:style>
+          <a:lnRef idx="2">
+            <a:schemeClr val="accent6">
+              <a:shade val="50000"/>
+            </a:schemeClr>
+          </a:lnRef>
+          <a:fillRef idx="1">
+            <a:schemeClr val="accent6"/>
+          </a:fillRef>
+          <a:effectRef idx="0">
+            <a:schemeClr val="accent6"/>
+          </a:effectRef>
+          <a:fontRef idx="minor">
+            <a:schemeClr val="lt1"/>
+          </a:fontRef>
+        </p:style>
+        <p:txBody>
+          <a:bodyPr rtlCol="0" anchor="ctr"/>
+          <a:lstStyle/>
+          <a:p>
+            <a:pPr algn="ctr"/>
+            <a:endParaRPr lang="ko-KR" altLang="en-US"/>
+          </a:p>
+        </p:txBody>
+      </p:sp>
+      <p:sp>
+        <p:nvSpPr>
+          <p:cNvPr id="13" name="웃는 얼굴 12">
+            <a:extLst>
+              <a:ext uri="{FF2B5EF4-FFF2-40B4-BE49-F238E27FC236}">
+                <a16:creationId xmlns:a16="http://schemas.microsoft.com/office/drawing/2014/main" id="{F5E4BFA2-B7F6-443A-B6A1-0CFFB35FCF12}"/>
+              </a:ext>
+            </a:extLst>
+          </p:cNvPr>
+          <p:cNvSpPr/>
+          <p:nvPr/>
+        </p:nvSpPr>
+        <p:spPr>
+          <a:xfrm>
+            <a:off x="6839998" y="1382426"/>
+            <a:ext cx="1041148" cy="1004934"/>
+          </a:xfrm>
+          <a:prstGeom prst="smileyFace">
+            <a:avLst/>
+          </a:prstGeom>
+        </p:spPr>
+        <p:style>
+          <a:lnRef idx="2">
+            <a:schemeClr val="accent6">
+              <a:shade val="50000"/>
+            </a:schemeClr>
+          </a:lnRef>
+          <a:fillRef idx="1">
+            <a:schemeClr val="accent6"/>
+          </a:fillRef>
+          <a:effectRef idx="0">
+            <a:schemeClr val="accent6"/>
+          </a:effectRef>
+          <a:fontRef idx="minor">
+            <a:schemeClr val="lt1"/>
+          </a:fontRef>
+        </p:style>
+        <p:txBody>
+          <a:bodyPr rtlCol="0" anchor="ctr"/>
+          <a:lstStyle/>
+          <a:p>
+            <a:pPr algn="ctr"/>
+            <a:endParaRPr lang="ko-KR" altLang="en-US"/>
+          </a:p>
+        </p:txBody>
+      </p:sp>
+      <p:sp>
+        <p:nvSpPr>
+          <p:cNvPr id="14" name="웃는 얼굴 13">
+            <a:extLst>
+              <a:ext uri="{FF2B5EF4-FFF2-40B4-BE49-F238E27FC236}">
+                <a16:creationId xmlns:a16="http://schemas.microsoft.com/office/drawing/2014/main" id="{8A7725AD-BC04-41F2-8769-C03B579DA110}"/>
+              </a:ext>
+            </a:extLst>
+          </p:cNvPr>
+          <p:cNvSpPr/>
+          <p:nvPr/>
+        </p:nvSpPr>
+        <p:spPr>
+          <a:xfrm>
+            <a:off x="9272564" y="1382426"/>
+            <a:ext cx="1041148" cy="1004934"/>
+          </a:xfrm>
+          <a:prstGeom prst="smileyFace">
+            <a:avLst/>
+          </a:prstGeom>
+        </p:spPr>
+        <p:style>
+          <a:lnRef idx="2">
+            <a:schemeClr val="accent6">
+              <a:shade val="50000"/>
+            </a:schemeClr>
+          </a:lnRef>
+          <a:fillRef idx="1">
+            <a:schemeClr val="accent6"/>
+          </a:fillRef>
+          <a:effectRef idx="0">
+            <a:schemeClr val="accent6"/>
+          </a:effectRef>
+          <a:fontRef idx="minor">
+            <a:schemeClr val="lt1"/>
+          </a:fontRef>
+        </p:style>
+        <p:txBody>
+          <a:bodyPr rtlCol="0" anchor="ctr"/>
+          <a:lstStyle/>
+          <a:p>
+            <a:pPr algn="ctr"/>
+            <a:endParaRPr lang="ko-KR" altLang="en-US"/>
+          </a:p>
+        </p:txBody>
+      </p:sp>
+      <p:sp>
+        <p:nvSpPr>
+          <p:cNvPr id="15" name="직사각형 14">
+            <a:extLst>
+              <a:ext uri="{FF2B5EF4-FFF2-40B4-BE49-F238E27FC236}">
+                <a16:creationId xmlns:a16="http://schemas.microsoft.com/office/drawing/2014/main" id="{C76CE84A-CBBB-40E5-8122-50051C0B75B6}"/>
+              </a:ext>
+            </a:extLst>
+          </p:cNvPr>
+          <p:cNvSpPr/>
+          <p:nvPr/>
+        </p:nvSpPr>
+        <p:spPr>
+          <a:xfrm>
+            <a:off x="1437290" y="2507337"/>
+            <a:ext cx="2041451" cy="3508786"/>
           </a:xfrm>
           <a:prstGeom prst="rect">
             <a:avLst/>
           </a:prstGeom>
           <a:solidFill>
-            <a:schemeClr val="accent1"/>
+            <a:schemeClr val="bg1">
+              <a:lumMod val="95000"/>
+            </a:schemeClr>
           </a:solidFill>
           <a:ln>
             <a:noFill/>
@@ -4795,16 +4982,39 @@
           <a:lstStyle/>
           <a:p>
             <a:pPr algn="ctr"/>
-            <a:endParaRPr lang="ko-KR" altLang="en-US"/>
-          </a:p>
-        </p:txBody>
-      </p:sp>
-      <p:sp>
-        <p:nvSpPr>
-          <p:cNvPr id="21" name="직사각형 20">
-            <a:extLst>
-              <a:ext uri="{FF2B5EF4-FFF2-40B4-BE49-F238E27FC236}">
-                <a16:creationId xmlns:a16="http://schemas.microsoft.com/office/drawing/2014/main" id="{199B28CF-3E7E-44C5-AFDD-39DB4B288DDE}"/>
+            <a:r>
+              <a:rPr lang="ko-KR" altLang="en-US" dirty="0">
+                <a:solidFill>
+                  <a:schemeClr val="tx1"/>
+                </a:solidFill>
+              </a:rPr>
+              <a:t>조장</a:t>
+            </a:r>
+            <a:endParaRPr lang="en-US" altLang="ko-KR" dirty="0">
+              <a:solidFill>
+                <a:schemeClr val="tx1"/>
+              </a:solidFill>
+            </a:endParaRPr>
+          </a:p>
+          <a:p>
+            <a:pPr algn="ctr"/>
+            <a:r>
+              <a:rPr lang="ko-KR" altLang="en-US" dirty="0">
+                <a:solidFill>
+                  <a:schemeClr val="tx1"/>
+                </a:solidFill>
+              </a:rPr>
+              <a:t>총괄</a:t>
+            </a:r>
+          </a:p>
+        </p:txBody>
+      </p:sp>
+      <p:sp>
+        <p:nvSpPr>
+          <p:cNvPr id="17" name="직사각형 16">
+            <a:extLst>
+              <a:ext uri="{FF2B5EF4-FFF2-40B4-BE49-F238E27FC236}">
+                <a16:creationId xmlns:a16="http://schemas.microsoft.com/office/drawing/2014/main" id="{0E02BCCC-8967-4FCF-BF64-3448BDBB933F}"/>
               </a:ext>
             </a:extLst>
           </p:cNvPr>
@@ -4813,14 +5023,17 @@
         </p:nvSpPr>
         <p:spPr>
           <a:xfrm>
-            <a:off x="2722634" y="1377686"/>
-            <a:ext cx="8242300" cy="1044000"/>
+            <a:off x="1437290" y="2507335"/>
+            <a:ext cx="2041451" cy="604280"/>
           </a:xfrm>
           <a:prstGeom prst="rect">
             <a:avLst/>
           </a:prstGeom>
           <a:solidFill>
-            <a:schemeClr val="accent1"/>
+            <a:schemeClr val="accent5">
+              <a:lumMod val="60000"/>
+              <a:lumOff val="40000"/>
+            </a:schemeClr>
           </a:solidFill>
           <a:ln>
             <a:noFill/>
@@ -4847,190 +5060,496 @@
           <a:lstStyle/>
           <a:p>
             <a:pPr algn="ctr"/>
-            <a:endParaRPr lang="ko-KR" altLang="en-US"/>
-          </a:p>
-        </p:txBody>
-      </p:sp>
-      <p:sp>
-        <p:nvSpPr>
-          <p:cNvPr id="22" name="TextBox 21">
-            <a:extLst>
-              <a:ext uri="{FF2B5EF4-FFF2-40B4-BE49-F238E27FC236}">
-                <a16:creationId xmlns:a16="http://schemas.microsoft.com/office/drawing/2014/main" id="{8C314329-C635-4D26-B07F-D3530E7FDACB}"/>
-              </a:ext>
-            </a:extLst>
-          </p:cNvPr>
-          <p:cNvSpPr txBox="1"/>
+            <a:r>
+              <a:rPr lang="ko-KR" altLang="en-US" dirty="0" err="1">
+                <a:solidFill>
+                  <a:schemeClr val="tx1"/>
+                </a:solidFill>
+              </a:rPr>
+              <a:t>반치영</a:t>
+            </a:r>
+            <a:endParaRPr lang="ko-KR" altLang="en-US" dirty="0">
+              <a:solidFill>
+                <a:schemeClr val="tx1"/>
+              </a:solidFill>
+            </a:endParaRPr>
+          </a:p>
+        </p:txBody>
+      </p:sp>
+      <p:sp>
+        <p:nvSpPr>
+          <p:cNvPr id="18" name="직사각형 17">
+            <a:extLst>
+              <a:ext uri="{FF2B5EF4-FFF2-40B4-BE49-F238E27FC236}">
+                <a16:creationId xmlns:a16="http://schemas.microsoft.com/office/drawing/2014/main" id="{3114D2CE-A2FD-45FE-9A99-EA016DDB9CB5}"/>
+              </a:ext>
+            </a:extLst>
+          </p:cNvPr>
+          <p:cNvSpPr/>
           <p:nvPr/>
         </p:nvSpPr>
         <p:spPr>
           <a:xfrm>
-            <a:off x="1663770" y="1564563"/>
-            <a:ext cx="394659" cy="646331"/>
+            <a:off x="3891911" y="2507335"/>
+            <a:ext cx="2041451" cy="3508786"/>
           </a:xfrm>
           <a:prstGeom prst="rect">
             <a:avLst/>
           </a:prstGeom>
-          <a:noFill/>
-        </p:spPr>
-        <p:txBody>
-          <a:bodyPr wrap="none" rtlCol="0">
-            <a:spAutoFit/>
-          </a:bodyPr>
+          <a:solidFill>
+            <a:schemeClr val="bg1">
+              <a:lumMod val="95000"/>
+            </a:schemeClr>
+          </a:solidFill>
+          <a:ln>
+            <a:noFill/>
+          </a:ln>
+        </p:spPr>
+        <p:style>
+          <a:lnRef idx="2">
+            <a:schemeClr val="accent1">
+              <a:shade val="50000"/>
+            </a:schemeClr>
+          </a:lnRef>
+          <a:fillRef idx="1">
+            <a:schemeClr val="accent1"/>
+          </a:fillRef>
+          <a:effectRef idx="0">
+            <a:schemeClr val="accent1"/>
+          </a:effectRef>
+          <a:fontRef idx="minor">
+            <a:schemeClr val="lt1"/>
+          </a:fontRef>
+        </p:style>
+        <p:txBody>
+          <a:bodyPr rtlCol="0" anchor="ctr"/>
           <a:lstStyle/>
           <a:p>
             <a:pPr algn="ctr"/>
             <a:r>
-              <a:rPr lang="en-US" altLang="ko-KR" sz="3600" spc="-300" dirty="0">
-                <a:solidFill>
-                  <a:schemeClr val="bg1"/>
-                </a:solidFill>
-                <a:latin typeface="+mn-ea"/>
-              </a:rPr>
-              <a:t>1</a:t>
-            </a:r>
-            <a:endParaRPr lang="ko-KR" altLang="en-US" sz="3600" spc="-300" dirty="0">
+              <a:rPr lang="ko-KR" altLang="en-US" dirty="0">
+                <a:solidFill>
+                  <a:schemeClr val="tx1"/>
+                </a:solidFill>
+              </a:rPr>
+              <a:t>데이터 수집</a:t>
+            </a:r>
+            <a:r>
+              <a:rPr lang="en-US" altLang="ko-KR" dirty="0">
+                <a:solidFill>
+                  <a:schemeClr val="tx1"/>
+                </a:solidFill>
+              </a:rPr>
+              <a:t>,</a:t>
+            </a:r>
+          </a:p>
+          <a:p>
+            <a:pPr algn="ctr"/>
+            <a:r>
+              <a:rPr lang="ko-KR" altLang="en-US" dirty="0" err="1">
+                <a:solidFill>
+                  <a:schemeClr val="tx1"/>
+                </a:solidFill>
+              </a:rPr>
+              <a:t>전처리</a:t>
+            </a:r>
+            <a:endParaRPr lang="en-US" altLang="ko-KR" dirty="0">
               <a:solidFill>
-                <a:schemeClr val="bg1"/>
+                <a:schemeClr val="tx1"/>
               </a:solidFill>
-              <a:latin typeface="+mn-ea"/>
             </a:endParaRPr>
           </a:p>
         </p:txBody>
       </p:sp>
       <p:sp>
         <p:nvSpPr>
-          <p:cNvPr id="23" name="TextBox 22">
-            <a:extLst>
-              <a:ext uri="{FF2B5EF4-FFF2-40B4-BE49-F238E27FC236}">
-                <a16:creationId xmlns:a16="http://schemas.microsoft.com/office/drawing/2014/main" id="{8F38D731-D30D-4CD5-998D-867D2C15C15F}"/>
-              </a:ext>
-            </a:extLst>
-          </p:cNvPr>
-          <p:cNvSpPr txBox="1"/>
+          <p:cNvPr id="19" name="직사각형 18">
+            <a:extLst>
+              <a:ext uri="{FF2B5EF4-FFF2-40B4-BE49-F238E27FC236}">
+                <a16:creationId xmlns:a16="http://schemas.microsoft.com/office/drawing/2014/main" id="{27F6A720-090F-462D-B4D0-31639C6E080C}"/>
+              </a:ext>
+            </a:extLst>
+          </p:cNvPr>
+          <p:cNvSpPr/>
           <p:nvPr/>
         </p:nvSpPr>
         <p:spPr>
           <a:xfrm>
-            <a:off x="2979728" y="1610854"/>
-            <a:ext cx="7096815" cy="584775"/>
+            <a:off x="3891911" y="2507333"/>
+            <a:ext cx="2041451" cy="604280"/>
           </a:xfrm>
           <a:prstGeom prst="rect">
             <a:avLst/>
           </a:prstGeom>
-          <a:noFill/>
-        </p:spPr>
-        <p:txBody>
-          <a:bodyPr wrap="none" rtlCol="0">
-            <a:spAutoFit/>
-          </a:bodyPr>
-          <a:lstStyle/>
-          <a:p>
-            <a:r>
-              <a:rPr lang="ko-KR" altLang="en-US" sz="3200" spc="-300" dirty="0" err="1">
-                <a:solidFill>
-                  <a:schemeClr val="bg1"/>
-                </a:solidFill>
-                <a:latin typeface="+mn-ea"/>
-              </a:rPr>
-              <a:t>머신러닝으로</a:t>
-            </a:r>
-            <a:r>
-              <a:rPr lang="ko-KR" altLang="en-US" sz="3200" spc="-300" dirty="0">
-                <a:solidFill>
-                  <a:schemeClr val="bg1"/>
-                </a:solidFill>
-                <a:latin typeface="+mn-ea"/>
-              </a:rPr>
-              <a:t> </a:t>
-            </a:r>
-            <a:r>
-              <a:rPr lang="ko-KR" altLang="en-US" sz="3200" spc="-300" dirty="0" err="1">
-                <a:solidFill>
-                  <a:schemeClr val="bg1"/>
-                </a:solidFill>
-                <a:latin typeface="+mn-ea"/>
-              </a:rPr>
-              <a:t>테슬라의</a:t>
-            </a:r>
-            <a:r>
-              <a:rPr lang="ko-KR" altLang="en-US" sz="3200" spc="-300" dirty="0">
-                <a:solidFill>
-                  <a:schemeClr val="bg1"/>
-                </a:solidFill>
-                <a:latin typeface="+mn-ea"/>
-              </a:rPr>
-              <a:t> 주가를 예측해 보자</a:t>
-            </a:r>
-            <a:r>
-              <a:rPr lang="en-US" altLang="ko-KR" sz="3200" spc="-300" dirty="0">
-                <a:solidFill>
-                  <a:schemeClr val="bg1"/>
-                </a:solidFill>
-                <a:latin typeface="+mn-ea"/>
-              </a:rPr>
-              <a:t>.</a:t>
-            </a:r>
-            <a:endParaRPr lang="ko-KR" altLang="en-US" sz="3200" spc="-300" dirty="0">
+          <a:solidFill>
+            <a:schemeClr val="accent5">
+              <a:lumMod val="60000"/>
+              <a:lumOff val="40000"/>
+            </a:schemeClr>
+          </a:solidFill>
+          <a:ln>
+            <a:noFill/>
+          </a:ln>
+        </p:spPr>
+        <p:style>
+          <a:lnRef idx="2">
+            <a:schemeClr val="accent1">
+              <a:shade val="50000"/>
+            </a:schemeClr>
+          </a:lnRef>
+          <a:fillRef idx="1">
+            <a:schemeClr val="accent1"/>
+          </a:fillRef>
+          <a:effectRef idx="0">
+            <a:schemeClr val="accent1"/>
+          </a:effectRef>
+          <a:fontRef idx="minor">
+            <a:schemeClr val="lt1"/>
+          </a:fontRef>
+        </p:style>
+        <p:txBody>
+          <a:bodyPr rtlCol="0" anchor="ctr"/>
+          <a:lstStyle/>
+          <a:p>
+            <a:pPr algn="ctr"/>
+            <a:r>
+              <a:rPr lang="ko-KR" altLang="en-US" dirty="0" err="1">
+                <a:solidFill>
+                  <a:schemeClr val="tx1"/>
+                </a:solidFill>
+              </a:rPr>
+              <a:t>이채림</a:t>
+            </a:r>
+            <a:endParaRPr lang="ko-KR" altLang="en-US" dirty="0">
               <a:solidFill>
-                <a:schemeClr val="bg1"/>
+                <a:schemeClr val="tx1"/>
               </a:solidFill>
-              <a:latin typeface="+mn-ea"/>
             </a:endParaRPr>
           </a:p>
         </p:txBody>
       </p:sp>
-      <p:pic>
-        <p:nvPicPr>
-          <p:cNvPr id="3" name="그림 2">
-            <a:extLst>
-              <a:ext uri="{FF2B5EF4-FFF2-40B4-BE49-F238E27FC236}">
-                <a16:creationId xmlns:a16="http://schemas.microsoft.com/office/drawing/2014/main" id="{070B6218-8546-403B-8EAF-81A1C7FD8F77}"/>
-              </a:ext>
-            </a:extLst>
-          </p:cNvPr>
-          <p:cNvPicPr>
-            <a:picLocks noChangeAspect="1"/>
-          </p:cNvPicPr>
+      <p:sp>
+        <p:nvSpPr>
+          <p:cNvPr id="24" name="직사각형 23">
+            <a:extLst>
+              <a:ext uri="{FF2B5EF4-FFF2-40B4-BE49-F238E27FC236}">
+                <a16:creationId xmlns:a16="http://schemas.microsoft.com/office/drawing/2014/main" id="{B3BE25D0-C98D-4DE6-A171-E8478B579C39}"/>
+              </a:ext>
+            </a:extLst>
+          </p:cNvPr>
+          <p:cNvSpPr/>
           <p:nvPr/>
-        </p:nvPicPr>
-        <p:blipFill>
-          <a:blip r:embed="rId2">
-            <a:extLst>
-              <a:ext uri="{28A0092B-C50C-407E-A947-70E740481C1C}">
-                <a14:useLocalDpi xmlns:a14="http://schemas.microsoft.com/office/drawing/2010/main" val="0"/>
-              </a:ext>
-            </a:extLst>
-          </a:blip>
-          <a:stretch>
-            <a:fillRect/>
-          </a:stretch>
-        </p:blipFill>
-        <p:spPr>
-          <a:xfrm>
-            <a:off x="1312935" y="2850906"/>
-            <a:ext cx="9651998" cy="3584399"/>
+        </p:nvSpPr>
+        <p:spPr>
+          <a:xfrm>
+            <a:off x="6346532" y="2507335"/>
+            <a:ext cx="2041451" cy="3508786"/>
           </a:xfrm>
           <a:prstGeom prst="rect">
             <a:avLst/>
           </a:prstGeom>
-        </p:spPr>
-      </p:pic>
+          <a:solidFill>
+            <a:schemeClr val="bg1">
+              <a:lumMod val="95000"/>
+            </a:schemeClr>
+          </a:solidFill>
+          <a:ln>
+            <a:noFill/>
+          </a:ln>
+        </p:spPr>
+        <p:style>
+          <a:lnRef idx="2">
+            <a:schemeClr val="accent1">
+              <a:shade val="50000"/>
+            </a:schemeClr>
+          </a:lnRef>
+          <a:fillRef idx="1">
+            <a:schemeClr val="accent1"/>
+          </a:fillRef>
+          <a:effectRef idx="0">
+            <a:schemeClr val="accent1"/>
+          </a:effectRef>
+          <a:fontRef idx="minor">
+            <a:schemeClr val="lt1"/>
+          </a:fontRef>
+        </p:style>
+        <p:txBody>
+          <a:bodyPr rtlCol="0" anchor="ctr"/>
+          <a:lstStyle/>
+          <a:p>
+            <a:pPr algn="ctr"/>
+            <a:r>
+              <a:rPr lang="ko-KR" altLang="en-US" dirty="0">
+                <a:solidFill>
+                  <a:schemeClr val="tx1"/>
+                </a:solidFill>
+              </a:rPr>
+              <a:t>데이터 수집</a:t>
+            </a:r>
+            <a:r>
+              <a:rPr lang="en-US" altLang="ko-KR" dirty="0">
+                <a:solidFill>
+                  <a:schemeClr val="tx1"/>
+                </a:solidFill>
+              </a:rPr>
+              <a:t>,</a:t>
+            </a:r>
+          </a:p>
+          <a:p>
+            <a:pPr algn="ctr"/>
+            <a:r>
+              <a:rPr lang="ko-KR" altLang="en-US" dirty="0" err="1">
+                <a:solidFill>
+                  <a:schemeClr val="tx1"/>
+                </a:solidFill>
+              </a:rPr>
+              <a:t>전처리</a:t>
+            </a:r>
+            <a:endParaRPr lang="en-US" altLang="ko-KR" dirty="0">
+              <a:solidFill>
+                <a:schemeClr val="tx1"/>
+              </a:solidFill>
+            </a:endParaRPr>
+          </a:p>
+          <a:p>
+            <a:pPr algn="ctr"/>
+            <a:endParaRPr lang="ko-KR" altLang="en-US" dirty="0"/>
+          </a:p>
+        </p:txBody>
+      </p:sp>
+      <p:sp>
+        <p:nvSpPr>
+          <p:cNvPr id="25" name="직사각형 24">
+            <a:extLst>
+              <a:ext uri="{FF2B5EF4-FFF2-40B4-BE49-F238E27FC236}">
+                <a16:creationId xmlns:a16="http://schemas.microsoft.com/office/drawing/2014/main" id="{D4DBA5FF-8F1F-4670-90D1-BC22FD03E9A5}"/>
+              </a:ext>
+            </a:extLst>
+          </p:cNvPr>
+          <p:cNvSpPr/>
+          <p:nvPr/>
+        </p:nvSpPr>
+        <p:spPr>
+          <a:xfrm>
+            <a:off x="6346532" y="2507333"/>
+            <a:ext cx="2041451" cy="604280"/>
+          </a:xfrm>
+          <a:prstGeom prst="rect">
+            <a:avLst/>
+          </a:prstGeom>
+          <a:solidFill>
+            <a:schemeClr val="accent5">
+              <a:lumMod val="60000"/>
+              <a:lumOff val="40000"/>
+            </a:schemeClr>
+          </a:solidFill>
+          <a:ln>
+            <a:noFill/>
+          </a:ln>
+        </p:spPr>
+        <p:style>
+          <a:lnRef idx="2">
+            <a:schemeClr val="accent1">
+              <a:shade val="50000"/>
+            </a:schemeClr>
+          </a:lnRef>
+          <a:fillRef idx="1">
+            <a:schemeClr val="accent1"/>
+          </a:fillRef>
+          <a:effectRef idx="0">
+            <a:schemeClr val="accent1"/>
+          </a:effectRef>
+          <a:fontRef idx="minor">
+            <a:schemeClr val="lt1"/>
+          </a:fontRef>
+        </p:style>
+        <p:txBody>
+          <a:bodyPr rtlCol="0" anchor="ctr"/>
+          <a:lstStyle/>
+          <a:p>
+            <a:pPr algn="ctr"/>
+            <a:r>
+              <a:rPr lang="ko-KR" altLang="en-US" dirty="0">
+                <a:solidFill>
+                  <a:schemeClr val="tx1"/>
+                </a:solidFill>
+              </a:rPr>
+              <a:t>박정연</a:t>
+            </a:r>
+          </a:p>
+        </p:txBody>
+      </p:sp>
+      <p:sp>
+        <p:nvSpPr>
+          <p:cNvPr id="26" name="직사각형 25">
+            <a:extLst>
+              <a:ext uri="{FF2B5EF4-FFF2-40B4-BE49-F238E27FC236}">
+                <a16:creationId xmlns:a16="http://schemas.microsoft.com/office/drawing/2014/main" id="{C6F61E0E-3365-443C-9F7C-9B1FF25CFB56}"/>
+              </a:ext>
+            </a:extLst>
+          </p:cNvPr>
+          <p:cNvSpPr/>
+          <p:nvPr/>
+        </p:nvSpPr>
+        <p:spPr>
+          <a:xfrm>
+            <a:off x="8849062" y="2507335"/>
+            <a:ext cx="2041451" cy="3508786"/>
+          </a:xfrm>
+          <a:prstGeom prst="rect">
+            <a:avLst/>
+          </a:prstGeom>
+          <a:solidFill>
+            <a:schemeClr val="bg1">
+              <a:lumMod val="95000"/>
+            </a:schemeClr>
+          </a:solidFill>
+          <a:ln>
+            <a:noFill/>
+          </a:ln>
+        </p:spPr>
+        <p:style>
+          <a:lnRef idx="2">
+            <a:schemeClr val="accent1">
+              <a:shade val="50000"/>
+            </a:schemeClr>
+          </a:lnRef>
+          <a:fillRef idx="1">
+            <a:schemeClr val="accent1"/>
+          </a:fillRef>
+          <a:effectRef idx="0">
+            <a:schemeClr val="accent1"/>
+          </a:effectRef>
+          <a:fontRef idx="minor">
+            <a:schemeClr val="lt1"/>
+          </a:fontRef>
+        </p:style>
+        <p:txBody>
+          <a:bodyPr rtlCol="0" anchor="ctr"/>
+          <a:lstStyle/>
+          <a:p>
+            <a:pPr algn="ctr"/>
+            <a:r>
+              <a:rPr lang="ko-KR" altLang="en-US" dirty="0">
+                <a:solidFill>
+                  <a:schemeClr val="tx1"/>
+                </a:solidFill>
+              </a:rPr>
+              <a:t>데이터 수집</a:t>
+            </a:r>
+            <a:r>
+              <a:rPr lang="en-US" altLang="ko-KR" dirty="0">
+                <a:solidFill>
+                  <a:schemeClr val="tx1"/>
+                </a:solidFill>
+              </a:rPr>
+              <a:t>,</a:t>
+            </a:r>
+          </a:p>
+          <a:p>
+            <a:pPr algn="ctr"/>
+            <a:r>
+              <a:rPr lang="ko-KR" altLang="en-US" dirty="0" err="1">
+                <a:solidFill>
+                  <a:schemeClr val="tx1"/>
+                </a:solidFill>
+              </a:rPr>
+              <a:t>전처리</a:t>
+            </a:r>
+            <a:endParaRPr lang="en-US" altLang="ko-KR" dirty="0">
+              <a:solidFill>
+                <a:schemeClr val="tx1"/>
+              </a:solidFill>
+            </a:endParaRPr>
+          </a:p>
+          <a:p>
+            <a:pPr algn="ctr"/>
+            <a:endParaRPr lang="ko-KR" altLang="en-US" dirty="0"/>
+          </a:p>
+        </p:txBody>
+      </p:sp>
+      <p:sp>
+        <p:nvSpPr>
+          <p:cNvPr id="27" name="직사각형 26">
+            <a:extLst>
+              <a:ext uri="{FF2B5EF4-FFF2-40B4-BE49-F238E27FC236}">
+                <a16:creationId xmlns:a16="http://schemas.microsoft.com/office/drawing/2014/main" id="{4CAB1DD8-6164-4E3D-B7E2-449034AF2D70}"/>
+              </a:ext>
+            </a:extLst>
+          </p:cNvPr>
+          <p:cNvSpPr/>
+          <p:nvPr/>
+        </p:nvSpPr>
+        <p:spPr>
+          <a:xfrm>
+            <a:off x="8849062" y="2507333"/>
+            <a:ext cx="2041451" cy="604280"/>
+          </a:xfrm>
+          <a:prstGeom prst="rect">
+            <a:avLst/>
+          </a:prstGeom>
+          <a:solidFill>
+            <a:schemeClr val="accent5">
+              <a:lumMod val="60000"/>
+              <a:lumOff val="40000"/>
+            </a:schemeClr>
+          </a:solidFill>
+          <a:ln>
+            <a:noFill/>
+          </a:ln>
+        </p:spPr>
+        <p:style>
+          <a:lnRef idx="2">
+            <a:schemeClr val="accent1">
+              <a:shade val="50000"/>
+            </a:schemeClr>
+          </a:lnRef>
+          <a:fillRef idx="1">
+            <a:schemeClr val="accent1"/>
+          </a:fillRef>
+          <a:effectRef idx="0">
+            <a:schemeClr val="accent1"/>
+          </a:effectRef>
+          <a:fontRef idx="minor">
+            <a:schemeClr val="lt1"/>
+          </a:fontRef>
+        </p:style>
+        <p:txBody>
+          <a:bodyPr rtlCol="0" anchor="ctr"/>
+          <a:lstStyle/>
+          <a:p>
+            <a:pPr algn="ctr"/>
+            <a:r>
+              <a:rPr lang="ko-KR" altLang="en-US" dirty="0" err="1">
+                <a:solidFill>
+                  <a:schemeClr val="tx1"/>
+                </a:solidFill>
+              </a:rPr>
+              <a:t>박건후</a:t>
+            </a:r>
+            <a:endParaRPr lang="ko-KR" altLang="en-US" dirty="0">
+              <a:solidFill>
+                <a:schemeClr val="tx1"/>
+              </a:solidFill>
+            </a:endParaRPr>
+          </a:p>
+        </p:txBody>
+      </p:sp>
     </p:spTree>
     <p:extLst>
       <p:ext uri="{BB962C8B-B14F-4D97-AF65-F5344CB8AC3E}">
-        <p14:creationId xmlns:p14="http://schemas.microsoft.com/office/powerpoint/2010/main" val="2393631099"/>
+        <p14:creationId xmlns:p14="http://schemas.microsoft.com/office/powerpoint/2010/main" val="3644059987"/>
       </p:ext>
     </p:extLst>
   </p:cSld>
   <p:clrMapOvr>
     <a:masterClrMapping/>
   </p:clrMapOvr>
-  <mc:AlternateContent xmlns:mc="http://schemas.openxmlformats.org/markup-compatibility/2006" xmlns:p14="http://schemas.microsoft.com/office/powerpoint/2010/main">
-    <mc:Choice Requires="p14">
+  <mc:AlternateContent xmlns:mc="http://schemas.openxmlformats.org/markup-compatibility/2006">
+    <mc:Choice xmlns:p14="http://schemas.microsoft.com/office/powerpoint/2010/main" Requires="p14">
       <p:transition p14:dur="0"/>
     </mc:Choice>
-    <mc:Fallback xmlns="">
+    <mc:Fallback>
       <p:transition/>
     </mc:Fallback>
   </mc:AlternateContent>
@@ -5164,7 +5683,7 @@
         <p:spPr>
           <a:xfrm>
             <a:off x="329610" y="111525"/>
-            <a:ext cx="2443298" cy="584775"/>
+            <a:ext cx="1218603" cy="584775"/>
           </a:xfrm>
           <a:prstGeom prst="rect">
             <a:avLst/>
@@ -5186,7 +5705,7 @@
                   </a:schemeClr>
                 </a:solidFill>
               </a:rPr>
-              <a:t>2. </a:t>
+              <a:t>1. </a:t>
             </a:r>
             <a:r>
               <a:rPr lang="ko-KR" altLang="en-US" sz="3200" spc="-300" dirty="0">
@@ -5197,185 +5716,17 @@
                   </a:schemeClr>
                 </a:solidFill>
               </a:rPr>
-              <a:t>목표 및 동기</a:t>
-            </a:r>
-          </a:p>
-        </p:txBody>
-      </p:sp>
-      <p:sp>
-        <p:nvSpPr>
-          <p:cNvPr id="10" name="テキスト ボックス 17">
-            <a:extLst>
-              <a:ext uri="{FF2B5EF4-FFF2-40B4-BE49-F238E27FC236}">
-                <a16:creationId xmlns:a16="http://schemas.microsoft.com/office/drawing/2014/main" id="{A24ADCE6-0C4A-46CF-B1E4-BE5577903D68}"/>
-              </a:ext>
-            </a:extLst>
-          </p:cNvPr>
-          <p:cNvSpPr txBox="1"/>
-          <p:nvPr/>
-        </p:nvSpPr>
-        <p:spPr>
-          <a:xfrm>
-            <a:off x="6463710" y="1888240"/>
-            <a:ext cx="5535634" cy="646331"/>
-          </a:xfrm>
-          <a:prstGeom prst="rect">
-            <a:avLst/>
-          </a:prstGeom>
-          <a:noFill/>
-        </p:spPr>
-        <p:txBody>
-          <a:bodyPr wrap="square" rtlCol="0">
-            <a:spAutoFit/>
-          </a:bodyPr>
-          <a:lstStyle/>
-          <a:p>
-            <a:r>
-              <a:rPr lang="en-US" altLang="ko-KR" dirty="0">
-                <a:latin typeface="+mn-ea"/>
-              </a:rPr>
-              <a:t>4</a:t>
-            </a:r>
-            <a:r>
-              <a:rPr lang="ko-KR" altLang="en-US" dirty="0">
-                <a:latin typeface="+mn-ea"/>
-              </a:rPr>
-              <a:t>차 산업혁명과 더불어 기술주에 대한 관심은 커지고 있다</a:t>
-            </a:r>
-            <a:r>
-              <a:rPr lang="en-US" altLang="ko-KR" dirty="0">
-                <a:latin typeface="+mn-ea"/>
-              </a:rPr>
-              <a:t>.</a:t>
-            </a:r>
-            <a:endParaRPr kumimoji="1" lang="ja-JP" altLang="en-US" dirty="0">
-              <a:latin typeface="+mn-ea"/>
-            </a:endParaRPr>
-          </a:p>
-        </p:txBody>
-      </p:sp>
-      <p:sp>
-        <p:nvSpPr>
-          <p:cNvPr id="14" name="テキスト ボックス 17">
-            <a:extLst>
-              <a:ext uri="{FF2B5EF4-FFF2-40B4-BE49-F238E27FC236}">
-                <a16:creationId xmlns:a16="http://schemas.microsoft.com/office/drawing/2014/main" id="{46C5CCD6-6565-4701-A9D3-EEFDD1B2EBE0}"/>
-              </a:ext>
-            </a:extLst>
-          </p:cNvPr>
-          <p:cNvSpPr txBox="1"/>
-          <p:nvPr/>
-        </p:nvSpPr>
-        <p:spPr>
-          <a:xfrm>
-            <a:off x="6537608" y="3059668"/>
-            <a:ext cx="3916457" cy="369332"/>
-          </a:xfrm>
-          <a:prstGeom prst="rect">
-            <a:avLst/>
-          </a:prstGeom>
-          <a:noFill/>
-        </p:spPr>
-        <p:txBody>
-          <a:bodyPr wrap="none" rtlCol="0">
-            <a:spAutoFit/>
-          </a:bodyPr>
-          <a:lstStyle/>
-          <a:p>
-            <a:r>
-              <a:rPr kumimoji="1" lang="ko-KR" altLang="en-US" dirty="0">
-                <a:latin typeface="+mn-ea"/>
-              </a:rPr>
-              <a:t>전기차 시장은 점점 커지는 추세이다</a:t>
-            </a:r>
-            <a:r>
-              <a:rPr kumimoji="1" lang="en-US" altLang="ko-KR" dirty="0">
-                <a:latin typeface="+mn-ea"/>
-              </a:rPr>
-              <a:t>.</a:t>
-            </a:r>
-            <a:endParaRPr kumimoji="1" lang="ja-JP" altLang="en-US" dirty="0">
-              <a:latin typeface="+mn-ea"/>
-            </a:endParaRPr>
-          </a:p>
-        </p:txBody>
-      </p:sp>
-      <p:sp>
-        <p:nvSpPr>
-          <p:cNvPr id="19" name="テキスト ボックス 17">
-            <a:extLst>
-              <a:ext uri="{FF2B5EF4-FFF2-40B4-BE49-F238E27FC236}">
-                <a16:creationId xmlns:a16="http://schemas.microsoft.com/office/drawing/2014/main" id="{FA7B34B5-48C7-4AE1-9581-EE6381721C73}"/>
-              </a:ext>
-            </a:extLst>
-          </p:cNvPr>
-          <p:cNvSpPr txBox="1"/>
-          <p:nvPr/>
-        </p:nvSpPr>
-        <p:spPr>
-          <a:xfrm>
-            <a:off x="6537608" y="3954098"/>
-            <a:ext cx="4317207" cy="369332"/>
-          </a:xfrm>
-          <a:prstGeom prst="rect">
-            <a:avLst/>
-          </a:prstGeom>
-          <a:noFill/>
-        </p:spPr>
-        <p:txBody>
-          <a:bodyPr wrap="none" rtlCol="0">
-            <a:spAutoFit/>
-          </a:bodyPr>
-          <a:lstStyle/>
-          <a:p>
-            <a:r>
-              <a:rPr lang="ko-KR" altLang="en-US" dirty="0">
-                <a:latin typeface="+mn-ea"/>
-              </a:rPr>
-              <a:t>전기차 </a:t>
-            </a:r>
-            <a:r>
-              <a:rPr lang="en-US" altLang="ko-KR" dirty="0">
-                <a:latin typeface="+mn-ea"/>
-              </a:rPr>
-              <a:t>1</a:t>
-            </a:r>
-            <a:r>
-              <a:rPr lang="ko-KR" altLang="en-US" dirty="0">
-                <a:latin typeface="+mn-ea"/>
-              </a:rPr>
-              <a:t>위 기업인 </a:t>
-            </a:r>
-            <a:r>
-              <a:rPr lang="ko-KR" altLang="en-US" dirty="0" err="1">
-                <a:latin typeface="+mn-ea"/>
-              </a:rPr>
-              <a:t>테슬라를</a:t>
-            </a:r>
-            <a:r>
-              <a:rPr lang="ko-KR" altLang="en-US" dirty="0">
-                <a:latin typeface="+mn-ea"/>
-              </a:rPr>
-              <a:t> 분석해 보자</a:t>
-            </a:r>
-            <a:r>
-              <a:rPr lang="en-US" altLang="ko-KR" dirty="0">
-                <a:latin typeface="+mn-ea"/>
-              </a:rPr>
-              <a:t>.</a:t>
-            </a:r>
-            <a:endParaRPr kumimoji="1" lang="ja-JP" altLang="en-US" dirty="0">
-              <a:latin typeface="+mn-ea"/>
-            </a:endParaRPr>
-          </a:p>
-        </p:txBody>
-      </p:sp>
-      <p:sp>
-        <p:nvSpPr>
-          <p:cNvPr id="2" name="TextBox 1">
-            <a:extLst>
-              <a:ext uri="{FF2B5EF4-FFF2-40B4-BE49-F238E27FC236}">
-                <a16:creationId xmlns:a16="http://schemas.microsoft.com/office/drawing/2014/main" id="{B0DABB93-A057-4225-8ADA-52322A9B3C97}"/>
+              <a:t>주제</a:t>
+            </a:r>
+          </a:p>
+        </p:txBody>
+      </p:sp>
+      <p:sp>
+        <p:nvSpPr>
+          <p:cNvPr id="16" name="TextBox 15">
+            <a:extLst>
+              <a:ext uri="{FF2B5EF4-FFF2-40B4-BE49-F238E27FC236}">
+                <a16:creationId xmlns:a16="http://schemas.microsoft.com/office/drawing/2014/main" id="{FD5F3A16-019F-4601-B0EF-882D4466946E}"/>
               </a:ext>
             </a:extLst>
           </p:cNvPr>
@@ -5414,12 +5765,245 @@
           </a:p>
         </p:txBody>
       </p:sp>
+      <p:sp>
+        <p:nvSpPr>
+          <p:cNvPr id="20" name="직사각형 19">
+            <a:extLst>
+              <a:ext uri="{FF2B5EF4-FFF2-40B4-BE49-F238E27FC236}">
+                <a16:creationId xmlns:a16="http://schemas.microsoft.com/office/drawing/2014/main" id="{4FA2D4A9-E4C9-43E1-833A-7E0DFF5D4F34}"/>
+              </a:ext>
+            </a:extLst>
+          </p:cNvPr>
+          <p:cNvSpPr/>
+          <p:nvPr/>
+        </p:nvSpPr>
+        <p:spPr>
+          <a:xfrm>
+            <a:off x="1312934" y="1377686"/>
+            <a:ext cx="1168400" cy="1044000"/>
+          </a:xfrm>
+          <a:prstGeom prst="rect">
+            <a:avLst/>
+          </a:prstGeom>
+          <a:solidFill>
+            <a:schemeClr val="accent1"/>
+          </a:solidFill>
+          <a:ln>
+            <a:noFill/>
+          </a:ln>
+        </p:spPr>
+        <p:style>
+          <a:lnRef idx="2">
+            <a:schemeClr val="accent1">
+              <a:shade val="50000"/>
+            </a:schemeClr>
+          </a:lnRef>
+          <a:fillRef idx="1">
+            <a:schemeClr val="accent1"/>
+          </a:fillRef>
+          <a:effectRef idx="0">
+            <a:schemeClr val="accent1"/>
+          </a:effectRef>
+          <a:fontRef idx="minor">
+            <a:schemeClr val="lt1"/>
+          </a:fontRef>
+        </p:style>
+        <p:txBody>
+          <a:bodyPr rtlCol="0" anchor="ctr"/>
+          <a:lstStyle/>
+          <a:p>
+            <a:pPr algn="ctr"/>
+            <a:endParaRPr lang="ko-KR" altLang="en-US"/>
+          </a:p>
+        </p:txBody>
+      </p:sp>
+      <p:sp>
+        <p:nvSpPr>
+          <p:cNvPr id="21" name="직사각형 20">
+            <a:extLst>
+              <a:ext uri="{FF2B5EF4-FFF2-40B4-BE49-F238E27FC236}">
+                <a16:creationId xmlns:a16="http://schemas.microsoft.com/office/drawing/2014/main" id="{199B28CF-3E7E-44C5-AFDD-39DB4B288DDE}"/>
+              </a:ext>
+            </a:extLst>
+          </p:cNvPr>
+          <p:cNvSpPr/>
+          <p:nvPr/>
+        </p:nvSpPr>
+        <p:spPr>
+          <a:xfrm>
+            <a:off x="2722634" y="1377686"/>
+            <a:ext cx="8242300" cy="1044000"/>
+          </a:xfrm>
+          <a:prstGeom prst="rect">
+            <a:avLst/>
+          </a:prstGeom>
+          <a:solidFill>
+            <a:schemeClr val="accent1"/>
+          </a:solidFill>
+          <a:ln>
+            <a:noFill/>
+          </a:ln>
+        </p:spPr>
+        <p:style>
+          <a:lnRef idx="2">
+            <a:schemeClr val="accent1">
+              <a:shade val="50000"/>
+            </a:schemeClr>
+          </a:lnRef>
+          <a:fillRef idx="1">
+            <a:schemeClr val="accent1"/>
+          </a:fillRef>
+          <a:effectRef idx="0">
+            <a:schemeClr val="accent1"/>
+          </a:effectRef>
+          <a:fontRef idx="minor">
+            <a:schemeClr val="lt1"/>
+          </a:fontRef>
+        </p:style>
+        <p:txBody>
+          <a:bodyPr rtlCol="0" anchor="ctr"/>
+          <a:lstStyle/>
+          <a:p>
+            <a:pPr algn="ctr"/>
+            <a:endParaRPr lang="ko-KR" altLang="en-US"/>
+          </a:p>
+        </p:txBody>
+      </p:sp>
+      <p:sp>
+        <p:nvSpPr>
+          <p:cNvPr id="22" name="TextBox 21">
+            <a:extLst>
+              <a:ext uri="{FF2B5EF4-FFF2-40B4-BE49-F238E27FC236}">
+                <a16:creationId xmlns:a16="http://schemas.microsoft.com/office/drawing/2014/main" id="{8C314329-C635-4D26-B07F-D3530E7FDACB}"/>
+              </a:ext>
+            </a:extLst>
+          </p:cNvPr>
+          <p:cNvSpPr txBox="1"/>
+          <p:nvPr/>
+        </p:nvSpPr>
+        <p:spPr>
+          <a:xfrm>
+            <a:off x="1663770" y="1564563"/>
+            <a:ext cx="394659" cy="646331"/>
+          </a:xfrm>
+          <a:prstGeom prst="rect">
+            <a:avLst/>
+          </a:prstGeom>
+          <a:noFill/>
+        </p:spPr>
+        <p:txBody>
+          <a:bodyPr wrap="none" rtlCol="0">
+            <a:spAutoFit/>
+          </a:bodyPr>
+          <a:lstStyle/>
+          <a:p>
+            <a:pPr algn="ctr"/>
+            <a:r>
+              <a:rPr lang="en-US" altLang="ko-KR" sz="3600" spc="-300" dirty="0">
+                <a:solidFill>
+                  <a:schemeClr val="bg1"/>
+                </a:solidFill>
+                <a:latin typeface="+mn-ea"/>
+              </a:rPr>
+              <a:t>1</a:t>
+            </a:r>
+            <a:endParaRPr lang="ko-KR" altLang="en-US" sz="3600" spc="-300" dirty="0">
+              <a:solidFill>
+                <a:schemeClr val="bg1"/>
+              </a:solidFill>
+              <a:latin typeface="+mn-ea"/>
+            </a:endParaRPr>
+          </a:p>
+        </p:txBody>
+      </p:sp>
+      <p:sp>
+        <p:nvSpPr>
+          <p:cNvPr id="23" name="TextBox 22">
+            <a:extLst>
+              <a:ext uri="{FF2B5EF4-FFF2-40B4-BE49-F238E27FC236}">
+                <a16:creationId xmlns:a16="http://schemas.microsoft.com/office/drawing/2014/main" id="{8F38D731-D30D-4CD5-998D-867D2C15C15F}"/>
+              </a:ext>
+            </a:extLst>
+          </p:cNvPr>
+          <p:cNvSpPr txBox="1"/>
+          <p:nvPr/>
+        </p:nvSpPr>
+        <p:spPr>
+          <a:xfrm>
+            <a:off x="2979728" y="1610854"/>
+            <a:ext cx="7096815" cy="584775"/>
+          </a:xfrm>
+          <a:prstGeom prst="rect">
+            <a:avLst/>
+          </a:prstGeom>
+          <a:noFill/>
+        </p:spPr>
+        <p:txBody>
+          <a:bodyPr wrap="none" rtlCol="0">
+            <a:spAutoFit/>
+          </a:bodyPr>
+          <a:lstStyle/>
+          <a:p>
+            <a:r>
+              <a:rPr lang="ko-KR" altLang="en-US" sz="3200" spc="-300" dirty="0" err="1">
+                <a:solidFill>
+                  <a:schemeClr val="bg1"/>
+                </a:solidFill>
+                <a:latin typeface="+mn-ea"/>
+              </a:rPr>
+              <a:t>머신러닝으로</a:t>
+            </a:r>
+            <a:r>
+              <a:rPr lang="ko-KR" altLang="en-US" sz="3200" spc="-300" dirty="0">
+                <a:solidFill>
+                  <a:schemeClr val="bg1"/>
+                </a:solidFill>
+                <a:latin typeface="+mn-ea"/>
+              </a:rPr>
+              <a:t> </a:t>
+            </a:r>
+            <a:r>
+              <a:rPr lang="ko-KR" altLang="en-US" sz="3200" spc="-300" dirty="0" err="1">
+                <a:solidFill>
+                  <a:schemeClr val="bg1"/>
+                </a:solidFill>
+                <a:latin typeface="+mn-ea"/>
+              </a:rPr>
+              <a:t>테슬라의</a:t>
+            </a:r>
+            <a:r>
+              <a:rPr lang="ko-KR" altLang="en-US" sz="3200" spc="-300" dirty="0">
+                <a:solidFill>
+                  <a:schemeClr val="bg1"/>
+                </a:solidFill>
+                <a:latin typeface="+mn-ea"/>
+              </a:rPr>
+              <a:t> 주가를 예측해 보자</a:t>
+            </a:r>
+            <a:r>
+              <a:rPr lang="en-US" altLang="ko-KR" sz="3200" spc="-300" dirty="0">
+                <a:solidFill>
+                  <a:schemeClr val="bg1"/>
+                </a:solidFill>
+                <a:latin typeface="+mn-ea"/>
+              </a:rPr>
+              <a:t>.</a:t>
+            </a:r>
+            <a:endParaRPr lang="ko-KR" altLang="en-US" sz="3200" spc="-300" dirty="0">
+              <a:solidFill>
+                <a:schemeClr val="bg1"/>
+              </a:solidFill>
+              <a:latin typeface="+mn-ea"/>
+            </a:endParaRPr>
+          </a:p>
+        </p:txBody>
+      </p:sp>
       <p:pic>
         <p:nvPicPr>
-          <p:cNvPr id="22" name="그림 21">
-            <a:extLst>
-              <a:ext uri="{FF2B5EF4-FFF2-40B4-BE49-F238E27FC236}">
-                <a16:creationId xmlns:a16="http://schemas.microsoft.com/office/drawing/2014/main" id="{A03DC665-7B33-46DC-8C98-58494836828C}"/>
+          <p:cNvPr id="3" name="그림 2">
+            <a:extLst>
+              <a:ext uri="{FF2B5EF4-FFF2-40B4-BE49-F238E27FC236}">
+                <a16:creationId xmlns:a16="http://schemas.microsoft.com/office/drawing/2014/main" id="{070B6218-8546-403B-8EAF-81A1C7FD8F77}"/>
               </a:ext>
             </a:extLst>
           </p:cNvPr>
@@ -5429,37 +6013,7 @@
           <p:nvPr/>
         </p:nvPicPr>
         <p:blipFill>
-          <a:blip r:embed="rId2"/>
-          <a:stretch>
-            <a:fillRect/>
-          </a:stretch>
-        </p:blipFill>
-        <p:spPr>
-          <a:xfrm>
-            <a:off x="353943" y="1481442"/>
-            <a:ext cx="6134100" cy="3857625"/>
-          </a:xfrm>
-          <a:prstGeom prst="rect">
-            <a:avLst/>
-          </a:prstGeom>
-        </p:spPr>
-      </p:pic>
-      <p:pic>
-        <p:nvPicPr>
-          <p:cNvPr id="6" name="그림 5" descr="텍스트, 하늘, 실외, 표지판이(가) 표시된 사진&#10;&#10;자동 생성된 설명">
-            <a:extLst>
-              <a:ext uri="{FF2B5EF4-FFF2-40B4-BE49-F238E27FC236}">
-                <a16:creationId xmlns:a16="http://schemas.microsoft.com/office/drawing/2014/main" id="{D547D4A2-8072-4FD2-BD6C-3A3225123CB5}"/>
-              </a:ext>
-            </a:extLst>
-          </p:cNvPr>
-          <p:cNvPicPr>
-            <a:picLocks noChangeAspect="1"/>
-          </p:cNvPicPr>
-          <p:nvPr/>
-        </p:nvPicPr>
-        <p:blipFill>
-          <a:blip r:embed="rId3" cstate="screen">
+          <a:blip r:embed="rId2">
             <a:extLst>
               <a:ext uri="{28A0092B-C50C-407E-A947-70E740481C1C}">
                 <a14:useLocalDpi xmlns:a14="http://schemas.microsoft.com/office/drawing/2010/main" val="0"/>
@@ -5472,8 +6026,8 @@
         </p:blipFill>
         <p:spPr>
           <a:xfrm>
-            <a:off x="7357145" y="4681963"/>
-            <a:ext cx="2781134" cy="1852268"/>
+            <a:off x="1312935" y="2850906"/>
+            <a:ext cx="9651998" cy="3584399"/>
           </a:xfrm>
           <a:prstGeom prst="rect">
             <a:avLst/>
@@ -5483,7 +6037,7 @@
     </p:spTree>
     <p:extLst>
       <p:ext uri="{BB962C8B-B14F-4D97-AF65-F5344CB8AC3E}">
-        <p14:creationId xmlns:p14="http://schemas.microsoft.com/office/powerpoint/2010/main" val="3320331382"/>
+        <p14:creationId xmlns:p14="http://schemas.microsoft.com/office/powerpoint/2010/main" val="2393631099"/>
       </p:ext>
     </p:extLst>
   </p:cSld>
@@ -5668,6 +6222,174 @@
       </p:sp>
       <p:sp>
         <p:nvSpPr>
+          <p:cNvPr id="10" name="テキスト ボックス 17">
+            <a:extLst>
+              <a:ext uri="{FF2B5EF4-FFF2-40B4-BE49-F238E27FC236}">
+                <a16:creationId xmlns:a16="http://schemas.microsoft.com/office/drawing/2014/main" id="{A24ADCE6-0C4A-46CF-B1E4-BE5577903D68}"/>
+              </a:ext>
+            </a:extLst>
+          </p:cNvPr>
+          <p:cNvSpPr txBox="1"/>
+          <p:nvPr/>
+        </p:nvSpPr>
+        <p:spPr>
+          <a:xfrm>
+            <a:off x="6463710" y="1888240"/>
+            <a:ext cx="5535634" cy="646331"/>
+          </a:xfrm>
+          <a:prstGeom prst="rect">
+            <a:avLst/>
+          </a:prstGeom>
+          <a:noFill/>
+        </p:spPr>
+        <p:txBody>
+          <a:bodyPr wrap="square" rtlCol="0">
+            <a:spAutoFit/>
+          </a:bodyPr>
+          <a:lstStyle/>
+          <a:p>
+            <a:r>
+              <a:rPr lang="en-US" altLang="ko-KR" dirty="0">
+                <a:latin typeface="+mn-ea"/>
+              </a:rPr>
+              <a:t>4</a:t>
+            </a:r>
+            <a:r>
+              <a:rPr lang="ko-KR" altLang="en-US" dirty="0">
+                <a:latin typeface="+mn-ea"/>
+              </a:rPr>
+              <a:t>차 산업혁명과 더불어 기술주에 대한 관심은 커지고 있다</a:t>
+            </a:r>
+            <a:r>
+              <a:rPr lang="en-US" altLang="ko-KR" dirty="0">
+                <a:latin typeface="+mn-ea"/>
+              </a:rPr>
+              <a:t>.</a:t>
+            </a:r>
+            <a:endParaRPr kumimoji="1" lang="ja-JP" altLang="en-US" dirty="0">
+              <a:latin typeface="+mn-ea"/>
+            </a:endParaRPr>
+          </a:p>
+        </p:txBody>
+      </p:sp>
+      <p:sp>
+        <p:nvSpPr>
+          <p:cNvPr id="14" name="テキスト ボックス 17">
+            <a:extLst>
+              <a:ext uri="{FF2B5EF4-FFF2-40B4-BE49-F238E27FC236}">
+                <a16:creationId xmlns:a16="http://schemas.microsoft.com/office/drawing/2014/main" id="{46C5CCD6-6565-4701-A9D3-EEFDD1B2EBE0}"/>
+              </a:ext>
+            </a:extLst>
+          </p:cNvPr>
+          <p:cNvSpPr txBox="1"/>
+          <p:nvPr/>
+        </p:nvSpPr>
+        <p:spPr>
+          <a:xfrm>
+            <a:off x="6537608" y="3059668"/>
+            <a:ext cx="3916457" cy="369332"/>
+          </a:xfrm>
+          <a:prstGeom prst="rect">
+            <a:avLst/>
+          </a:prstGeom>
+          <a:noFill/>
+        </p:spPr>
+        <p:txBody>
+          <a:bodyPr wrap="none" rtlCol="0">
+            <a:spAutoFit/>
+          </a:bodyPr>
+          <a:lstStyle/>
+          <a:p>
+            <a:r>
+              <a:rPr kumimoji="1" lang="ko-KR" altLang="en-US" dirty="0">
+                <a:latin typeface="+mn-ea"/>
+              </a:rPr>
+              <a:t>전기차 시장은 점점 커지는 추세이다</a:t>
+            </a:r>
+            <a:r>
+              <a:rPr kumimoji="1" lang="en-US" altLang="ko-KR" dirty="0">
+                <a:latin typeface="+mn-ea"/>
+              </a:rPr>
+              <a:t>.</a:t>
+            </a:r>
+            <a:endParaRPr kumimoji="1" lang="ja-JP" altLang="en-US" dirty="0">
+              <a:latin typeface="+mn-ea"/>
+            </a:endParaRPr>
+          </a:p>
+        </p:txBody>
+      </p:sp>
+      <p:sp>
+        <p:nvSpPr>
+          <p:cNvPr id="19" name="テキスト ボックス 17">
+            <a:extLst>
+              <a:ext uri="{FF2B5EF4-FFF2-40B4-BE49-F238E27FC236}">
+                <a16:creationId xmlns:a16="http://schemas.microsoft.com/office/drawing/2014/main" id="{FA7B34B5-48C7-4AE1-9581-EE6381721C73}"/>
+              </a:ext>
+            </a:extLst>
+          </p:cNvPr>
+          <p:cNvSpPr txBox="1"/>
+          <p:nvPr/>
+        </p:nvSpPr>
+        <p:spPr>
+          <a:xfrm>
+            <a:off x="6537608" y="3954098"/>
+            <a:ext cx="4317207" cy="369332"/>
+          </a:xfrm>
+          <a:prstGeom prst="rect">
+            <a:avLst/>
+          </a:prstGeom>
+          <a:noFill/>
+        </p:spPr>
+        <p:txBody>
+          <a:bodyPr wrap="none" rtlCol="0">
+            <a:spAutoFit/>
+          </a:bodyPr>
+          <a:lstStyle/>
+          <a:p>
+            <a:r>
+              <a:rPr lang="ko-KR" altLang="en-US" dirty="0">
+                <a:latin typeface="+mn-ea"/>
+              </a:rPr>
+              <a:t>전기차 </a:t>
+            </a:r>
+            <a:r>
+              <a:rPr lang="en-US" altLang="ko-KR" dirty="0">
+                <a:latin typeface="+mn-ea"/>
+              </a:rPr>
+              <a:t>1</a:t>
+            </a:r>
+            <a:r>
+              <a:rPr lang="ko-KR" altLang="en-US" dirty="0">
+                <a:latin typeface="+mn-ea"/>
+              </a:rPr>
+              <a:t>위 기업인 </a:t>
+            </a:r>
+            <a:r>
+              <a:rPr lang="ko-KR" altLang="en-US" dirty="0" err="1">
+                <a:latin typeface="+mn-ea"/>
+              </a:rPr>
+              <a:t>테슬라를</a:t>
+            </a:r>
+            <a:r>
+              <a:rPr lang="ko-KR" altLang="en-US" dirty="0">
+                <a:latin typeface="+mn-ea"/>
+              </a:rPr>
+              <a:t> 분석해 보자</a:t>
+            </a:r>
+            <a:r>
+              <a:rPr lang="en-US" altLang="ko-KR" dirty="0">
+                <a:latin typeface="+mn-ea"/>
+              </a:rPr>
+              <a:t>.</a:t>
+            </a:r>
+            <a:endParaRPr kumimoji="1" lang="ja-JP" altLang="en-US" dirty="0">
+              <a:latin typeface="+mn-ea"/>
+            </a:endParaRPr>
+          </a:p>
+        </p:txBody>
+      </p:sp>
+      <p:sp>
+        <p:nvSpPr>
           <p:cNvPr id="2" name="TextBox 1">
             <a:extLst>
               <a:ext uri="{FF2B5EF4-FFF2-40B4-BE49-F238E27FC236}">
@@ -5712,10 +6434,10 @@
       </p:sp>
       <p:pic>
         <p:nvPicPr>
-          <p:cNvPr id="13" name="그림 12">
-            <a:extLst>
-              <a:ext uri="{FF2B5EF4-FFF2-40B4-BE49-F238E27FC236}">
-                <a16:creationId xmlns:a16="http://schemas.microsoft.com/office/drawing/2014/main" id="{5D1617CB-422C-4200-B57E-F0448EE10BFD}"/>
+          <p:cNvPr id="22" name="그림 21">
+            <a:extLst>
+              <a:ext uri="{FF2B5EF4-FFF2-40B4-BE49-F238E27FC236}">
+                <a16:creationId xmlns:a16="http://schemas.microsoft.com/office/drawing/2014/main" id="{A03DC665-7B33-46DC-8C98-58494836828C}"/>
               </a:ext>
             </a:extLst>
           </p:cNvPr>
@@ -5725,21 +6447,15 @@
           <p:nvPr/>
         </p:nvPicPr>
         <p:blipFill>
-          <a:blip r:embed="rId2" cstate="screen">
-            <a:extLst>
-              <a:ext uri="{28A0092B-C50C-407E-A947-70E740481C1C}">
-                <a14:useLocalDpi xmlns:a14="http://schemas.microsoft.com/office/drawing/2010/main" val="0"/>
-              </a:ext>
-            </a:extLst>
-          </a:blip>
+          <a:blip r:embed="rId2"/>
           <a:stretch>
             <a:fillRect/>
           </a:stretch>
         </p:blipFill>
         <p:spPr>
           <a:xfrm>
-            <a:off x="571679" y="1145493"/>
-            <a:ext cx="5498341" cy="3093572"/>
+            <a:off x="353943" y="1481442"/>
+            <a:ext cx="6134100" cy="3857625"/>
           </a:xfrm>
           <a:prstGeom prst="rect">
             <a:avLst/>
@@ -5748,10 +6464,10 @@
       </p:pic>
       <p:pic>
         <p:nvPicPr>
-          <p:cNvPr id="17" name="그림 16">
-            <a:extLst>
-              <a:ext uri="{FF2B5EF4-FFF2-40B4-BE49-F238E27FC236}">
-                <a16:creationId xmlns:a16="http://schemas.microsoft.com/office/drawing/2014/main" id="{5BC78C97-5CA9-4B15-BE8D-551135FFDBA6}"/>
+          <p:cNvPr id="6" name="그림 5" descr="텍스트, 하늘, 실외, 표지판이(가) 표시된 사진&#10;&#10;자동 생성된 설명">
+            <a:extLst>
+              <a:ext uri="{FF2B5EF4-FFF2-40B4-BE49-F238E27FC236}">
+                <a16:creationId xmlns:a16="http://schemas.microsoft.com/office/drawing/2014/main" id="{D547D4A2-8072-4FD2-BD6C-3A3225123CB5}"/>
               </a:ext>
             </a:extLst>
           </p:cNvPr>
@@ -5761,7 +6477,7 @@
           <p:nvPr/>
         </p:nvPicPr>
         <p:blipFill>
-          <a:blip r:embed="rId3">
+          <a:blip r:embed="rId3" cstate="screen">
             <a:extLst>
               <a:ext uri="{28A0092B-C50C-407E-A947-70E740481C1C}">
                 <a14:useLocalDpi xmlns:a14="http://schemas.microsoft.com/office/drawing/2010/main" val="0"/>
@@ -5774,88 +6490,18 @@
         </p:blipFill>
         <p:spPr>
           <a:xfrm>
-            <a:off x="6121982" y="1145494"/>
-            <a:ext cx="6020640" cy="3022736"/>
+            <a:off x="7357145" y="4681963"/>
+            <a:ext cx="2781134" cy="1852268"/>
           </a:xfrm>
           <a:prstGeom prst="rect">
             <a:avLst/>
           </a:prstGeom>
         </p:spPr>
       </p:pic>
-      <p:sp>
-        <p:nvSpPr>
-          <p:cNvPr id="20" name="テキスト ボックス 17">
-            <a:extLst>
-              <a:ext uri="{FF2B5EF4-FFF2-40B4-BE49-F238E27FC236}">
-                <a16:creationId xmlns:a16="http://schemas.microsoft.com/office/drawing/2014/main" id="{7A29494F-8DD8-43B6-9599-1A5D747FF4E5}"/>
-              </a:ext>
-            </a:extLst>
-          </p:cNvPr>
-          <p:cNvSpPr txBox="1"/>
-          <p:nvPr/>
-        </p:nvSpPr>
-        <p:spPr>
-          <a:xfrm>
-            <a:off x="1822167" y="4923087"/>
-            <a:ext cx="8832867" cy="369332"/>
-          </a:xfrm>
-          <a:prstGeom prst="rect">
-            <a:avLst/>
-          </a:prstGeom>
-          <a:noFill/>
-        </p:spPr>
-        <p:txBody>
-          <a:bodyPr wrap="none" rtlCol="0">
-            <a:spAutoFit/>
-          </a:bodyPr>
-          <a:lstStyle/>
-          <a:p>
-            <a:r>
-              <a:rPr lang="ko-KR" altLang="en-US" dirty="0">
-                <a:latin typeface="+mn-ea"/>
-              </a:rPr>
-              <a:t>핵심 부품 생산량과 원자재 가격</a:t>
-            </a:r>
-            <a:r>
-              <a:rPr lang="en-US" altLang="ko-KR" dirty="0">
-                <a:latin typeface="+mn-ea"/>
-              </a:rPr>
-              <a:t>, </a:t>
-            </a:r>
-            <a:r>
-              <a:rPr lang="ko-KR" altLang="en-US" dirty="0">
-                <a:latin typeface="+mn-ea"/>
-              </a:rPr>
-              <a:t>국제 유가 등 으로 </a:t>
-            </a:r>
-            <a:r>
-              <a:rPr lang="ko-KR" altLang="en-US" dirty="0" err="1">
-                <a:latin typeface="+mn-ea"/>
-              </a:rPr>
-              <a:t>테슬라의</a:t>
-            </a:r>
-            <a:r>
-              <a:rPr lang="ko-KR" altLang="en-US" dirty="0">
-                <a:latin typeface="+mn-ea"/>
-              </a:rPr>
-              <a:t> 주가를 예측할 수 있을까</a:t>
-            </a:r>
-            <a:r>
-              <a:rPr lang="en-US" altLang="ko-KR" dirty="0">
-                <a:latin typeface="+mn-ea"/>
-              </a:rPr>
-              <a:t>?</a:t>
-            </a:r>
-            <a:endParaRPr kumimoji="1" lang="ja-JP" altLang="en-US" dirty="0">
-              <a:latin typeface="+mn-ea"/>
-            </a:endParaRPr>
-          </a:p>
-        </p:txBody>
-      </p:sp>
     </p:spTree>
     <p:extLst>
       <p:ext uri="{BB962C8B-B14F-4D97-AF65-F5344CB8AC3E}">
-        <p14:creationId xmlns:p14="http://schemas.microsoft.com/office/powerpoint/2010/main" val="1742840002"/>
+        <p14:creationId xmlns:p14="http://schemas.microsoft.com/office/powerpoint/2010/main" val="3320331382"/>
       </p:ext>
     </p:extLst>
   </p:cSld>
@@ -6000,7 +6646,7 @@
         <p:spPr>
           <a:xfrm>
             <a:off x="329610" y="111525"/>
-            <a:ext cx="3187091" cy="584775"/>
+            <a:ext cx="2443298" cy="584775"/>
           </a:xfrm>
           <a:prstGeom prst="rect">
             <a:avLst/>
@@ -6022,7 +6668,7 @@
                   </a:schemeClr>
                 </a:solidFill>
               </a:rPr>
-              <a:t>3. </a:t>
+              <a:t>2. </a:t>
             </a:r>
             <a:r>
               <a:rPr lang="ko-KR" altLang="en-US" sz="3200" spc="-300" dirty="0">
@@ -6033,39 +6679,17 @@
                   </a:schemeClr>
                 </a:solidFill>
               </a:rPr>
-              <a:t>데이터</a:t>
-            </a:r>
-            <a:r>
-              <a:rPr lang="en-US" altLang="ko-KR" sz="3200" spc="-300" dirty="0">
-                <a:solidFill>
-                  <a:schemeClr val="tx1">
-                    <a:lumMod val="85000"/>
-                    <a:lumOff val="15000"/>
-                  </a:schemeClr>
-                </a:solidFill>
-              </a:rPr>
-              <a:t> </a:t>
-            </a:r>
-            <a:r>
-              <a:rPr lang="ko-KR" altLang="en-US" sz="3200" spc="-300" dirty="0">
-                <a:solidFill>
-                  <a:schemeClr val="tx1">
-                    <a:lumMod val="85000"/>
-                    <a:lumOff val="15000"/>
-                  </a:schemeClr>
-                </a:solidFill>
-              </a:rPr>
-              <a:t>확보 방법</a:t>
-            </a:r>
-          </a:p>
-        </p:txBody>
-      </p:sp>
-      <p:sp>
-        <p:nvSpPr>
-          <p:cNvPr id="16" name="TextBox 15">
-            <a:extLst>
-              <a:ext uri="{FF2B5EF4-FFF2-40B4-BE49-F238E27FC236}">
-                <a16:creationId xmlns:a16="http://schemas.microsoft.com/office/drawing/2014/main" id="{FD5F3A16-019F-4601-B0EF-882D4466946E}"/>
+              <a:t>목표 및 동기</a:t>
+            </a:r>
+          </a:p>
+        </p:txBody>
+      </p:sp>
+      <p:sp>
+        <p:nvSpPr>
+          <p:cNvPr id="2" name="TextBox 1">
+            <a:extLst>
+              <a:ext uri="{FF2B5EF4-FFF2-40B4-BE49-F238E27FC236}">
+                <a16:creationId xmlns:a16="http://schemas.microsoft.com/office/drawing/2014/main" id="{B0DABB93-A057-4225-8ADA-52322A9B3C97}"/>
               </a:ext>
             </a:extLst>
           </p:cNvPr>
@@ -6104,439 +6728,12 @@
           </a:p>
         </p:txBody>
       </p:sp>
-      <p:sp>
-        <p:nvSpPr>
-          <p:cNvPr id="20" name="직사각형 19">
-            <a:extLst>
-              <a:ext uri="{FF2B5EF4-FFF2-40B4-BE49-F238E27FC236}">
-                <a16:creationId xmlns:a16="http://schemas.microsoft.com/office/drawing/2014/main" id="{4FA2D4A9-E4C9-43E1-833A-7E0DFF5D4F34}"/>
-              </a:ext>
-            </a:extLst>
-          </p:cNvPr>
-          <p:cNvSpPr/>
-          <p:nvPr/>
-        </p:nvSpPr>
-        <p:spPr>
-          <a:xfrm>
-            <a:off x="1278428" y="1327506"/>
-            <a:ext cx="1168400" cy="1044000"/>
-          </a:xfrm>
-          <a:prstGeom prst="rect">
-            <a:avLst/>
-          </a:prstGeom>
-          <a:solidFill>
-            <a:schemeClr val="accent1"/>
-          </a:solidFill>
-          <a:ln>
-            <a:noFill/>
-          </a:ln>
-        </p:spPr>
-        <p:style>
-          <a:lnRef idx="2">
-            <a:schemeClr val="accent1">
-              <a:shade val="50000"/>
-            </a:schemeClr>
-          </a:lnRef>
-          <a:fillRef idx="1">
-            <a:schemeClr val="accent1"/>
-          </a:fillRef>
-          <a:effectRef idx="0">
-            <a:schemeClr val="accent1"/>
-          </a:effectRef>
-          <a:fontRef idx="minor">
-            <a:schemeClr val="lt1"/>
-          </a:fontRef>
-        </p:style>
-        <p:txBody>
-          <a:bodyPr rtlCol="0" anchor="ctr"/>
-          <a:lstStyle/>
-          <a:p>
-            <a:pPr algn="ctr"/>
-            <a:endParaRPr lang="ko-KR" altLang="en-US"/>
-          </a:p>
-        </p:txBody>
-      </p:sp>
-      <p:sp>
-        <p:nvSpPr>
-          <p:cNvPr id="21" name="직사각형 20">
-            <a:extLst>
-              <a:ext uri="{FF2B5EF4-FFF2-40B4-BE49-F238E27FC236}">
-                <a16:creationId xmlns:a16="http://schemas.microsoft.com/office/drawing/2014/main" id="{199B28CF-3E7E-44C5-AFDD-39DB4B288DDE}"/>
-              </a:ext>
-            </a:extLst>
-          </p:cNvPr>
-          <p:cNvSpPr/>
-          <p:nvPr/>
-        </p:nvSpPr>
-        <p:spPr>
-          <a:xfrm>
-            <a:off x="2688128" y="1327506"/>
-            <a:ext cx="8242300" cy="1044000"/>
-          </a:xfrm>
-          <a:prstGeom prst="rect">
-            <a:avLst/>
-          </a:prstGeom>
-          <a:solidFill>
-            <a:schemeClr val="accent1"/>
-          </a:solidFill>
-          <a:ln>
-            <a:noFill/>
-          </a:ln>
-        </p:spPr>
-        <p:style>
-          <a:lnRef idx="2">
-            <a:schemeClr val="accent1">
-              <a:shade val="50000"/>
-            </a:schemeClr>
-          </a:lnRef>
-          <a:fillRef idx="1">
-            <a:schemeClr val="accent1"/>
-          </a:fillRef>
-          <a:effectRef idx="0">
-            <a:schemeClr val="accent1"/>
-          </a:effectRef>
-          <a:fontRef idx="minor">
-            <a:schemeClr val="lt1"/>
-          </a:fontRef>
-        </p:style>
-        <p:txBody>
-          <a:bodyPr rtlCol="0" anchor="ctr"/>
-          <a:lstStyle/>
-          <a:p>
-            <a:pPr algn="ctr"/>
-            <a:endParaRPr lang="ko-KR" altLang="en-US"/>
-          </a:p>
-        </p:txBody>
-      </p:sp>
-      <p:sp>
-        <p:nvSpPr>
-          <p:cNvPr id="22" name="TextBox 21">
-            <a:extLst>
-              <a:ext uri="{FF2B5EF4-FFF2-40B4-BE49-F238E27FC236}">
-                <a16:creationId xmlns:a16="http://schemas.microsoft.com/office/drawing/2014/main" id="{8C314329-C635-4D26-B07F-D3530E7FDACB}"/>
-              </a:ext>
-            </a:extLst>
-          </p:cNvPr>
-          <p:cNvSpPr txBox="1"/>
-          <p:nvPr/>
-        </p:nvSpPr>
-        <p:spPr>
-          <a:xfrm>
-            <a:off x="1629264" y="1514383"/>
-            <a:ext cx="394659" cy="646331"/>
-          </a:xfrm>
-          <a:prstGeom prst="rect">
-            <a:avLst/>
-          </a:prstGeom>
-          <a:noFill/>
-        </p:spPr>
-        <p:txBody>
-          <a:bodyPr wrap="none" rtlCol="0">
-            <a:spAutoFit/>
-          </a:bodyPr>
-          <a:lstStyle/>
-          <a:p>
-            <a:pPr algn="ctr"/>
-            <a:r>
-              <a:rPr lang="en-US" altLang="ko-KR" sz="3600" spc="-300" dirty="0">
-                <a:solidFill>
-                  <a:schemeClr val="bg1"/>
-                </a:solidFill>
-                <a:latin typeface="+mn-ea"/>
-              </a:rPr>
-              <a:t>1</a:t>
-            </a:r>
-            <a:endParaRPr lang="ko-KR" altLang="en-US" sz="3600" spc="-300" dirty="0">
-              <a:solidFill>
-                <a:schemeClr val="bg1"/>
-              </a:solidFill>
-              <a:latin typeface="+mn-ea"/>
-            </a:endParaRPr>
-          </a:p>
-        </p:txBody>
-      </p:sp>
-      <p:sp>
-        <p:nvSpPr>
-          <p:cNvPr id="23" name="TextBox 22">
-            <a:extLst>
-              <a:ext uri="{FF2B5EF4-FFF2-40B4-BE49-F238E27FC236}">
-                <a16:creationId xmlns:a16="http://schemas.microsoft.com/office/drawing/2014/main" id="{8F38D731-D30D-4CD5-998D-867D2C15C15F}"/>
-              </a:ext>
-            </a:extLst>
-          </p:cNvPr>
-          <p:cNvSpPr txBox="1"/>
-          <p:nvPr/>
-        </p:nvSpPr>
-        <p:spPr>
-          <a:xfrm>
-            <a:off x="2945222" y="1560674"/>
-            <a:ext cx="2470548" cy="584775"/>
-          </a:xfrm>
-          <a:prstGeom prst="rect">
-            <a:avLst/>
-          </a:prstGeom>
-          <a:noFill/>
-        </p:spPr>
-        <p:txBody>
-          <a:bodyPr wrap="none" rtlCol="0">
-            <a:spAutoFit/>
-          </a:bodyPr>
-          <a:lstStyle/>
-          <a:p>
-            <a:r>
-              <a:rPr lang="ko-KR" altLang="en-US" sz="3200" spc="-300" dirty="0">
-                <a:solidFill>
-                  <a:schemeClr val="bg1"/>
-                </a:solidFill>
-                <a:latin typeface="+mn-ea"/>
-              </a:rPr>
-              <a:t>야후 </a:t>
-            </a:r>
-            <a:r>
-              <a:rPr lang="ko-KR" altLang="en-US" sz="3200" spc="-300" dirty="0" err="1">
-                <a:solidFill>
-                  <a:schemeClr val="bg1"/>
-                </a:solidFill>
-                <a:latin typeface="+mn-ea"/>
-              </a:rPr>
-              <a:t>파이낸스</a:t>
-            </a:r>
-            <a:endParaRPr lang="ko-KR" altLang="en-US" sz="3200" spc="-300" dirty="0">
-              <a:solidFill>
-                <a:schemeClr val="bg1"/>
-              </a:solidFill>
-              <a:latin typeface="+mn-ea"/>
-            </a:endParaRPr>
-          </a:p>
-        </p:txBody>
-      </p:sp>
-      <p:sp>
-        <p:nvSpPr>
-          <p:cNvPr id="24" name="직사각형 23">
-            <a:extLst>
-              <a:ext uri="{FF2B5EF4-FFF2-40B4-BE49-F238E27FC236}">
-                <a16:creationId xmlns:a16="http://schemas.microsoft.com/office/drawing/2014/main" id="{887E0D8A-DD27-4A53-A279-753B49A4E136}"/>
-              </a:ext>
-            </a:extLst>
-          </p:cNvPr>
-          <p:cNvSpPr/>
-          <p:nvPr/>
-        </p:nvSpPr>
-        <p:spPr>
-          <a:xfrm>
-            <a:off x="1278428" y="2647007"/>
-            <a:ext cx="1168400" cy="1044000"/>
-          </a:xfrm>
-          <a:prstGeom prst="rect">
-            <a:avLst/>
-          </a:prstGeom>
-          <a:solidFill>
-            <a:schemeClr val="accent2"/>
-          </a:solidFill>
-          <a:ln>
-            <a:noFill/>
-          </a:ln>
-        </p:spPr>
-        <p:style>
-          <a:lnRef idx="0">
-            <a:scrgbClr r="0" g="0" b="0"/>
-          </a:lnRef>
-          <a:fillRef idx="0">
-            <a:scrgbClr r="0" g="0" b="0"/>
-          </a:fillRef>
-          <a:effectRef idx="0">
-            <a:scrgbClr r="0" g="0" b="0"/>
-          </a:effectRef>
-          <a:fontRef idx="minor">
-            <a:schemeClr val="lt1"/>
-          </a:fontRef>
-        </p:style>
-        <p:txBody>
-          <a:bodyPr rtlCol="0" anchor="ctr"/>
-          <a:lstStyle/>
-          <a:p>
-            <a:pPr algn="ctr"/>
-            <a:endParaRPr lang="ko-KR" altLang="en-US"/>
-          </a:p>
-        </p:txBody>
-      </p:sp>
-      <p:sp>
-        <p:nvSpPr>
-          <p:cNvPr id="25" name="직사각형 24">
-            <a:extLst>
-              <a:ext uri="{FF2B5EF4-FFF2-40B4-BE49-F238E27FC236}">
-                <a16:creationId xmlns:a16="http://schemas.microsoft.com/office/drawing/2014/main" id="{5F192B7F-CF9B-4CE2-81F8-827E779C4742}"/>
-              </a:ext>
-            </a:extLst>
-          </p:cNvPr>
-          <p:cNvSpPr/>
-          <p:nvPr/>
-        </p:nvSpPr>
-        <p:spPr>
-          <a:xfrm>
-            <a:off x="2688128" y="2647007"/>
-            <a:ext cx="8242300" cy="1044000"/>
-          </a:xfrm>
-          <a:prstGeom prst="rect">
-            <a:avLst/>
-          </a:prstGeom>
-          <a:solidFill>
-            <a:schemeClr val="accent2"/>
-          </a:solidFill>
-          <a:ln>
-            <a:noFill/>
-          </a:ln>
-        </p:spPr>
-        <p:style>
-          <a:lnRef idx="0">
-            <a:scrgbClr r="0" g="0" b="0"/>
-          </a:lnRef>
-          <a:fillRef idx="0">
-            <a:scrgbClr r="0" g="0" b="0"/>
-          </a:fillRef>
-          <a:effectRef idx="0">
-            <a:scrgbClr r="0" g="0" b="0"/>
-          </a:effectRef>
-          <a:fontRef idx="minor">
-            <a:schemeClr val="lt1"/>
-          </a:fontRef>
-        </p:style>
-        <p:txBody>
-          <a:bodyPr rtlCol="0" anchor="ctr"/>
-          <a:lstStyle/>
-          <a:p>
-            <a:pPr algn="ctr"/>
-            <a:endParaRPr lang="ko-KR" altLang="en-US"/>
-          </a:p>
-        </p:txBody>
-      </p:sp>
-      <p:sp>
-        <p:nvSpPr>
-          <p:cNvPr id="26" name="TextBox 25">
-            <a:extLst>
-              <a:ext uri="{FF2B5EF4-FFF2-40B4-BE49-F238E27FC236}">
-                <a16:creationId xmlns:a16="http://schemas.microsoft.com/office/drawing/2014/main" id="{A1E2D36A-7646-4481-8FD3-C7DE69DFE174}"/>
-              </a:ext>
-            </a:extLst>
-          </p:cNvPr>
-          <p:cNvSpPr txBox="1"/>
-          <p:nvPr/>
-        </p:nvSpPr>
-        <p:spPr>
-          <a:xfrm>
-            <a:off x="1639898" y="2844222"/>
-            <a:ext cx="394659" cy="646331"/>
-          </a:xfrm>
-          <a:prstGeom prst="rect">
-            <a:avLst/>
-          </a:prstGeom>
-          <a:noFill/>
-          <a:ln>
-            <a:noFill/>
-          </a:ln>
-        </p:spPr>
-        <p:style>
-          <a:lnRef idx="0">
-            <a:scrgbClr r="0" g="0" b="0"/>
-          </a:lnRef>
-          <a:fillRef idx="0">
-            <a:scrgbClr r="0" g="0" b="0"/>
-          </a:fillRef>
-          <a:effectRef idx="0">
-            <a:scrgbClr r="0" g="0" b="0"/>
-          </a:effectRef>
-          <a:fontRef idx="minor">
-            <a:schemeClr val="lt1"/>
-          </a:fontRef>
-        </p:style>
-        <p:txBody>
-          <a:bodyPr wrap="none" rtlCol="0">
-            <a:spAutoFit/>
-          </a:bodyPr>
-          <a:lstStyle/>
-          <a:p>
-            <a:pPr algn="ctr"/>
-            <a:r>
-              <a:rPr lang="en-US" altLang="ko-KR" sz="3600" spc="-300" dirty="0">
-                <a:solidFill>
-                  <a:schemeClr val="bg1"/>
-                </a:solidFill>
-                <a:latin typeface="+mn-ea"/>
-              </a:rPr>
-              <a:t>2</a:t>
-            </a:r>
-            <a:endParaRPr lang="ko-KR" altLang="en-US" sz="3600" spc="-300" dirty="0">
-              <a:solidFill>
-                <a:schemeClr val="bg1"/>
-              </a:solidFill>
-              <a:latin typeface="+mn-ea"/>
-            </a:endParaRPr>
-          </a:p>
-        </p:txBody>
-      </p:sp>
-      <p:sp>
-        <p:nvSpPr>
-          <p:cNvPr id="27" name="TextBox 26">
-            <a:extLst>
-              <a:ext uri="{FF2B5EF4-FFF2-40B4-BE49-F238E27FC236}">
-                <a16:creationId xmlns:a16="http://schemas.microsoft.com/office/drawing/2014/main" id="{96E7130C-A8D2-4182-9379-C3BC60E1958A}"/>
-              </a:ext>
-            </a:extLst>
-          </p:cNvPr>
-          <p:cNvSpPr txBox="1"/>
-          <p:nvPr/>
-        </p:nvSpPr>
-        <p:spPr>
-          <a:xfrm>
-            <a:off x="2945222" y="2858912"/>
-            <a:ext cx="2896947" cy="584775"/>
-          </a:xfrm>
-          <a:prstGeom prst="rect">
-            <a:avLst/>
-          </a:prstGeom>
-          <a:noFill/>
-          <a:ln>
-            <a:noFill/>
-          </a:ln>
-        </p:spPr>
-        <p:style>
-          <a:lnRef idx="0">
-            <a:scrgbClr r="0" g="0" b="0"/>
-          </a:lnRef>
-          <a:fillRef idx="0">
-            <a:scrgbClr r="0" g="0" b="0"/>
-          </a:fillRef>
-          <a:effectRef idx="0">
-            <a:scrgbClr r="0" g="0" b="0"/>
-          </a:effectRef>
-          <a:fontRef idx="minor">
-            <a:schemeClr val="lt1"/>
-          </a:fontRef>
-        </p:style>
-        <p:txBody>
-          <a:bodyPr wrap="none" rtlCol="0">
-            <a:spAutoFit/>
-          </a:bodyPr>
-          <a:lstStyle/>
-          <a:p>
-            <a:r>
-              <a:rPr lang="ko-KR" altLang="en-US" sz="3200" spc="-300" dirty="0">
-                <a:solidFill>
-                  <a:schemeClr val="bg1"/>
-                </a:solidFill>
-                <a:latin typeface="+mn-ea"/>
-              </a:rPr>
-              <a:t>런던 금속 거래소</a:t>
-            </a:r>
-          </a:p>
-        </p:txBody>
-      </p:sp>
       <p:pic>
         <p:nvPicPr>
-          <p:cNvPr id="3" name="그림 2">
-            <a:extLst>
-              <a:ext uri="{FF2B5EF4-FFF2-40B4-BE49-F238E27FC236}">
-                <a16:creationId xmlns:a16="http://schemas.microsoft.com/office/drawing/2014/main" id="{5DB898E2-5625-4034-ADB4-C2E67B9CBC1F}"/>
+          <p:cNvPr id="13" name="그림 12">
+            <a:extLst>
+              <a:ext uri="{FF2B5EF4-FFF2-40B4-BE49-F238E27FC236}">
+                <a16:creationId xmlns:a16="http://schemas.microsoft.com/office/drawing/2014/main" id="{5D1617CB-422C-4200-B57E-F0448EE10BFD}"/>
               </a:ext>
             </a:extLst>
           </p:cNvPr>
@@ -6559,8 +6756,8 @@
         </p:blipFill>
         <p:spPr>
           <a:xfrm>
-            <a:off x="1278428" y="3955138"/>
-            <a:ext cx="5327762" cy="2776958"/>
+            <a:off x="571679" y="1145493"/>
+            <a:ext cx="5498341" cy="3093572"/>
           </a:xfrm>
           <a:prstGeom prst="rect">
             <a:avLst/>
@@ -6569,10 +6766,10 @@
       </p:pic>
       <p:pic>
         <p:nvPicPr>
-          <p:cNvPr id="10" name="그림 9">
-            <a:extLst>
-              <a:ext uri="{FF2B5EF4-FFF2-40B4-BE49-F238E27FC236}">
-                <a16:creationId xmlns:a16="http://schemas.microsoft.com/office/drawing/2014/main" id="{CDA738F1-F003-46BE-9852-4173BC51D215}"/>
+          <p:cNvPr id="17" name="그림 16">
+            <a:extLst>
+              <a:ext uri="{FF2B5EF4-FFF2-40B4-BE49-F238E27FC236}">
+                <a16:creationId xmlns:a16="http://schemas.microsoft.com/office/drawing/2014/main" id="{5BC78C97-5CA9-4B15-BE8D-551135FFDBA6}"/>
               </a:ext>
             </a:extLst>
           </p:cNvPr>
@@ -6582,25 +6779,101 @@
           <p:nvPr/>
         </p:nvPicPr>
         <p:blipFill>
-          <a:blip r:embed="rId3"/>
+          <a:blip r:embed="rId3">
+            <a:extLst>
+              <a:ext uri="{28A0092B-C50C-407E-A947-70E740481C1C}">
+                <a14:useLocalDpi xmlns:a14="http://schemas.microsoft.com/office/drawing/2010/main" val="0"/>
+              </a:ext>
+            </a:extLst>
+          </a:blip>
           <a:stretch>
             <a:fillRect/>
           </a:stretch>
         </p:blipFill>
         <p:spPr>
           <a:xfrm>
-            <a:off x="6487240" y="4015991"/>
-            <a:ext cx="4889563" cy="2517296"/>
+            <a:off x="6121982" y="1145494"/>
+            <a:ext cx="6020640" cy="3022736"/>
           </a:xfrm>
           <a:prstGeom prst="rect">
             <a:avLst/>
           </a:prstGeom>
         </p:spPr>
       </p:pic>
+      <p:sp>
+        <p:nvSpPr>
+          <p:cNvPr id="20" name="テキスト ボックス 17">
+            <a:extLst>
+              <a:ext uri="{FF2B5EF4-FFF2-40B4-BE49-F238E27FC236}">
+                <a16:creationId xmlns:a16="http://schemas.microsoft.com/office/drawing/2014/main" id="{7A29494F-8DD8-43B6-9599-1A5D747FF4E5}"/>
+              </a:ext>
+            </a:extLst>
+          </p:cNvPr>
+          <p:cNvSpPr txBox="1"/>
+          <p:nvPr/>
+        </p:nvSpPr>
+        <p:spPr>
+          <a:xfrm>
+            <a:off x="1822167" y="4923087"/>
+            <a:ext cx="8832867" cy="369332"/>
+          </a:xfrm>
+          <a:prstGeom prst="rect">
+            <a:avLst/>
+          </a:prstGeom>
+          <a:noFill/>
+        </p:spPr>
+        <p:txBody>
+          <a:bodyPr wrap="none" rtlCol="0">
+            <a:spAutoFit/>
+          </a:bodyPr>
+          <a:lstStyle/>
+          <a:p>
+            <a:r>
+              <a:rPr lang="ko-KR" altLang="en-US" dirty="0">
+                <a:latin typeface="+mn-ea"/>
+              </a:rPr>
+              <a:t>핵심 부품 생산량과 원자재 가격</a:t>
+            </a:r>
+            <a:r>
+              <a:rPr lang="en-US" altLang="ko-KR" dirty="0">
+                <a:latin typeface="+mn-ea"/>
+              </a:rPr>
+              <a:t>, </a:t>
+            </a:r>
+            <a:r>
+              <a:rPr lang="ko-KR" altLang="en-US" dirty="0">
+                <a:latin typeface="+mn-ea"/>
+              </a:rPr>
+              <a:t>국제 유가 등 으로 </a:t>
+            </a:r>
+            <a:r>
+              <a:rPr lang="ko-KR" altLang="en-US" dirty="0" err="1">
+                <a:latin typeface="+mn-ea"/>
+              </a:rPr>
+              <a:t>테슬라의</a:t>
+            </a:r>
+            <a:r>
+              <a:rPr lang="ko-KR" altLang="en-US" dirty="0">
+                <a:latin typeface="+mn-ea"/>
+              </a:rPr>
+              <a:t> 주가를 예측할 수 있을까</a:t>
+            </a:r>
+            <a:r>
+              <a:rPr lang="en-US" altLang="ko-KR" dirty="0">
+                <a:latin typeface="+mn-ea"/>
+              </a:rPr>
+              <a:t>?</a:t>
+            </a:r>
+            <a:endParaRPr kumimoji="1" lang="ja-JP" altLang="en-US" dirty="0">
+              <a:latin typeface="+mn-ea"/>
+            </a:endParaRPr>
+          </a:p>
+        </p:txBody>
+      </p:sp>
     </p:spTree>
     <p:extLst>
       <p:ext uri="{BB962C8B-B14F-4D97-AF65-F5344CB8AC3E}">
-        <p14:creationId xmlns:p14="http://schemas.microsoft.com/office/powerpoint/2010/main" val="2499800643"/>
+        <p14:creationId xmlns:p14="http://schemas.microsoft.com/office/powerpoint/2010/main" val="1742840002"/>
       </p:ext>
     </p:extLst>
   </p:cSld>
@@ -6745,7 +7018,7 @@
         <p:spPr>
           <a:xfrm>
             <a:off x="329610" y="111525"/>
-            <a:ext cx="3985386" cy="584775"/>
+            <a:ext cx="3187091" cy="584775"/>
           </a:xfrm>
           <a:prstGeom prst="rect">
             <a:avLst/>
@@ -6767,7 +7040,7 @@
                   </a:schemeClr>
                 </a:solidFill>
               </a:rPr>
-              <a:t>4. </a:t>
+              <a:t>3. </a:t>
             </a:r>
             <a:r>
               <a:rPr lang="ko-KR" altLang="en-US" sz="3200" spc="-300" dirty="0">
@@ -6778,17 +7051,83 @@
                   </a:schemeClr>
                 </a:solidFill>
               </a:rPr>
-              <a:t>진행계획 및 결과 예측</a:t>
-            </a:r>
-          </a:p>
-        </p:txBody>
-      </p:sp>
-      <p:sp>
-        <p:nvSpPr>
-          <p:cNvPr id="22" name="직사각형 21">
-            <a:extLst>
-              <a:ext uri="{FF2B5EF4-FFF2-40B4-BE49-F238E27FC236}">
-                <a16:creationId xmlns:a16="http://schemas.microsoft.com/office/drawing/2014/main" id="{8AE31619-6FDF-42E9-82F7-C3756377E023}"/>
+              <a:t>데이터</a:t>
+            </a:r>
+            <a:r>
+              <a:rPr lang="en-US" altLang="ko-KR" sz="3200" spc="-300" dirty="0">
+                <a:solidFill>
+                  <a:schemeClr val="tx1">
+                    <a:lumMod val="85000"/>
+                    <a:lumOff val="15000"/>
+                  </a:schemeClr>
+                </a:solidFill>
+              </a:rPr>
+              <a:t> </a:t>
+            </a:r>
+            <a:r>
+              <a:rPr lang="ko-KR" altLang="en-US" sz="3200" spc="-300" dirty="0">
+                <a:solidFill>
+                  <a:schemeClr val="tx1">
+                    <a:lumMod val="85000"/>
+                    <a:lumOff val="15000"/>
+                  </a:schemeClr>
+                </a:solidFill>
+              </a:rPr>
+              <a:t>확보 방법</a:t>
+            </a:r>
+          </a:p>
+        </p:txBody>
+      </p:sp>
+      <p:sp>
+        <p:nvSpPr>
+          <p:cNvPr id="16" name="TextBox 15">
+            <a:extLst>
+              <a:ext uri="{FF2B5EF4-FFF2-40B4-BE49-F238E27FC236}">
+                <a16:creationId xmlns:a16="http://schemas.microsoft.com/office/drawing/2014/main" id="{FD5F3A16-019F-4601-B0EF-882D4466946E}"/>
+              </a:ext>
+            </a:extLst>
+          </p:cNvPr>
+          <p:cNvSpPr txBox="1"/>
+          <p:nvPr/>
+        </p:nvSpPr>
+        <p:spPr>
+          <a:xfrm>
+            <a:off x="-98231" y="50565"/>
+            <a:ext cx="353943" cy="1849121"/>
+          </a:xfrm>
+          <a:prstGeom prst="rect">
+            <a:avLst/>
+          </a:prstGeom>
+          <a:noFill/>
+        </p:spPr>
+        <p:txBody>
+          <a:bodyPr vert="eaVert" wrap="square" rtlCol="0">
+            <a:spAutoFit/>
+          </a:bodyPr>
+          <a:lstStyle/>
+          <a:p>
+            <a:r>
+              <a:rPr lang="en-US" altLang="ko-KR" sz="1100" dirty="0">
+                <a:solidFill>
+                  <a:schemeClr val="bg1"/>
+                </a:solidFill>
+              </a:rPr>
+              <a:t>Part 1</a:t>
+            </a:r>
+            <a:endParaRPr lang="ko-KR" altLang="en-US" sz="1100" dirty="0">
+              <a:solidFill>
+                <a:schemeClr val="bg1"/>
+              </a:solidFill>
+            </a:endParaRPr>
+          </a:p>
+        </p:txBody>
+      </p:sp>
+      <p:sp>
+        <p:nvSpPr>
+          <p:cNvPr id="20" name="직사각형 19">
+            <a:extLst>
+              <a:ext uri="{FF2B5EF4-FFF2-40B4-BE49-F238E27FC236}">
+                <a16:creationId xmlns:a16="http://schemas.microsoft.com/office/drawing/2014/main" id="{4FA2D4A9-E4C9-43E1-833A-7E0DFF5D4F34}"/>
               </a:ext>
             </a:extLst>
           </p:cNvPr>
@@ -6797,16 +7136,14 @@
         </p:nvSpPr>
         <p:spPr>
           <a:xfrm>
-            <a:off x="928225" y="2036558"/>
-            <a:ext cx="2041451" cy="3508786"/>
+            <a:off x="1278428" y="1327506"/>
+            <a:ext cx="1168400" cy="1044000"/>
           </a:xfrm>
           <a:prstGeom prst="rect">
             <a:avLst/>
           </a:prstGeom>
           <a:solidFill>
-            <a:schemeClr val="bg1">
-              <a:lumMod val="95000"/>
-            </a:schemeClr>
+            <a:schemeClr val="accent1"/>
           </a:solidFill>
           <a:ln>
             <a:noFill/>
@@ -6839,10 +7176,10 @@
       </p:sp>
       <p:sp>
         <p:nvSpPr>
-          <p:cNvPr id="23" name="직사각형 22">
-            <a:extLst>
-              <a:ext uri="{FF2B5EF4-FFF2-40B4-BE49-F238E27FC236}">
-                <a16:creationId xmlns:a16="http://schemas.microsoft.com/office/drawing/2014/main" id="{494AFC25-2A92-4C24-B572-12B917896FF7}"/>
+          <p:cNvPr id="21" name="직사각형 20">
+            <a:extLst>
+              <a:ext uri="{FF2B5EF4-FFF2-40B4-BE49-F238E27FC236}">
+                <a16:creationId xmlns:a16="http://schemas.microsoft.com/office/drawing/2014/main" id="{199B28CF-3E7E-44C5-AFDD-39DB4B288DDE}"/>
               </a:ext>
             </a:extLst>
           </p:cNvPr>
@@ -6851,17 +7188,14 @@
         </p:nvSpPr>
         <p:spPr>
           <a:xfrm>
-            <a:off x="928225" y="2036556"/>
-            <a:ext cx="2041451" cy="604280"/>
+            <a:off x="2688128" y="1327506"/>
+            <a:ext cx="8242300" cy="1044000"/>
           </a:xfrm>
           <a:prstGeom prst="rect">
             <a:avLst/>
           </a:prstGeom>
           <a:solidFill>
-            <a:schemeClr val="accent5">
-              <a:lumMod val="60000"/>
-              <a:lumOff val="40000"/>
-            </a:schemeClr>
+            <a:schemeClr val="accent1"/>
           </a:solidFill>
           <a:ln>
             <a:noFill/>
@@ -6894,172 +7228,10 @@
       </p:sp>
       <p:sp>
         <p:nvSpPr>
-          <p:cNvPr id="24" name="직사각형 23">
-            <a:extLst>
-              <a:ext uri="{FF2B5EF4-FFF2-40B4-BE49-F238E27FC236}">
-                <a16:creationId xmlns:a16="http://schemas.microsoft.com/office/drawing/2014/main" id="{28E6C5CC-C6BA-40B5-9D17-36E1217947E5}"/>
-              </a:ext>
-            </a:extLst>
-          </p:cNvPr>
-          <p:cNvSpPr/>
-          <p:nvPr/>
-        </p:nvSpPr>
-        <p:spPr>
-          <a:xfrm>
-            <a:off x="9203900" y="2036558"/>
-            <a:ext cx="2041451" cy="3508786"/>
-          </a:xfrm>
-          <a:prstGeom prst="rect">
-            <a:avLst/>
-          </a:prstGeom>
-          <a:solidFill>
-            <a:schemeClr val="bg1">
-              <a:lumMod val="95000"/>
-            </a:schemeClr>
-          </a:solidFill>
-          <a:ln>
-            <a:noFill/>
-          </a:ln>
-        </p:spPr>
-        <p:style>
-          <a:lnRef idx="2">
-            <a:schemeClr val="accent1">
-              <a:shade val="50000"/>
-            </a:schemeClr>
-          </a:lnRef>
-          <a:fillRef idx="1">
-            <a:schemeClr val="accent1"/>
-          </a:fillRef>
-          <a:effectRef idx="0">
-            <a:schemeClr val="accent1"/>
-          </a:effectRef>
-          <a:fontRef idx="minor">
-            <a:schemeClr val="lt1"/>
-          </a:fontRef>
-        </p:style>
-        <p:txBody>
-          <a:bodyPr rtlCol="0" anchor="ctr"/>
-          <a:lstStyle/>
-          <a:p>
-            <a:pPr algn="ctr"/>
-            <a:endParaRPr lang="ko-KR" altLang="en-US"/>
-          </a:p>
-        </p:txBody>
-      </p:sp>
-      <p:sp>
-        <p:nvSpPr>
-          <p:cNvPr id="25" name="직사각형 24">
-            <a:extLst>
-              <a:ext uri="{FF2B5EF4-FFF2-40B4-BE49-F238E27FC236}">
-                <a16:creationId xmlns:a16="http://schemas.microsoft.com/office/drawing/2014/main" id="{3D59F73C-BAD3-4A07-A7E1-1539E7852C7B}"/>
-              </a:ext>
-            </a:extLst>
-          </p:cNvPr>
-          <p:cNvSpPr/>
-          <p:nvPr/>
-        </p:nvSpPr>
-        <p:spPr>
-          <a:xfrm>
-            <a:off x="3686783" y="2036558"/>
-            <a:ext cx="2041451" cy="3508786"/>
-          </a:xfrm>
-          <a:prstGeom prst="rect">
-            <a:avLst/>
-          </a:prstGeom>
-          <a:solidFill>
-            <a:schemeClr val="bg1">
-              <a:lumMod val="95000"/>
-            </a:schemeClr>
-          </a:solidFill>
-          <a:ln>
-            <a:noFill/>
-          </a:ln>
-        </p:spPr>
-        <p:style>
-          <a:lnRef idx="2">
-            <a:schemeClr val="accent1">
-              <a:shade val="50000"/>
-            </a:schemeClr>
-          </a:lnRef>
-          <a:fillRef idx="1">
-            <a:schemeClr val="accent1"/>
-          </a:fillRef>
-          <a:effectRef idx="0">
-            <a:schemeClr val="accent1"/>
-          </a:effectRef>
-          <a:fontRef idx="minor">
-            <a:schemeClr val="lt1"/>
-          </a:fontRef>
-        </p:style>
-        <p:txBody>
-          <a:bodyPr rtlCol="0" anchor="ctr"/>
-          <a:lstStyle/>
-          <a:p>
-            <a:pPr algn="ctr"/>
-            <a:endParaRPr lang="ko-KR" altLang="en-US"/>
-          </a:p>
-        </p:txBody>
-      </p:sp>
-      <p:sp>
-        <p:nvSpPr>
-          <p:cNvPr id="26" name="직사각형 25">
-            <a:extLst>
-              <a:ext uri="{FF2B5EF4-FFF2-40B4-BE49-F238E27FC236}">
-                <a16:creationId xmlns:a16="http://schemas.microsoft.com/office/drawing/2014/main" id="{AA193566-DC5A-4BD2-BBFF-176881B803C6}"/>
-              </a:ext>
-            </a:extLst>
-          </p:cNvPr>
-          <p:cNvSpPr/>
-          <p:nvPr/>
-        </p:nvSpPr>
-        <p:spPr>
-          <a:xfrm>
-            <a:off x="6445341" y="2036558"/>
-            <a:ext cx="2041451" cy="3508786"/>
-          </a:xfrm>
-          <a:prstGeom prst="rect">
-            <a:avLst/>
-          </a:prstGeom>
-          <a:solidFill>
-            <a:schemeClr val="bg1">
-              <a:lumMod val="95000"/>
-            </a:schemeClr>
-          </a:solidFill>
-          <a:ln>
-            <a:noFill/>
-          </a:ln>
-        </p:spPr>
-        <p:style>
-          <a:lnRef idx="2">
-            <a:schemeClr val="accent1">
-              <a:shade val="50000"/>
-            </a:schemeClr>
-          </a:lnRef>
-          <a:fillRef idx="1">
-            <a:schemeClr val="accent1"/>
-          </a:fillRef>
-          <a:effectRef idx="0">
-            <a:schemeClr val="accent1"/>
-          </a:effectRef>
-          <a:fontRef idx="minor">
-            <a:schemeClr val="lt1"/>
-          </a:fontRef>
-        </p:style>
-        <p:txBody>
-          <a:bodyPr rtlCol="0" anchor="ctr"/>
-          <a:lstStyle/>
-          <a:p>
-            <a:pPr algn="ctr"/>
-            <a:endParaRPr lang="ko-KR" altLang="en-US"/>
-          </a:p>
-        </p:txBody>
-      </p:sp>
-      <p:sp>
-        <p:nvSpPr>
-          <p:cNvPr id="27" name="TextBox 26">
-            <a:extLst>
-              <a:ext uri="{FF2B5EF4-FFF2-40B4-BE49-F238E27FC236}">
-                <a16:creationId xmlns:a16="http://schemas.microsoft.com/office/drawing/2014/main" id="{55EF3C12-730E-4AFD-BEB5-3B474AC65425}"/>
+          <p:cNvPr id="22" name="TextBox 21">
+            <a:extLst>
+              <a:ext uri="{FF2B5EF4-FFF2-40B4-BE49-F238E27FC236}">
+                <a16:creationId xmlns:a16="http://schemas.microsoft.com/office/drawing/2014/main" id="{8C314329-C635-4D26-B07F-D3530E7FDACB}"/>
               </a:ext>
             </a:extLst>
           </p:cNvPr>
@@ -7068,8 +7240,8 @@
         </p:nvSpPr>
         <p:spPr>
           <a:xfrm>
-            <a:off x="3133303" y="3723758"/>
-            <a:ext cx="389850" cy="369332"/>
+            <a:off x="1629264" y="1514383"/>
+            <a:ext cx="394659" cy="646331"/>
           </a:xfrm>
           <a:prstGeom prst="rect">
             <a:avLst/>
@@ -7082,13 +7254,20 @@
           </a:bodyPr>
           <a:lstStyle/>
           <a:p>
-            <a:r>
-              <a:rPr lang="en-US" altLang="ko-KR" dirty="0">
+            <a:pPr algn="ctr"/>
+            <a:r>
+              <a:rPr lang="en-US" altLang="ko-KR" sz="3600" spc="-300" dirty="0">
+                <a:solidFill>
+                  <a:schemeClr val="bg1"/>
+                </a:solidFill>
                 <a:latin typeface="+mn-ea"/>
               </a:rPr>
-              <a:t>&gt;&gt;</a:t>
-            </a:r>
-            <a:endParaRPr lang="ko-KR" altLang="en-US" dirty="0">
+              <a:t>1</a:t>
+            </a:r>
+            <a:endParaRPr lang="ko-KR" altLang="en-US" sz="3600" spc="-300" dirty="0">
+              <a:solidFill>
+                <a:schemeClr val="bg1"/>
+              </a:solidFill>
               <a:latin typeface="+mn-ea"/>
             </a:endParaRPr>
           </a:p>
@@ -7096,10 +7275,10 @@
       </p:sp>
       <p:sp>
         <p:nvSpPr>
-          <p:cNvPr id="28" name="TextBox 27">
-            <a:extLst>
-              <a:ext uri="{FF2B5EF4-FFF2-40B4-BE49-F238E27FC236}">
-                <a16:creationId xmlns:a16="http://schemas.microsoft.com/office/drawing/2014/main" id="{C12AC40B-081A-4C79-BF80-1243419EFDA8}"/>
+          <p:cNvPr id="23" name="TextBox 22">
+            <a:extLst>
+              <a:ext uri="{FF2B5EF4-FFF2-40B4-BE49-F238E27FC236}">
+                <a16:creationId xmlns:a16="http://schemas.microsoft.com/office/drawing/2014/main" id="{8F38D731-D30D-4CD5-998D-867D2C15C15F}"/>
               </a:ext>
             </a:extLst>
           </p:cNvPr>
@@ -7108,8 +7287,8 @@
         </p:nvSpPr>
         <p:spPr>
           <a:xfrm>
-            <a:off x="5907507" y="3723758"/>
-            <a:ext cx="389850" cy="369332"/>
+            <a:off x="2945222" y="1560674"/>
+            <a:ext cx="2470548" cy="584775"/>
           </a:xfrm>
           <a:prstGeom prst="rect">
             <a:avLst/>
@@ -7123,12 +7302,27 @@
           <a:lstStyle/>
           <a:p>
             <a:r>
-              <a:rPr lang="en-US" altLang="ko-KR" dirty="0">
+              <a:rPr lang="ko-KR" altLang="en-US" sz="3200" spc="-300" dirty="0">
+                <a:solidFill>
+                  <a:schemeClr val="bg1"/>
+                </a:solidFill>
                 <a:latin typeface="+mn-ea"/>
               </a:rPr>
-              <a:t>&gt;&gt;</a:t>
-            </a:r>
-            <a:endParaRPr lang="ko-KR" altLang="en-US" dirty="0">
+              <a:t>야후 </a:t>
+            </a:r>
+            <a:r>
+              <a:rPr lang="ko-KR" altLang="en-US" sz="3200" spc="-300" dirty="0" err="1">
+                <a:solidFill>
+                  <a:schemeClr val="bg1"/>
+                </a:solidFill>
+                <a:latin typeface="+mn-ea"/>
+              </a:rPr>
+              <a:t>파이낸스</a:t>
+            </a:r>
+            <a:endParaRPr lang="ko-KR" altLang="en-US" sz="3200" spc="-300" dirty="0">
+              <a:solidFill>
+                <a:schemeClr val="bg1"/>
+              </a:solidFill>
               <a:latin typeface="+mn-ea"/>
             </a:endParaRPr>
           </a:p>
@@ -7136,101 +7330,10 @@
       </p:sp>
       <p:sp>
         <p:nvSpPr>
-          <p:cNvPr id="29" name="TextBox 28">
-            <a:extLst>
-              <a:ext uri="{FF2B5EF4-FFF2-40B4-BE49-F238E27FC236}">
-                <a16:creationId xmlns:a16="http://schemas.microsoft.com/office/drawing/2014/main" id="{33B273D9-6F8C-42CE-838F-E8F10E9E2223}"/>
-              </a:ext>
-            </a:extLst>
-          </p:cNvPr>
-          <p:cNvSpPr txBox="1"/>
-          <p:nvPr/>
-        </p:nvSpPr>
-        <p:spPr>
-          <a:xfrm>
-            <a:off x="8634767" y="3723758"/>
-            <a:ext cx="389850" cy="369332"/>
-          </a:xfrm>
-          <a:prstGeom prst="rect">
-            <a:avLst/>
-          </a:prstGeom>
-          <a:noFill/>
-        </p:spPr>
-        <p:txBody>
-          <a:bodyPr wrap="none" rtlCol="0">
-            <a:spAutoFit/>
-          </a:bodyPr>
-          <a:lstStyle/>
-          <a:p>
-            <a:r>
-              <a:rPr lang="en-US" altLang="ko-KR" dirty="0">
-                <a:latin typeface="+mn-ea"/>
-              </a:rPr>
-              <a:t>&gt;&gt;</a:t>
-            </a:r>
-            <a:endParaRPr lang="ko-KR" altLang="en-US" dirty="0">
-              <a:latin typeface="+mn-ea"/>
-            </a:endParaRPr>
-          </a:p>
-        </p:txBody>
-      </p:sp>
-      <p:sp>
-        <p:nvSpPr>
-          <p:cNvPr id="30" name="TextBox 29">
-            <a:extLst>
-              <a:ext uri="{FF2B5EF4-FFF2-40B4-BE49-F238E27FC236}">
-                <a16:creationId xmlns:a16="http://schemas.microsoft.com/office/drawing/2014/main" id="{9E92FD61-6DA6-410E-A460-8661C9FCAEDF}"/>
-              </a:ext>
-            </a:extLst>
-          </p:cNvPr>
-          <p:cNvSpPr txBox="1"/>
-          <p:nvPr/>
-        </p:nvSpPr>
-        <p:spPr>
-          <a:xfrm>
-            <a:off x="1562144" y="2151529"/>
-            <a:ext cx="742512" cy="369332"/>
-          </a:xfrm>
-          <a:prstGeom prst="rect">
-            <a:avLst/>
-          </a:prstGeom>
-          <a:noFill/>
-        </p:spPr>
-        <p:txBody>
-          <a:bodyPr wrap="none" rtlCol="0">
-            <a:spAutoFit/>
-          </a:bodyPr>
-          <a:lstStyle/>
-          <a:p>
-            <a:pPr algn="ctr"/>
-            <a:r>
-              <a:rPr lang="en-US" altLang="ko-KR" dirty="0">
-                <a:solidFill>
-                  <a:schemeClr val="tx1">
-                    <a:lumMod val="85000"/>
-                    <a:lumOff val="15000"/>
-                  </a:schemeClr>
-                </a:solidFill>
-              </a:rPr>
-              <a:t>03/07</a:t>
-            </a:r>
-            <a:endParaRPr lang="ko-KR" altLang="en-US" dirty="0">
-              <a:solidFill>
-                <a:schemeClr val="tx1">
-                  <a:lumMod val="85000"/>
-                  <a:lumOff val="15000"/>
-                </a:schemeClr>
-              </a:solidFill>
-            </a:endParaRPr>
-          </a:p>
-        </p:txBody>
-      </p:sp>
-      <p:sp>
-        <p:nvSpPr>
-          <p:cNvPr id="31" name="직사각형 30">
-            <a:extLst>
-              <a:ext uri="{FF2B5EF4-FFF2-40B4-BE49-F238E27FC236}">
-                <a16:creationId xmlns:a16="http://schemas.microsoft.com/office/drawing/2014/main" id="{7472C25E-5EDE-4AF0-8F73-402F7A97A34D}"/>
+          <p:cNvPr id="24" name="직사각형 23">
+            <a:extLst>
+              <a:ext uri="{FF2B5EF4-FFF2-40B4-BE49-F238E27FC236}">
+                <a16:creationId xmlns:a16="http://schemas.microsoft.com/office/drawing/2014/main" id="{887E0D8A-DD27-4A53-A279-753B49A4E136}"/>
               </a:ext>
             </a:extLst>
           </p:cNvPr>
@@ -7239,109 +7342,8 @@
         </p:nvSpPr>
         <p:spPr>
           <a:xfrm>
-            <a:off x="3686782" y="2036556"/>
-            <a:ext cx="2041451" cy="604280"/>
-          </a:xfrm>
-          <a:prstGeom prst="rect">
-            <a:avLst/>
-          </a:prstGeom>
-          <a:solidFill>
-            <a:schemeClr val="accent3"/>
-          </a:solidFill>
-          <a:ln>
-            <a:noFill/>
-          </a:ln>
-        </p:spPr>
-        <p:style>
-          <a:lnRef idx="2">
-            <a:schemeClr val="accent1">
-              <a:shade val="50000"/>
-            </a:schemeClr>
-          </a:lnRef>
-          <a:fillRef idx="1">
-            <a:schemeClr val="accent1"/>
-          </a:fillRef>
-          <a:effectRef idx="0">
-            <a:schemeClr val="accent1"/>
-          </a:effectRef>
-          <a:fontRef idx="minor">
-            <a:schemeClr val="lt1"/>
-          </a:fontRef>
-        </p:style>
-        <p:txBody>
-          <a:bodyPr rtlCol="0" anchor="ctr"/>
-          <a:lstStyle/>
-          <a:p>
-            <a:pPr algn="ctr"/>
-            <a:endParaRPr lang="ko-KR" altLang="en-US"/>
-          </a:p>
-        </p:txBody>
-      </p:sp>
-      <p:sp>
-        <p:nvSpPr>
-          <p:cNvPr id="32" name="TextBox 31">
-            <a:extLst>
-              <a:ext uri="{FF2B5EF4-FFF2-40B4-BE49-F238E27FC236}">
-                <a16:creationId xmlns:a16="http://schemas.microsoft.com/office/drawing/2014/main" id="{F761A1AA-C01F-4FD0-BAF1-75B09F3267AA}"/>
-              </a:ext>
-            </a:extLst>
-          </p:cNvPr>
-          <p:cNvSpPr txBox="1"/>
-          <p:nvPr/>
-        </p:nvSpPr>
-        <p:spPr>
-          <a:xfrm>
-            <a:off x="4343945" y="2151529"/>
-            <a:ext cx="742512" cy="369332"/>
-          </a:xfrm>
-          <a:prstGeom prst="rect">
-            <a:avLst/>
-          </a:prstGeom>
-          <a:noFill/>
-        </p:spPr>
-        <p:txBody>
-          <a:bodyPr wrap="none" rtlCol="0">
-            <a:spAutoFit/>
-          </a:bodyPr>
-          <a:lstStyle/>
-          <a:p>
-            <a:pPr algn="ctr"/>
-            <a:r>
-              <a:rPr lang="en-US" altLang="ko-KR" dirty="0">
-                <a:solidFill>
-                  <a:schemeClr val="bg1">
-                    <a:lumMod val="95000"/>
-                  </a:schemeClr>
-                </a:solidFill>
-              </a:rPr>
-              <a:t>03/08</a:t>
-            </a:r>
-            <a:endParaRPr lang="ko-KR" altLang="en-US" dirty="0">
-              <a:solidFill>
-                <a:schemeClr val="bg1">
-                  <a:lumMod val="95000"/>
-                </a:schemeClr>
-              </a:solidFill>
-            </a:endParaRPr>
-          </a:p>
-        </p:txBody>
-      </p:sp>
-      <p:sp>
-        <p:nvSpPr>
-          <p:cNvPr id="33" name="직사각형 32">
-            <a:extLst>
-              <a:ext uri="{FF2B5EF4-FFF2-40B4-BE49-F238E27FC236}">
-                <a16:creationId xmlns:a16="http://schemas.microsoft.com/office/drawing/2014/main" id="{01A9AF63-31AA-49C6-ACBB-4C532B64710B}"/>
-              </a:ext>
-            </a:extLst>
-          </p:cNvPr>
-          <p:cNvSpPr/>
-          <p:nvPr/>
-        </p:nvSpPr>
-        <p:spPr>
-          <a:xfrm>
-            <a:off x="6445339" y="2036556"/>
-            <a:ext cx="2041451" cy="604280"/>
+            <a:off x="1278428" y="2647007"/>
+            <a:ext cx="1168400" cy="1044000"/>
           </a:xfrm>
           <a:prstGeom prst="rect">
             <a:avLst/>
@@ -7354,16 +7356,14 @@
           </a:ln>
         </p:spPr>
         <p:style>
-          <a:lnRef idx="2">
-            <a:schemeClr val="accent1">
-              <a:shade val="50000"/>
-            </a:schemeClr>
+          <a:lnRef idx="0">
+            <a:scrgbClr r="0" g="0" b="0"/>
           </a:lnRef>
-          <a:fillRef idx="1">
-            <a:schemeClr val="accent1"/>
+          <a:fillRef idx="0">
+            <a:scrgbClr r="0" g="0" b="0"/>
           </a:fillRef>
           <a:effectRef idx="0">
-            <a:schemeClr val="accent1"/>
+            <a:scrgbClr r="0" g="0" b="0"/>
           </a:effectRef>
           <a:fontRef idx="minor">
             <a:schemeClr val="lt1"/>
@@ -7380,59 +7380,10 @@
       </p:sp>
       <p:sp>
         <p:nvSpPr>
-          <p:cNvPr id="34" name="TextBox 33">
-            <a:extLst>
-              <a:ext uri="{FF2B5EF4-FFF2-40B4-BE49-F238E27FC236}">
-                <a16:creationId xmlns:a16="http://schemas.microsoft.com/office/drawing/2014/main" id="{A1A20815-B360-4B1E-85A3-62B6AB453174}"/>
-              </a:ext>
-            </a:extLst>
-          </p:cNvPr>
-          <p:cNvSpPr txBox="1"/>
-          <p:nvPr/>
-        </p:nvSpPr>
-        <p:spPr>
-          <a:xfrm>
-            <a:off x="7103303" y="2151529"/>
-            <a:ext cx="742512" cy="369332"/>
-          </a:xfrm>
-          <a:prstGeom prst="rect">
-            <a:avLst/>
-          </a:prstGeom>
-          <a:noFill/>
-        </p:spPr>
-        <p:txBody>
-          <a:bodyPr wrap="none" rtlCol="0">
-            <a:spAutoFit/>
-          </a:bodyPr>
-          <a:lstStyle/>
-          <a:p>
-            <a:pPr algn="ctr"/>
-            <a:r>
-              <a:rPr lang="en-US" altLang="ko-KR" dirty="0">
-                <a:solidFill>
-                  <a:schemeClr val="bg1">
-                    <a:lumMod val="95000"/>
-                  </a:schemeClr>
-                </a:solidFill>
-              </a:rPr>
-              <a:t>03/10</a:t>
-            </a:r>
-            <a:endParaRPr lang="ko-KR" altLang="en-US" dirty="0">
-              <a:solidFill>
-                <a:schemeClr val="bg1">
-                  <a:lumMod val="95000"/>
-                </a:schemeClr>
-              </a:solidFill>
-            </a:endParaRPr>
-          </a:p>
-        </p:txBody>
-      </p:sp>
-      <p:sp>
-        <p:nvSpPr>
-          <p:cNvPr id="35" name="직사각형 34">
-            <a:extLst>
-              <a:ext uri="{FF2B5EF4-FFF2-40B4-BE49-F238E27FC236}">
-                <a16:creationId xmlns:a16="http://schemas.microsoft.com/office/drawing/2014/main" id="{43BBC1AC-C158-4AE1-9D8F-67AEEEB17C9F}"/>
+          <p:cNvPr id="25" name="직사각형 24">
+            <a:extLst>
+              <a:ext uri="{FF2B5EF4-FFF2-40B4-BE49-F238E27FC236}">
+                <a16:creationId xmlns:a16="http://schemas.microsoft.com/office/drawing/2014/main" id="{5F192B7F-CF9B-4CE2-81F8-827E779C4742}"/>
               </a:ext>
             </a:extLst>
           </p:cNvPr>
@@ -7441,30 +7392,28 @@
         </p:nvSpPr>
         <p:spPr>
           <a:xfrm>
-            <a:off x="9203896" y="2036556"/>
-            <a:ext cx="2041451" cy="604280"/>
+            <a:off x="2688128" y="2647007"/>
+            <a:ext cx="8242300" cy="1044000"/>
           </a:xfrm>
           <a:prstGeom prst="rect">
             <a:avLst/>
           </a:prstGeom>
           <a:solidFill>
-            <a:schemeClr val="accent1"/>
+            <a:schemeClr val="accent2"/>
           </a:solidFill>
           <a:ln>
             <a:noFill/>
           </a:ln>
         </p:spPr>
         <p:style>
-          <a:lnRef idx="2">
-            <a:schemeClr val="accent1">
-              <a:shade val="50000"/>
-            </a:schemeClr>
+          <a:lnRef idx="0">
+            <a:scrgbClr r="0" g="0" b="0"/>
           </a:lnRef>
-          <a:fillRef idx="1">
-            <a:schemeClr val="accent1"/>
+          <a:fillRef idx="0">
+            <a:scrgbClr r="0" g="0" b="0"/>
           </a:fillRef>
           <a:effectRef idx="0">
-            <a:schemeClr val="accent1"/>
+            <a:scrgbClr r="0" g="0" b="0"/>
           </a:effectRef>
           <a:fontRef idx="minor">
             <a:schemeClr val="lt1"/>
@@ -7481,10 +7430,10 @@
       </p:sp>
       <p:sp>
         <p:nvSpPr>
-          <p:cNvPr id="36" name="TextBox 35">
-            <a:extLst>
-              <a:ext uri="{FF2B5EF4-FFF2-40B4-BE49-F238E27FC236}">
-                <a16:creationId xmlns:a16="http://schemas.microsoft.com/office/drawing/2014/main" id="{5063A084-1DD6-4B82-B483-15FCA3A48B69}"/>
+          <p:cNvPr id="26" name="TextBox 25">
+            <a:extLst>
+              <a:ext uri="{FF2B5EF4-FFF2-40B4-BE49-F238E27FC236}">
+                <a16:creationId xmlns:a16="http://schemas.microsoft.com/office/drawing/2014/main" id="{A1E2D36A-7646-4481-8FD3-C7DE69DFE174}"/>
               </a:ext>
             </a:extLst>
           </p:cNvPr>
@@ -7493,14 +7442,31 @@
         </p:nvSpPr>
         <p:spPr>
           <a:xfrm>
-            <a:off x="9853632" y="2151529"/>
-            <a:ext cx="742512" cy="369332"/>
+            <a:off x="1639898" y="2844222"/>
+            <a:ext cx="394659" cy="646331"/>
           </a:xfrm>
           <a:prstGeom prst="rect">
             <a:avLst/>
           </a:prstGeom>
           <a:noFill/>
-        </p:spPr>
+          <a:ln>
+            <a:noFill/>
+          </a:ln>
+        </p:spPr>
+        <p:style>
+          <a:lnRef idx="0">
+            <a:scrgbClr r="0" g="0" b="0"/>
+          </a:lnRef>
+          <a:fillRef idx="0">
+            <a:scrgbClr r="0" g="0" b="0"/>
+          </a:fillRef>
+          <a:effectRef idx="0">
+            <a:scrgbClr r="0" g="0" b="0"/>
+          </a:effectRef>
+          <a:fontRef idx="minor">
+            <a:schemeClr val="lt1"/>
+          </a:fontRef>
+        </p:style>
         <p:txBody>
           <a:bodyPr wrap="none" rtlCol="0">
             <a:spAutoFit/>
@@ -7509,135 +7475,29 @@
           <a:p>
             <a:pPr algn="ctr"/>
             <a:r>
-              <a:rPr lang="en-US" altLang="ko-KR" dirty="0">
-                <a:solidFill>
-                  <a:schemeClr val="bg1">
-                    <a:lumMod val="95000"/>
-                  </a:schemeClr>
-                </a:solidFill>
-              </a:rPr>
-              <a:t>03/11</a:t>
-            </a:r>
-            <a:endParaRPr lang="ko-KR" altLang="en-US" dirty="0">
+              <a:rPr lang="en-US" altLang="ko-KR" sz="3600" spc="-300" dirty="0">
+                <a:solidFill>
+                  <a:schemeClr val="bg1"/>
+                </a:solidFill>
+                <a:latin typeface="+mn-ea"/>
+              </a:rPr>
+              <a:t>2</a:t>
+            </a:r>
+            <a:endParaRPr lang="ko-KR" altLang="en-US" sz="3600" spc="-300" dirty="0">
               <a:solidFill>
-                <a:schemeClr val="bg1">
-                  <a:lumMod val="95000"/>
-                </a:schemeClr>
-              </a:solidFill>
-            </a:endParaRPr>
-          </a:p>
-        </p:txBody>
-      </p:sp>
-      <p:sp>
-        <p:nvSpPr>
-          <p:cNvPr id="37" name="TextBox 36">
-            <a:extLst>
-              <a:ext uri="{FF2B5EF4-FFF2-40B4-BE49-F238E27FC236}">
-                <a16:creationId xmlns:a16="http://schemas.microsoft.com/office/drawing/2014/main" id="{16B0A7E0-4649-4149-9C1A-40FB28E685CF}"/>
-              </a:ext>
-            </a:extLst>
-          </p:cNvPr>
-          <p:cNvSpPr txBox="1"/>
-          <p:nvPr/>
-        </p:nvSpPr>
-        <p:spPr>
-          <a:xfrm>
-            <a:off x="1133788" y="3532419"/>
-            <a:ext cx="1682895" cy="848950"/>
-          </a:xfrm>
-          <a:prstGeom prst="rect">
-            <a:avLst/>
-          </a:prstGeom>
-          <a:noFill/>
-        </p:spPr>
-        <p:txBody>
-          <a:bodyPr wrap="square" rtlCol="0">
-            <a:spAutoFit/>
-          </a:bodyPr>
-          <a:lstStyle/>
-          <a:p>
-            <a:pPr algn="just">
-              <a:lnSpc>
-                <a:spcPct val="120000"/>
-              </a:lnSpc>
-            </a:pPr>
-            <a:r>
-              <a:rPr lang="en-US" altLang="ko-KR" sz="1400" spc="-150" dirty="0">
-                <a:solidFill>
-                  <a:schemeClr val="tx1">
-                    <a:lumMod val="75000"/>
-                    <a:lumOff val="25000"/>
-                  </a:schemeClr>
-                </a:solidFill>
-                <a:latin typeface="+mn-ea"/>
-              </a:rPr>
-              <a:t>Feature  </a:t>
-            </a:r>
-            <a:r>
-              <a:rPr lang="ko-KR" altLang="en-US" sz="1400" spc="-150" dirty="0">
-                <a:solidFill>
-                  <a:schemeClr val="tx1">
-                    <a:lumMod val="75000"/>
-                    <a:lumOff val="25000"/>
-                  </a:schemeClr>
-                </a:solidFill>
-                <a:latin typeface="+mn-ea"/>
-              </a:rPr>
-              <a:t>선정</a:t>
-            </a:r>
-            <a:endParaRPr lang="en-US" altLang="ko-KR" sz="1400" spc="-150" dirty="0">
-              <a:solidFill>
-                <a:schemeClr val="tx1">
-                  <a:lumMod val="75000"/>
-                  <a:lumOff val="25000"/>
-                </a:schemeClr>
+                <a:schemeClr val="bg1"/>
               </a:solidFill>
               <a:latin typeface="+mn-ea"/>
             </a:endParaRPr>
           </a:p>
-          <a:p>
-            <a:pPr algn="just">
-              <a:lnSpc>
-                <a:spcPct val="120000"/>
-              </a:lnSpc>
-            </a:pPr>
-            <a:endParaRPr lang="en-US" altLang="ko-KR" sz="1400" spc="-150" dirty="0">
-              <a:solidFill>
-                <a:schemeClr val="tx1">
-                  <a:lumMod val="75000"/>
-                  <a:lumOff val="25000"/>
-                </a:schemeClr>
-              </a:solidFill>
-              <a:latin typeface="+mn-ea"/>
-            </a:endParaRPr>
-          </a:p>
-          <a:p>
-            <a:pPr algn="just">
-              <a:lnSpc>
-                <a:spcPct val="120000"/>
-              </a:lnSpc>
-            </a:pPr>
-            <a:r>
-              <a:rPr lang="ko-KR" altLang="en-US" sz="1400" spc="-150" dirty="0">
-                <a:solidFill>
-                  <a:schemeClr val="tx1">
-                    <a:lumMod val="75000"/>
-                    <a:lumOff val="25000"/>
-                  </a:schemeClr>
-                </a:solidFill>
-                <a:latin typeface="+mn-ea"/>
-              </a:rPr>
-              <a:t>데이터 확보</a:t>
-            </a:r>
-          </a:p>
-        </p:txBody>
-      </p:sp>
-      <p:sp>
-        <p:nvSpPr>
-          <p:cNvPr id="38" name="TextBox 37">
-            <a:extLst>
-              <a:ext uri="{FF2B5EF4-FFF2-40B4-BE49-F238E27FC236}">
-                <a16:creationId xmlns:a16="http://schemas.microsoft.com/office/drawing/2014/main" id="{D30274E9-BD5D-4E97-9C9F-91F062DC1F8E}"/>
+        </p:txBody>
+      </p:sp>
+      <p:sp>
+        <p:nvSpPr>
+          <p:cNvPr id="27" name="TextBox 26">
+            <a:extLst>
+              <a:ext uri="{FF2B5EF4-FFF2-40B4-BE49-F238E27FC236}">
+                <a16:creationId xmlns:a16="http://schemas.microsoft.com/office/drawing/2014/main" id="{96E7130C-A8D2-4182-9379-C3BC60E1958A}"/>
               </a:ext>
             </a:extLst>
           </p:cNvPr>
@@ -7646,285 +7506,119 @@
         </p:nvSpPr>
         <p:spPr>
           <a:xfrm>
-            <a:off x="3831357" y="3790951"/>
-            <a:ext cx="1682895" cy="331886"/>
+            <a:off x="2945222" y="2858912"/>
+            <a:ext cx="2896947" cy="584775"/>
           </a:xfrm>
           <a:prstGeom prst="rect">
             <a:avLst/>
           </a:prstGeom>
           <a:noFill/>
-        </p:spPr>
-        <p:txBody>
-          <a:bodyPr wrap="square" rtlCol="0">
+          <a:ln>
+            <a:noFill/>
+          </a:ln>
+        </p:spPr>
+        <p:style>
+          <a:lnRef idx="0">
+            <a:scrgbClr r="0" g="0" b="0"/>
+          </a:lnRef>
+          <a:fillRef idx="0">
+            <a:scrgbClr r="0" g="0" b="0"/>
+          </a:fillRef>
+          <a:effectRef idx="0">
+            <a:scrgbClr r="0" g="0" b="0"/>
+          </a:effectRef>
+          <a:fontRef idx="minor">
+            <a:schemeClr val="lt1"/>
+          </a:fontRef>
+        </p:style>
+        <p:txBody>
+          <a:bodyPr wrap="none" rtlCol="0">
             <a:spAutoFit/>
           </a:bodyPr>
           <a:lstStyle/>
           <a:p>
-            <a:pPr algn="just">
-              <a:lnSpc>
-                <a:spcPct val="120000"/>
-              </a:lnSpc>
-            </a:pPr>
-            <a:r>
-              <a:rPr lang="ko-KR" altLang="en-US" sz="1400" spc="-150" dirty="0">
-                <a:solidFill>
-                  <a:schemeClr val="tx1">
-                    <a:lumMod val="75000"/>
-                    <a:lumOff val="25000"/>
-                  </a:schemeClr>
+            <a:r>
+              <a:rPr lang="ko-KR" altLang="en-US" sz="3200" spc="-300" dirty="0">
+                <a:solidFill>
+                  <a:schemeClr val="bg1"/>
                 </a:solidFill>
                 <a:latin typeface="+mn-ea"/>
               </a:rPr>
-              <a:t>데이터  </a:t>
-            </a:r>
-            <a:r>
-              <a:rPr lang="ko-KR" altLang="en-US" sz="1400" spc="-150" dirty="0" err="1">
-                <a:solidFill>
-                  <a:schemeClr val="tx1">
-                    <a:lumMod val="75000"/>
-                    <a:lumOff val="25000"/>
-                  </a:schemeClr>
-                </a:solidFill>
-                <a:latin typeface="+mn-ea"/>
-              </a:rPr>
-              <a:t>전처리</a:t>
-            </a:r>
-            <a:endParaRPr lang="en-US" altLang="ko-KR" sz="1400" spc="-150" dirty="0">
-              <a:solidFill>
-                <a:schemeClr val="tx1">
-                  <a:lumMod val="75000"/>
-                  <a:lumOff val="25000"/>
-                </a:schemeClr>
-              </a:solidFill>
-              <a:latin typeface="+mn-ea"/>
-            </a:endParaRPr>
-          </a:p>
-        </p:txBody>
-      </p:sp>
-      <p:sp>
-        <p:nvSpPr>
-          <p:cNvPr id="39" name="TextBox 38">
-            <a:extLst>
-              <a:ext uri="{FF2B5EF4-FFF2-40B4-BE49-F238E27FC236}">
-                <a16:creationId xmlns:a16="http://schemas.microsoft.com/office/drawing/2014/main" id="{5452D78C-B1FC-429D-AC70-107D9C6D10D9}"/>
-              </a:ext>
-            </a:extLst>
-          </p:cNvPr>
-          <p:cNvSpPr txBox="1"/>
+              <a:t>런던 금속 거래소</a:t>
+            </a:r>
+          </a:p>
+        </p:txBody>
+      </p:sp>
+      <p:pic>
+        <p:nvPicPr>
+          <p:cNvPr id="3" name="그림 2">
+            <a:extLst>
+              <a:ext uri="{FF2B5EF4-FFF2-40B4-BE49-F238E27FC236}">
+                <a16:creationId xmlns:a16="http://schemas.microsoft.com/office/drawing/2014/main" id="{5DB898E2-5625-4034-ADB4-C2E67B9CBC1F}"/>
+              </a:ext>
+            </a:extLst>
+          </p:cNvPr>
+          <p:cNvPicPr>
+            <a:picLocks noChangeAspect="1"/>
+          </p:cNvPicPr>
           <p:nvPr/>
-        </p:nvSpPr>
-        <p:spPr>
-          <a:xfrm>
-            <a:off x="6593318" y="3668615"/>
-            <a:ext cx="1682895" cy="848950"/>
+        </p:nvPicPr>
+        <p:blipFill>
+          <a:blip r:embed="rId2" cstate="screen">
+            <a:extLst>
+              <a:ext uri="{28A0092B-C50C-407E-A947-70E740481C1C}">
+                <a14:useLocalDpi xmlns:a14="http://schemas.microsoft.com/office/drawing/2010/main" val="0"/>
+              </a:ext>
+            </a:extLst>
+          </a:blip>
+          <a:stretch>
+            <a:fillRect/>
+          </a:stretch>
+        </p:blipFill>
+        <p:spPr>
+          <a:xfrm>
+            <a:off x="1278428" y="3955138"/>
+            <a:ext cx="5327762" cy="2776958"/>
           </a:xfrm>
           <a:prstGeom prst="rect">
             <a:avLst/>
           </a:prstGeom>
-          <a:noFill/>
-        </p:spPr>
-        <p:txBody>
-          <a:bodyPr wrap="square" rtlCol="0">
-            <a:spAutoFit/>
-          </a:bodyPr>
-          <a:lstStyle/>
-          <a:p>
-            <a:pPr algn="just">
-              <a:lnSpc>
-                <a:spcPct val="120000"/>
-              </a:lnSpc>
-            </a:pPr>
-            <a:r>
-              <a:rPr lang="ko-KR" altLang="en-US" sz="1400" spc="-150" dirty="0">
-                <a:solidFill>
-                  <a:schemeClr val="tx1">
-                    <a:lumMod val="75000"/>
-                    <a:lumOff val="25000"/>
-                  </a:schemeClr>
-                </a:solidFill>
-                <a:latin typeface="+mn-ea"/>
-              </a:rPr>
-              <a:t>데이터  </a:t>
-            </a:r>
-            <a:r>
-              <a:rPr lang="ko-KR" altLang="en-US" sz="1400" spc="-150" dirty="0" err="1">
-                <a:solidFill>
-                  <a:schemeClr val="tx1">
-                    <a:lumMod val="75000"/>
-                    <a:lumOff val="25000"/>
-                  </a:schemeClr>
-                </a:solidFill>
-                <a:latin typeface="+mn-ea"/>
-              </a:rPr>
-              <a:t>전처리</a:t>
-            </a:r>
-            <a:endParaRPr lang="en-US" altLang="ko-KR" sz="1400" spc="-150" dirty="0">
-              <a:solidFill>
-                <a:schemeClr val="tx1">
-                  <a:lumMod val="75000"/>
-                  <a:lumOff val="25000"/>
-                </a:schemeClr>
-              </a:solidFill>
-              <a:latin typeface="+mn-ea"/>
-            </a:endParaRPr>
-          </a:p>
-          <a:p>
-            <a:pPr algn="just">
-              <a:lnSpc>
-                <a:spcPct val="120000"/>
-              </a:lnSpc>
-            </a:pPr>
-            <a:endParaRPr lang="en-US" altLang="ko-KR" sz="1400" spc="-150" dirty="0">
-              <a:solidFill>
-                <a:schemeClr val="tx1">
-                  <a:lumMod val="75000"/>
-                  <a:lumOff val="25000"/>
-                </a:schemeClr>
-              </a:solidFill>
-              <a:latin typeface="+mn-ea"/>
-            </a:endParaRPr>
-          </a:p>
-          <a:p>
-            <a:pPr algn="just">
-              <a:lnSpc>
-                <a:spcPct val="120000"/>
-              </a:lnSpc>
-            </a:pPr>
-            <a:r>
-              <a:rPr lang="ko-KR" altLang="en-US" sz="1400" spc="-150" dirty="0" err="1">
-                <a:solidFill>
-                  <a:schemeClr val="tx1">
-                    <a:lumMod val="75000"/>
-                    <a:lumOff val="25000"/>
-                  </a:schemeClr>
-                </a:solidFill>
-                <a:latin typeface="+mn-ea"/>
-              </a:rPr>
-              <a:t>머신러닝</a:t>
-            </a:r>
-            <a:r>
-              <a:rPr lang="ko-KR" altLang="en-US" sz="1400" spc="-150" dirty="0">
-                <a:solidFill>
-                  <a:schemeClr val="tx1">
-                    <a:lumMod val="75000"/>
-                    <a:lumOff val="25000"/>
-                  </a:schemeClr>
-                </a:solidFill>
-                <a:latin typeface="+mn-ea"/>
-              </a:rPr>
-              <a:t> 모델 생성</a:t>
-            </a:r>
-          </a:p>
-        </p:txBody>
-      </p:sp>
-      <p:sp>
-        <p:nvSpPr>
-          <p:cNvPr id="40" name="TextBox 39">
-            <a:extLst>
-              <a:ext uri="{FF2B5EF4-FFF2-40B4-BE49-F238E27FC236}">
-                <a16:creationId xmlns:a16="http://schemas.microsoft.com/office/drawing/2014/main" id="{26934A90-DC10-4BD2-8469-BEB9AAE5A7D4}"/>
-              </a:ext>
-            </a:extLst>
-          </p:cNvPr>
-          <p:cNvSpPr txBox="1"/>
+        </p:spPr>
+      </p:pic>
+      <p:pic>
+        <p:nvPicPr>
+          <p:cNvPr id="10" name="그림 9">
+            <a:extLst>
+              <a:ext uri="{FF2B5EF4-FFF2-40B4-BE49-F238E27FC236}">
+                <a16:creationId xmlns:a16="http://schemas.microsoft.com/office/drawing/2014/main" id="{CDA738F1-F003-46BE-9852-4173BC51D215}"/>
+              </a:ext>
+            </a:extLst>
+          </p:cNvPr>
+          <p:cNvPicPr>
+            <a:picLocks noChangeAspect="1"/>
+          </p:cNvPicPr>
           <p:nvPr/>
-        </p:nvSpPr>
-        <p:spPr>
-          <a:xfrm>
-            <a:off x="9375317" y="3789220"/>
-            <a:ext cx="1682895" cy="333617"/>
+        </p:nvPicPr>
+        <p:blipFill>
+          <a:blip r:embed="rId3"/>
+          <a:stretch>
+            <a:fillRect/>
+          </a:stretch>
+        </p:blipFill>
+        <p:spPr>
+          <a:xfrm>
+            <a:off x="6487240" y="4015991"/>
+            <a:ext cx="4889563" cy="2517296"/>
           </a:xfrm>
           <a:prstGeom prst="rect">
             <a:avLst/>
           </a:prstGeom>
-          <a:noFill/>
-        </p:spPr>
-        <p:txBody>
-          <a:bodyPr wrap="square" rtlCol="0">
-            <a:spAutoFit/>
-          </a:bodyPr>
-          <a:lstStyle/>
-          <a:p>
-            <a:pPr algn="just">
-              <a:lnSpc>
-                <a:spcPct val="120000"/>
-              </a:lnSpc>
-            </a:pPr>
-            <a:r>
-              <a:rPr lang="ko-KR" altLang="en-US" sz="1400" spc="-150" dirty="0" err="1">
-                <a:solidFill>
-                  <a:schemeClr val="tx1">
-                    <a:lumMod val="75000"/>
-                    <a:lumOff val="25000"/>
-                  </a:schemeClr>
-                </a:solidFill>
-                <a:latin typeface="+mn-ea"/>
-              </a:rPr>
-              <a:t>머신러닝</a:t>
-            </a:r>
-            <a:r>
-              <a:rPr lang="ko-KR" altLang="en-US" sz="1400" spc="-150" dirty="0">
-                <a:solidFill>
-                  <a:schemeClr val="tx1">
-                    <a:lumMod val="75000"/>
-                    <a:lumOff val="25000"/>
-                  </a:schemeClr>
-                </a:solidFill>
-                <a:latin typeface="+mn-ea"/>
-              </a:rPr>
-              <a:t> 모델 평가</a:t>
-            </a:r>
-          </a:p>
-        </p:txBody>
-      </p:sp>
-      <p:sp>
-        <p:nvSpPr>
-          <p:cNvPr id="41" name="TextBox 40">
-            <a:extLst>
-              <a:ext uri="{FF2B5EF4-FFF2-40B4-BE49-F238E27FC236}">
-                <a16:creationId xmlns:a16="http://schemas.microsoft.com/office/drawing/2014/main" id="{92B7B5C9-F745-401A-99F6-001F312C8F5D}"/>
-              </a:ext>
-            </a:extLst>
-          </p:cNvPr>
-          <p:cNvSpPr txBox="1"/>
-          <p:nvPr/>
-        </p:nvSpPr>
-        <p:spPr>
-          <a:xfrm>
-            <a:off x="-98231" y="50565"/>
-            <a:ext cx="353943" cy="1849121"/>
-          </a:xfrm>
-          <a:prstGeom prst="rect">
-            <a:avLst/>
-          </a:prstGeom>
-          <a:noFill/>
-        </p:spPr>
-        <p:txBody>
-          <a:bodyPr vert="eaVert" wrap="square" rtlCol="0">
-            <a:spAutoFit/>
-          </a:bodyPr>
-          <a:lstStyle/>
-          <a:p>
-            <a:r>
-              <a:rPr lang="en-US" altLang="ko-KR" sz="1100" dirty="0">
-                <a:solidFill>
-                  <a:schemeClr val="bg1"/>
-                </a:solidFill>
-              </a:rPr>
-              <a:t>Part 1</a:t>
-            </a:r>
-            <a:endParaRPr lang="ko-KR" altLang="en-US" sz="1100" dirty="0">
-              <a:solidFill>
-                <a:schemeClr val="bg1"/>
-              </a:solidFill>
-            </a:endParaRPr>
-          </a:p>
-        </p:txBody>
-      </p:sp>
+        </p:spPr>
+      </p:pic>
     </p:spTree>
     <p:extLst>
       <p:ext uri="{BB962C8B-B14F-4D97-AF65-F5344CB8AC3E}">
-        <p14:creationId xmlns:p14="http://schemas.microsoft.com/office/powerpoint/2010/main" val="1120228696"/>
+        <p14:creationId xmlns:p14="http://schemas.microsoft.com/office/powerpoint/2010/main" val="2499800643"/>
       </p:ext>
     </p:extLst>
   </p:cSld>
@@ -7959,47 +7653,55 @@
           <a:chExt cx="0" cy="0"/>
         </a:xfrm>
       </p:grpSpPr>
-      <p:pic>
-        <p:nvPicPr>
-          <p:cNvPr id="3" name="그림 2" descr="실외, 자연, 물, 해변이(가) 표시된 사진&#10;&#10;자동 생성된 설명">
-            <a:extLst>
-              <a:ext uri="{FF2B5EF4-FFF2-40B4-BE49-F238E27FC236}">
-                <a16:creationId xmlns:a16="http://schemas.microsoft.com/office/drawing/2014/main" id="{EF86BDD0-98BF-4BEF-B4A9-EFA8B57805C9}"/>
-              </a:ext>
-            </a:extLst>
-          </p:cNvPr>
-          <p:cNvPicPr>
-            <a:picLocks noChangeAspect="1"/>
-          </p:cNvPicPr>
+      <p:cxnSp>
+        <p:nvCxnSpPr>
+          <p:cNvPr id="4" name="직선 연결선 3">
+            <a:extLst>
+              <a:ext uri="{FF2B5EF4-FFF2-40B4-BE49-F238E27FC236}">
+                <a16:creationId xmlns:a16="http://schemas.microsoft.com/office/drawing/2014/main" id="{9A8E474A-6ECB-442D-8A42-7881F4DFBB2A}"/>
+              </a:ext>
+            </a:extLst>
+          </p:cNvPr>
+          <p:cNvCxnSpPr>
+            <a:cxnSpLocks/>
+          </p:cNvCxnSpPr>
           <p:nvPr/>
-        </p:nvPicPr>
-        <p:blipFill rotWithShape="1">
-          <a:blip r:embed="rId2" cstate="screen">
-            <a:extLst>
-              <a:ext uri="{28A0092B-C50C-407E-A947-70E740481C1C}">
-                <a14:useLocalDpi xmlns:a14="http://schemas.microsoft.com/office/drawing/2010/main" val="0"/>
-              </a:ext>
-            </a:extLst>
-          </a:blip>
-          <a:srcRect/>
-          <a:stretch/>
-        </p:blipFill>
-        <p:spPr>
-          <a:xfrm>
-            <a:off x="0" y="0"/>
-            <a:ext cx="12192000" cy="6858000"/>
-          </a:xfrm>
-          <a:prstGeom prst="rect">
-            <a:avLst/>
-          </a:prstGeom>
-        </p:spPr>
-      </p:pic>
-      <p:sp>
-        <p:nvSpPr>
-          <p:cNvPr id="4" name="직사각형 3">
-            <a:extLst>
-              <a:ext uri="{FF2B5EF4-FFF2-40B4-BE49-F238E27FC236}">
-                <a16:creationId xmlns:a16="http://schemas.microsoft.com/office/drawing/2014/main" id="{A0FB8B4C-07AF-4C6A-A019-A5544A66D523}"/>
+        </p:nvCxnSpPr>
+        <p:spPr>
+          <a:xfrm>
+            <a:off x="177800" y="835707"/>
+            <a:ext cx="12014200" cy="0"/>
+          </a:xfrm>
+          <a:prstGeom prst="line">
+            <a:avLst/>
+          </a:prstGeom>
+          <a:ln>
+            <a:solidFill>
+              <a:schemeClr val="accent2"/>
+            </a:solidFill>
+          </a:ln>
+        </p:spPr>
+        <p:style>
+          <a:lnRef idx="1">
+            <a:schemeClr val="accent1"/>
+          </a:lnRef>
+          <a:fillRef idx="0">
+            <a:schemeClr val="accent1"/>
+          </a:fillRef>
+          <a:effectRef idx="0">
+            <a:schemeClr val="accent1"/>
+          </a:effectRef>
+          <a:fontRef idx="minor">
+            <a:schemeClr val="tx1"/>
+          </a:fontRef>
+        </p:style>
+      </p:cxnSp>
+      <p:sp>
+        <p:nvSpPr>
+          <p:cNvPr id="5" name="직사각형 4">
+            <a:extLst>
+              <a:ext uri="{FF2B5EF4-FFF2-40B4-BE49-F238E27FC236}">
+                <a16:creationId xmlns:a16="http://schemas.microsoft.com/office/drawing/2014/main" id="{76EF8051-9646-4552-BE57-7D95D1538BA2}"/>
               </a:ext>
             </a:extLst>
           </p:cNvPr>
@@ -8009,15 +7711,13 @@
         <p:spPr>
           <a:xfrm>
             <a:off x="0" y="0"/>
-            <a:ext cx="12192000" cy="3429000"/>
+            <a:ext cx="177800" cy="6858000"/>
           </a:xfrm>
           <a:prstGeom prst="rect">
             <a:avLst/>
           </a:prstGeom>
           <a:solidFill>
-            <a:schemeClr val="tx2">
-              <a:lumMod val="75000"/>
-            </a:schemeClr>
+            <a:schemeClr val="accent1"/>
           </a:solidFill>
           <a:ln>
             <a:noFill/>
@@ -8050,10 +7750,10 @@
       </p:sp>
       <p:sp>
         <p:nvSpPr>
-          <p:cNvPr id="5" name="TextBox 4">
-            <a:extLst>
-              <a:ext uri="{FF2B5EF4-FFF2-40B4-BE49-F238E27FC236}">
-                <a16:creationId xmlns:a16="http://schemas.microsoft.com/office/drawing/2014/main" id="{6B679CA0-EDDD-4ACD-9947-D034F34E4F68}"/>
+          <p:cNvPr id="9" name="TextBox 8">
+            <a:extLst>
+              <a:ext uri="{FF2B5EF4-FFF2-40B4-BE49-F238E27FC236}">
+                <a16:creationId xmlns:a16="http://schemas.microsoft.com/office/drawing/2014/main" id="{7FFA9BC9-96FB-4B17-AF51-48D81692F2D7}"/>
               </a:ext>
             </a:extLst>
           </p:cNvPr>
@@ -8062,8 +7762,8 @@
         </p:nvSpPr>
         <p:spPr>
           <a:xfrm>
-            <a:off x="5009805" y="2222212"/>
-            <a:ext cx="2172390" cy="584775"/>
+            <a:off x="329610" y="111525"/>
+            <a:ext cx="2760692" cy="584775"/>
           </a:xfrm>
           <a:prstGeom prst="rect">
             <a:avLst/>
@@ -8076,22 +7776,3282 @@
           </a:bodyPr>
           <a:lstStyle/>
           <a:p>
+            <a:r>
+              <a:rPr lang="en-US" altLang="ko-KR" sz="3200" spc="-300" dirty="0">
+                <a:solidFill>
+                  <a:schemeClr val="tx1">
+                    <a:lumMod val="85000"/>
+                    <a:lumOff val="15000"/>
+                  </a:schemeClr>
+                </a:solidFill>
+              </a:rPr>
+              <a:t>4. </a:t>
+            </a:r>
+            <a:r>
+              <a:rPr lang="ko-KR" altLang="en-US" sz="3200" spc="-300" dirty="0">
+                <a:solidFill>
+                  <a:schemeClr val="tx1">
+                    <a:lumMod val="85000"/>
+                    <a:lumOff val="15000"/>
+                  </a:schemeClr>
+                </a:solidFill>
+              </a:rPr>
+              <a:t>확보한 데이터</a:t>
+            </a:r>
+          </a:p>
+        </p:txBody>
+      </p:sp>
+      <p:sp>
+        <p:nvSpPr>
+          <p:cNvPr id="16" name="TextBox 15">
+            <a:extLst>
+              <a:ext uri="{FF2B5EF4-FFF2-40B4-BE49-F238E27FC236}">
+                <a16:creationId xmlns:a16="http://schemas.microsoft.com/office/drawing/2014/main" id="{FD5F3A16-019F-4601-B0EF-882D4466946E}"/>
+              </a:ext>
+            </a:extLst>
+          </p:cNvPr>
+          <p:cNvSpPr txBox="1"/>
+          <p:nvPr/>
+        </p:nvSpPr>
+        <p:spPr>
+          <a:xfrm>
+            <a:off x="-98231" y="50565"/>
+            <a:ext cx="353943" cy="1849121"/>
+          </a:xfrm>
+          <a:prstGeom prst="rect">
+            <a:avLst/>
+          </a:prstGeom>
+          <a:noFill/>
+        </p:spPr>
+        <p:txBody>
+          <a:bodyPr vert="eaVert" wrap="square" rtlCol="0">
+            <a:spAutoFit/>
+          </a:bodyPr>
+          <a:lstStyle/>
+          <a:p>
+            <a:r>
+              <a:rPr lang="en-US" altLang="ko-KR" sz="1100" dirty="0">
+                <a:solidFill>
+                  <a:schemeClr val="bg1"/>
+                </a:solidFill>
+              </a:rPr>
+              <a:t>Part 1</a:t>
+            </a:r>
+            <a:endParaRPr lang="ko-KR" altLang="en-US" sz="1100" dirty="0">
+              <a:solidFill>
+                <a:schemeClr val="bg1"/>
+              </a:solidFill>
+            </a:endParaRPr>
+          </a:p>
+        </p:txBody>
+      </p:sp>
+      <p:sp>
+        <p:nvSpPr>
+          <p:cNvPr id="29" name="TextBox 28">
+            <a:extLst>
+              <a:ext uri="{FF2B5EF4-FFF2-40B4-BE49-F238E27FC236}">
+                <a16:creationId xmlns:a16="http://schemas.microsoft.com/office/drawing/2014/main" id="{3C7F48AA-313A-4FEB-852C-5DB47583CB04}"/>
+              </a:ext>
+            </a:extLst>
+          </p:cNvPr>
+          <p:cNvSpPr txBox="1"/>
+          <p:nvPr/>
+        </p:nvSpPr>
+        <p:spPr>
+          <a:xfrm>
+            <a:off x="1342017" y="3242708"/>
+            <a:ext cx="1682895" cy="850682"/>
+          </a:xfrm>
+          <a:prstGeom prst="rect">
+            <a:avLst/>
+          </a:prstGeom>
+          <a:noFill/>
+        </p:spPr>
+        <p:txBody>
+          <a:bodyPr wrap="square" rtlCol="0">
+            <a:spAutoFit/>
+          </a:bodyPr>
+          <a:lstStyle/>
+          <a:p>
+            <a:pPr algn="just">
+              <a:lnSpc>
+                <a:spcPct val="120000"/>
+              </a:lnSpc>
+            </a:pPr>
+            <a:r>
+              <a:rPr lang="ko-KR" altLang="en-US" sz="1400" spc="-150" dirty="0">
+                <a:solidFill>
+                  <a:schemeClr val="tx1">
+                    <a:lumMod val="75000"/>
+                    <a:lumOff val="25000"/>
+                  </a:schemeClr>
+                </a:solidFill>
+                <a:latin typeface="+mn-ea"/>
+              </a:rPr>
+              <a:t>테슬라 주가</a:t>
+            </a:r>
+            <a:endParaRPr lang="en-US" altLang="ko-KR" sz="1400" spc="-150" dirty="0">
+              <a:solidFill>
+                <a:schemeClr val="tx1">
+                  <a:lumMod val="75000"/>
+                  <a:lumOff val="25000"/>
+                </a:schemeClr>
+              </a:solidFill>
+              <a:latin typeface="+mn-ea"/>
+            </a:endParaRPr>
+          </a:p>
+          <a:p>
+            <a:pPr algn="just">
+              <a:lnSpc>
+                <a:spcPct val="120000"/>
+              </a:lnSpc>
+            </a:pPr>
+            <a:r>
+              <a:rPr lang="ko-KR" altLang="en-US" sz="1400" spc="-150" dirty="0">
+                <a:solidFill>
+                  <a:schemeClr val="tx1">
+                    <a:lumMod val="75000"/>
+                    <a:lumOff val="25000"/>
+                  </a:schemeClr>
+                </a:solidFill>
+                <a:latin typeface="+mn-ea"/>
+              </a:rPr>
+              <a:t>테슬라  거래량</a:t>
+            </a:r>
+            <a:endParaRPr lang="en-US" altLang="ko-KR" sz="1400" spc="-150" dirty="0">
+              <a:solidFill>
+                <a:schemeClr val="tx1">
+                  <a:lumMod val="75000"/>
+                  <a:lumOff val="25000"/>
+                </a:schemeClr>
+              </a:solidFill>
+              <a:latin typeface="+mn-ea"/>
+            </a:endParaRPr>
+          </a:p>
+          <a:p>
+            <a:pPr algn="just">
+              <a:lnSpc>
+                <a:spcPct val="120000"/>
+              </a:lnSpc>
+            </a:pPr>
+            <a:r>
+              <a:rPr lang="ko-KR" altLang="en-US" sz="1400" spc="-150" dirty="0">
+                <a:solidFill>
+                  <a:schemeClr val="tx1">
+                    <a:lumMod val="75000"/>
+                    <a:lumOff val="25000"/>
+                  </a:schemeClr>
+                </a:solidFill>
+                <a:latin typeface="+mn-ea"/>
+              </a:rPr>
+              <a:t>테슬라  </a:t>
+            </a:r>
+          </a:p>
+        </p:txBody>
+      </p:sp>
+      <p:sp>
+        <p:nvSpPr>
+          <p:cNvPr id="30" name="직사각형 29">
+            <a:extLst>
+              <a:ext uri="{FF2B5EF4-FFF2-40B4-BE49-F238E27FC236}">
+                <a16:creationId xmlns:a16="http://schemas.microsoft.com/office/drawing/2014/main" id="{E951DC4B-C0AB-4B81-893F-51F80E8375A1}"/>
+              </a:ext>
+            </a:extLst>
+          </p:cNvPr>
+          <p:cNvSpPr/>
+          <p:nvPr/>
+        </p:nvSpPr>
+        <p:spPr>
+          <a:xfrm>
+            <a:off x="710941" y="2036558"/>
+            <a:ext cx="2041451" cy="3508786"/>
+          </a:xfrm>
+          <a:prstGeom prst="rect">
+            <a:avLst/>
+          </a:prstGeom>
+          <a:solidFill>
+            <a:schemeClr val="bg1">
+              <a:lumMod val="95000"/>
+            </a:schemeClr>
+          </a:solidFill>
+          <a:ln>
+            <a:noFill/>
+          </a:ln>
+        </p:spPr>
+        <p:style>
+          <a:lnRef idx="2">
+            <a:schemeClr val="accent1">
+              <a:shade val="50000"/>
+            </a:schemeClr>
+          </a:lnRef>
+          <a:fillRef idx="1">
+            <a:schemeClr val="accent1"/>
+          </a:fillRef>
+          <a:effectRef idx="0">
+            <a:schemeClr val="accent1"/>
+          </a:effectRef>
+          <a:fontRef idx="minor">
+            <a:schemeClr val="lt1"/>
+          </a:fontRef>
+        </p:style>
+        <p:txBody>
+          <a:bodyPr rtlCol="0" anchor="ctr"/>
+          <a:lstStyle/>
+          <a:p>
             <a:pPr algn="ctr"/>
-            <a:r>
-              <a:rPr lang="ko-KR" altLang="en-US" sz="3200" dirty="0">
-                <a:solidFill>
-                  <a:schemeClr val="bg1"/>
-                </a:solidFill>
-              </a:rPr>
-              <a:t>감사합니다</a:t>
-            </a:r>
+            <a:endParaRPr lang="ko-KR" altLang="en-US"/>
+          </a:p>
+        </p:txBody>
+      </p:sp>
+      <p:sp>
+        <p:nvSpPr>
+          <p:cNvPr id="31" name="직사각형 30">
+            <a:extLst>
+              <a:ext uri="{FF2B5EF4-FFF2-40B4-BE49-F238E27FC236}">
+                <a16:creationId xmlns:a16="http://schemas.microsoft.com/office/drawing/2014/main" id="{C982166D-C89B-4293-9522-DD5701C539AD}"/>
+              </a:ext>
+            </a:extLst>
+          </p:cNvPr>
+          <p:cNvSpPr/>
+          <p:nvPr/>
+        </p:nvSpPr>
+        <p:spPr>
+          <a:xfrm>
+            <a:off x="710941" y="2036556"/>
+            <a:ext cx="2041451" cy="604280"/>
+          </a:xfrm>
+          <a:prstGeom prst="rect">
+            <a:avLst/>
+          </a:prstGeom>
+          <a:solidFill>
+            <a:schemeClr val="accent5">
+              <a:lumMod val="60000"/>
+              <a:lumOff val="40000"/>
+            </a:schemeClr>
+          </a:solidFill>
+          <a:ln>
+            <a:noFill/>
+          </a:ln>
+        </p:spPr>
+        <p:style>
+          <a:lnRef idx="2">
+            <a:schemeClr val="accent1">
+              <a:shade val="50000"/>
+            </a:schemeClr>
+          </a:lnRef>
+          <a:fillRef idx="1">
+            <a:schemeClr val="accent1"/>
+          </a:fillRef>
+          <a:effectRef idx="0">
+            <a:schemeClr val="accent1"/>
+          </a:effectRef>
+          <a:fontRef idx="minor">
+            <a:schemeClr val="lt1"/>
+          </a:fontRef>
+        </p:style>
+        <p:txBody>
+          <a:bodyPr rtlCol="0" anchor="ctr"/>
+          <a:lstStyle/>
+          <a:p>
+            <a:pPr algn="ctr"/>
+            <a:endParaRPr lang="ko-KR" altLang="en-US"/>
+          </a:p>
+        </p:txBody>
+      </p:sp>
+      <p:sp>
+        <p:nvSpPr>
+          <p:cNvPr id="32" name="직사각형 31">
+            <a:extLst>
+              <a:ext uri="{FF2B5EF4-FFF2-40B4-BE49-F238E27FC236}">
+                <a16:creationId xmlns:a16="http://schemas.microsoft.com/office/drawing/2014/main" id="{B2B5ACCD-7882-4017-A984-1A9EB4AACD96}"/>
+              </a:ext>
+            </a:extLst>
+          </p:cNvPr>
+          <p:cNvSpPr/>
+          <p:nvPr/>
+        </p:nvSpPr>
+        <p:spPr>
+          <a:xfrm>
+            <a:off x="7477246" y="2033096"/>
+            <a:ext cx="2041451" cy="3508786"/>
+          </a:xfrm>
+          <a:prstGeom prst="rect">
+            <a:avLst/>
+          </a:prstGeom>
+          <a:solidFill>
+            <a:schemeClr val="bg1">
+              <a:lumMod val="95000"/>
+            </a:schemeClr>
+          </a:solidFill>
+          <a:ln>
+            <a:noFill/>
+          </a:ln>
+        </p:spPr>
+        <p:style>
+          <a:lnRef idx="2">
+            <a:schemeClr val="accent1">
+              <a:shade val="50000"/>
+            </a:schemeClr>
+          </a:lnRef>
+          <a:fillRef idx="1">
+            <a:schemeClr val="accent1"/>
+          </a:fillRef>
+          <a:effectRef idx="0">
+            <a:schemeClr val="accent1"/>
+          </a:effectRef>
+          <a:fontRef idx="minor">
+            <a:schemeClr val="lt1"/>
+          </a:fontRef>
+        </p:style>
+        <p:txBody>
+          <a:bodyPr rtlCol="0" anchor="ctr"/>
+          <a:lstStyle/>
+          <a:p>
+            <a:pPr algn="ctr"/>
+            <a:endParaRPr lang="ko-KR" altLang="en-US"/>
+          </a:p>
+        </p:txBody>
+      </p:sp>
+      <p:sp>
+        <p:nvSpPr>
+          <p:cNvPr id="33" name="직사각형 32">
+            <a:extLst>
+              <a:ext uri="{FF2B5EF4-FFF2-40B4-BE49-F238E27FC236}">
+                <a16:creationId xmlns:a16="http://schemas.microsoft.com/office/drawing/2014/main" id="{7701C2A1-95EA-4DE3-9F1B-346D37534BE9}"/>
+              </a:ext>
+            </a:extLst>
+          </p:cNvPr>
+          <p:cNvSpPr/>
+          <p:nvPr/>
+        </p:nvSpPr>
+        <p:spPr>
+          <a:xfrm>
+            <a:off x="2964021" y="2036558"/>
+            <a:ext cx="2041451" cy="3508786"/>
+          </a:xfrm>
+          <a:prstGeom prst="rect">
+            <a:avLst/>
+          </a:prstGeom>
+          <a:solidFill>
+            <a:schemeClr val="bg1">
+              <a:lumMod val="95000"/>
+            </a:schemeClr>
+          </a:solidFill>
+          <a:ln>
+            <a:noFill/>
+          </a:ln>
+        </p:spPr>
+        <p:style>
+          <a:lnRef idx="2">
+            <a:schemeClr val="accent1">
+              <a:shade val="50000"/>
+            </a:schemeClr>
+          </a:lnRef>
+          <a:fillRef idx="1">
+            <a:schemeClr val="accent1"/>
+          </a:fillRef>
+          <a:effectRef idx="0">
+            <a:schemeClr val="accent1"/>
+          </a:effectRef>
+          <a:fontRef idx="minor">
+            <a:schemeClr val="lt1"/>
+          </a:fontRef>
+        </p:style>
+        <p:txBody>
+          <a:bodyPr rtlCol="0" anchor="ctr"/>
+          <a:lstStyle/>
+          <a:p>
+            <a:pPr algn="ctr"/>
+            <a:endParaRPr lang="ko-KR" altLang="en-US"/>
+          </a:p>
+        </p:txBody>
+      </p:sp>
+      <p:sp>
+        <p:nvSpPr>
+          <p:cNvPr id="34" name="직사각형 33">
+            <a:extLst>
+              <a:ext uri="{FF2B5EF4-FFF2-40B4-BE49-F238E27FC236}">
+                <a16:creationId xmlns:a16="http://schemas.microsoft.com/office/drawing/2014/main" id="{D8458CF0-16D9-4633-8F73-C4517677076A}"/>
+              </a:ext>
+            </a:extLst>
+          </p:cNvPr>
+          <p:cNvSpPr/>
+          <p:nvPr/>
+        </p:nvSpPr>
+        <p:spPr>
+          <a:xfrm>
+            <a:off x="5217101" y="2034827"/>
+            <a:ext cx="2041451" cy="3508786"/>
+          </a:xfrm>
+          <a:prstGeom prst="rect">
+            <a:avLst/>
+          </a:prstGeom>
+          <a:solidFill>
+            <a:schemeClr val="bg1">
+              <a:lumMod val="95000"/>
+            </a:schemeClr>
+          </a:solidFill>
+          <a:ln>
+            <a:noFill/>
+          </a:ln>
+        </p:spPr>
+        <p:style>
+          <a:lnRef idx="2">
+            <a:schemeClr val="accent1">
+              <a:shade val="50000"/>
+            </a:schemeClr>
+          </a:lnRef>
+          <a:fillRef idx="1">
+            <a:schemeClr val="accent1"/>
+          </a:fillRef>
+          <a:effectRef idx="0">
+            <a:schemeClr val="accent1"/>
+          </a:effectRef>
+          <a:fontRef idx="minor">
+            <a:schemeClr val="lt1"/>
+          </a:fontRef>
+        </p:style>
+        <p:txBody>
+          <a:bodyPr rtlCol="0" anchor="ctr"/>
+          <a:lstStyle/>
+          <a:p>
+            <a:pPr algn="ctr"/>
+            <a:endParaRPr lang="ko-KR" altLang="en-US"/>
+          </a:p>
+        </p:txBody>
+      </p:sp>
+      <p:sp>
+        <p:nvSpPr>
+          <p:cNvPr id="38" name="TextBox 37">
+            <a:extLst>
+              <a:ext uri="{FF2B5EF4-FFF2-40B4-BE49-F238E27FC236}">
+                <a16:creationId xmlns:a16="http://schemas.microsoft.com/office/drawing/2014/main" id="{D37DC945-1B40-48CC-9E28-199A87D846F9}"/>
+              </a:ext>
+            </a:extLst>
+          </p:cNvPr>
+          <p:cNvSpPr txBox="1"/>
+          <p:nvPr/>
+        </p:nvSpPr>
+        <p:spPr>
+          <a:xfrm>
+            <a:off x="904837" y="2151529"/>
+            <a:ext cx="1622560" cy="369332"/>
+          </a:xfrm>
+          <a:prstGeom prst="rect">
+            <a:avLst/>
+          </a:prstGeom>
+          <a:noFill/>
+        </p:spPr>
+        <p:txBody>
+          <a:bodyPr wrap="none" rtlCol="0">
+            <a:spAutoFit/>
+          </a:bodyPr>
+          <a:lstStyle/>
+          <a:p>
+            <a:pPr algn="ctr"/>
+            <a:r>
+              <a:rPr lang="ko-KR" altLang="en-US" dirty="0">
+                <a:solidFill>
+                  <a:schemeClr val="tx1">
+                    <a:lumMod val="85000"/>
+                    <a:lumOff val="15000"/>
+                  </a:schemeClr>
+                </a:solidFill>
+              </a:rPr>
+              <a:t>테슬라 데이터</a:t>
+            </a:r>
+          </a:p>
+        </p:txBody>
+      </p:sp>
+      <p:sp>
+        <p:nvSpPr>
+          <p:cNvPr id="39" name="직사각형 38">
+            <a:extLst>
+              <a:ext uri="{FF2B5EF4-FFF2-40B4-BE49-F238E27FC236}">
+                <a16:creationId xmlns:a16="http://schemas.microsoft.com/office/drawing/2014/main" id="{9D32CF81-CD72-43F6-A833-376E3E622591}"/>
+              </a:ext>
+            </a:extLst>
+          </p:cNvPr>
+          <p:cNvSpPr/>
+          <p:nvPr/>
+        </p:nvSpPr>
+        <p:spPr>
+          <a:xfrm>
+            <a:off x="2964020" y="2036556"/>
+            <a:ext cx="2041451" cy="604280"/>
+          </a:xfrm>
+          <a:prstGeom prst="rect">
+            <a:avLst/>
+          </a:prstGeom>
+          <a:solidFill>
+            <a:schemeClr val="accent3"/>
+          </a:solidFill>
+          <a:ln>
+            <a:noFill/>
+          </a:ln>
+        </p:spPr>
+        <p:style>
+          <a:lnRef idx="2">
+            <a:schemeClr val="accent1">
+              <a:shade val="50000"/>
+            </a:schemeClr>
+          </a:lnRef>
+          <a:fillRef idx="1">
+            <a:schemeClr val="accent1"/>
+          </a:fillRef>
+          <a:effectRef idx="0">
+            <a:schemeClr val="accent1"/>
+          </a:effectRef>
+          <a:fontRef idx="minor">
+            <a:schemeClr val="lt1"/>
+          </a:fontRef>
+        </p:style>
+        <p:txBody>
+          <a:bodyPr rtlCol="0" anchor="ctr"/>
+          <a:lstStyle/>
+          <a:p>
+            <a:pPr algn="ctr"/>
+            <a:endParaRPr lang="ko-KR" altLang="en-US"/>
+          </a:p>
+        </p:txBody>
+      </p:sp>
+      <p:sp>
+        <p:nvSpPr>
+          <p:cNvPr id="40" name="TextBox 39">
+            <a:extLst>
+              <a:ext uri="{FF2B5EF4-FFF2-40B4-BE49-F238E27FC236}">
+                <a16:creationId xmlns:a16="http://schemas.microsoft.com/office/drawing/2014/main" id="{2C6D24CB-A0B7-4F27-81F4-4EFAF4496D40}"/>
+              </a:ext>
+            </a:extLst>
+          </p:cNvPr>
+          <p:cNvSpPr txBox="1"/>
+          <p:nvPr/>
+        </p:nvSpPr>
+        <p:spPr>
+          <a:xfrm>
+            <a:off x="3362300" y="2151529"/>
+            <a:ext cx="1260281" cy="369332"/>
+          </a:xfrm>
+          <a:prstGeom prst="rect">
+            <a:avLst/>
+          </a:prstGeom>
+          <a:noFill/>
+        </p:spPr>
+        <p:txBody>
+          <a:bodyPr wrap="none" rtlCol="0">
+            <a:spAutoFit/>
+          </a:bodyPr>
+          <a:lstStyle/>
+          <a:p>
+            <a:pPr algn="ctr"/>
+            <a:r>
+              <a:rPr lang="en-US" altLang="ko-KR" dirty="0">
+                <a:solidFill>
+                  <a:schemeClr val="bg1">
+                    <a:lumMod val="95000"/>
+                  </a:schemeClr>
+                </a:solidFill>
+              </a:rPr>
+              <a:t>ETF </a:t>
+            </a:r>
+            <a:r>
+              <a:rPr lang="ko-KR" altLang="en-US" dirty="0">
+                <a:solidFill>
+                  <a:schemeClr val="bg1">
+                    <a:lumMod val="95000"/>
+                  </a:schemeClr>
+                </a:solidFill>
+              </a:rPr>
+              <a:t>데이터</a:t>
+            </a:r>
+          </a:p>
+        </p:txBody>
+      </p:sp>
+      <p:sp>
+        <p:nvSpPr>
+          <p:cNvPr id="41" name="직사각형 40">
+            <a:extLst>
+              <a:ext uri="{FF2B5EF4-FFF2-40B4-BE49-F238E27FC236}">
+                <a16:creationId xmlns:a16="http://schemas.microsoft.com/office/drawing/2014/main" id="{EB808F8D-57F6-4564-A4A1-6AB5F48A34A9}"/>
+              </a:ext>
+            </a:extLst>
+          </p:cNvPr>
+          <p:cNvSpPr/>
+          <p:nvPr/>
+        </p:nvSpPr>
+        <p:spPr>
+          <a:xfrm>
+            <a:off x="5217099" y="2034825"/>
+            <a:ext cx="2041451" cy="604280"/>
+          </a:xfrm>
+          <a:prstGeom prst="rect">
+            <a:avLst/>
+          </a:prstGeom>
+          <a:solidFill>
+            <a:schemeClr val="accent2"/>
+          </a:solidFill>
+          <a:ln>
+            <a:noFill/>
+          </a:ln>
+        </p:spPr>
+        <p:style>
+          <a:lnRef idx="2">
+            <a:schemeClr val="accent1">
+              <a:shade val="50000"/>
+            </a:schemeClr>
+          </a:lnRef>
+          <a:fillRef idx="1">
+            <a:schemeClr val="accent1"/>
+          </a:fillRef>
+          <a:effectRef idx="0">
+            <a:schemeClr val="accent1"/>
+          </a:effectRef>
+          <a:fontRef idx="minor">
+            <a:schemeClr val="lt1"/>
+          </a:fontRef>
+        </p:style>
+        <p:txBody>
+          <a:bodyPr rtlCol="0" anchor="ctr"/>
+          <a:lstStyle/>
+          <a:p>
+            <a:pPr algn="ctr"/>
+            <a:endParaRPr lang="ko-KR" altLang="en-US"/>
+          </a:p>
+        </p:txBody>
+      </p:sp>
+      <p:sp>
+        <p:nvSpPr>
+          <p:cNvPr id="42" name="TextBox 41">
+            <a:extLst>
+              <a:ext uri="{FF2B5EF4-FFF2-40B4-BE49-F238E27FC236}">
+                <a16:creationId xmlns:a16="http://schemas.microsoft.com/office/drawing/2014/main" id="{7B315A8D-14DE-4591-B16E-2C981E1516B6}"/>
+              </a:ext>
+            </a:extLst>
+          </p:cNvPr>
+          <p:cNvSpPr txBox="1"/>
+          <p:nvPr/>
+        </p:nvSpPr>
+        <p:spPr>
+          <a:xfrm>
+            <a:off x="5435039" y="2149798"/>
+            <a:ext cx="1622560" cy="369332"/>
+          </a:xfrm>
+          <a:prstGeom prst="rect">
+            <a:avLst/>
+          </a:prstGeom>
+          <a:noFill/>
+        </p:spPr>
+        <p:txBody>
+          <a:bodyPr wrap="none" rtlCol="0">
+            <a:spAutoFit/>
+          </a:bodyPr>
+          <a:lstStyle/>
+          <a:p>
+            <a:pPr algn="ctr"/>
+            <a:r>
+              <a:rPr lang="ko-KR" altLang="en-US" dirty="0">
+                <a:solidFill>
+                  <a:schemeClr val="bg1">
+                    <a:lumMod val="95000"/>
+                  </a:schemeClr>
+                </a:solidFill>
+              </a:rPr>
+              <a:t>원자재 데이터</a:t>
+            </a:r>
+          </a:p>
+        </p:txBody>
+      </p:sp>
+      <p:sp>
+        <p:nvSpPr>
+          <p:cNvPr id="43" name="직사각형 42">
+            <a:extLst>
+              <a:ext uri="{FF2B5EF4-FFF2-40B4-BE49-F238E27FC236}">
+                <a16:creationId xmlns:a16="http://schemas.microsoft.com/office/drawing/2014/main" id="{3F4A1D08-5E1B-4BDD-AA69-F0E16AB22893}"/>
+              </a:ext>
+            </a:extLst>
+          </p:cNvPr>
+          <p:cNvSpPr/>
+          <p:nvPr/>
+        </p:nvSpPr>
+        <p:spPr>
+          <a:xfrm>
+            <a:off x="7477242" y="2033094"/>
+            <a:ext cx="2041451" cy="604280"/>
+          </a:xfrm>
+          <a:prstGeom prst="rect">
+            <a:avLst/>
+          </a:prstGeom>
+          <a:solidFill>
+            <a:schemeClr val="accent1"/>
+          </a:solidFill>
+          <a:ln>
+            <a:noFill/>
+          </a:ln>
+        </p:spPr>
+        <p:style>
+          <a:lnRef idx="2">
+            <a:schemeClr val="accent1">
+              <a:shade val="50000"/>
+            </a:schemeClr>
+          </a:lnRef>
+          <a:fillRef idx="1">
+            <a:schemeClr val="accent1"/>
+          </a:fillRef>
+          <a:effectRef idx="0">
+            <a:schemeClr val="accent1"/>
+          </a:effectRef>
+          <a:fontRef idx="minor">
+            <a:schemeClr val="lt1"/>
+          </a:fontRef>
+        </p:style>
+        <p:txBody>
+          <a:bodyPr rtlCol="0" anchor="ctr"/>
+          <a:lstStyle/>
+          <a:p>
+            <a:pPr algn="ctr"/>
+            <a:endParaRPr lang="ko-KR" altLang="en-US"/>
+          </a:p>
+        </p:txBody>
+      </p:sp>
+      <p:sp>
+        <p:nvSpPr>
+          <p:cNvPr id="44" name="TextBox 43">
+            <a:extLst>
+              <a:ext uri="{FF2B5EF4-FFF2-40B4-BE49-F238E27FC236}">
+                <a16:creationId xmlns:a16="http://schemas.microsoft.com/office/drawing/2014/main" id="{671223A7-9D7A-41BD-A38F-066EC7E3F827}"/>
+              </a:ext>
+            </a:extLst>
+          </p:cNvPr>
+          <p:cNvSpPr txBox="1"/>
+          <p:nvPr/>
+        </p:nvSpPr>
+        <p:spPr>
+          <a:xfrm>
+            <a:off x="7571538" y="2148067"/>
+            <a:ext cx="1853392" cy="369332"/>
+          </a:xfrm>
+          <a:prstGeom prst="rect">
+            <a:avLst/>
+          </a:prstGeom>
+          <a:noFill/>
+        </p:spPr>
+        <p:txBody>
+          <a:bodyPr wrap="none" rtlCol="0">
+            <a:spAutoFit/>
+          </a:bodyPr>
+          <a:lstStyle/>
+          <a:p>
+            <a:pPr algn="ctr"/>
+            <a:r>
+              <a:rPr lang="ko-KR" altLang="en-US" dirty="0">
+                <a:solidFill>
+                  <a:schemeClr val="bg1">
+                    <a:lumMod val="95000"/>
+                  </a:schemeClr>
+                </a:solidFill>
+              </a:rPr>
+              <a:t>재무제표 데이터</a:t>
+            </a:r>
+          </a:p>
+        </p:txBody>
+      </p:sp>
+      <p:sp>
+        <p:nvSpPr>
+          <p:cNvPr id="45" name="TextBox 44">
+            <a:extLst>
+              <a:ext uri="{FF2B5EF4-FFF2-40B4-BE49-F238E27FC236}">
+                <a16:creationId xmlns:a16="http://schemas.microsoft.com/office/drawing/2014/main" id="{28248D96-ECF2-4C08-A73E-C73F156EAB57}"/>
+              </a:ext>
+            </a:extLst>
+          </p:cNvPr>
+          <p:cNvSpPr txBox="1"/>
+          <p:nvPr/>
+        </p:nvSpPr>
+        <p:spPr>
+          <a:xfrm>
+            <a:off x="916504" y="3532419"/>
+            <a:ext cx="1682895" cy="1109214"/>
+          </a:xfrm>
+          <a:prstGeom prst="rect">
+            <a:avLst/>
+          </a:prstGeom>
+          <a:noFill/>
+        </p:spPr>
+        <p:txBody>
+          <a:bodyPr wrap="square" rtlCol="0">
+            <a:spAutoFit/>
+          </a:bodyPr>
+          <a:lstStyle/>
+          <a:p>
+            <a:pPr algn="just">
+              <a:lnSpc>
+                <a:spcPct val="120000"/>
+              </a:lnSpc>
+            </a:pPr>
+            <a:r>
+              <a:rPr lang="ko-KR" altLang="en-US" sz="1400" spc="-150" dirty="0">
+                <a:solidFill>
+                  <a:schemeClr val="tx1">
+                    <a:lumMod val="75000"/>
+                    <a:lumOff val="25000"/>
+                  </a:schemeClr>
+                </a:solidFill>
+                <a:latin typeface="+mn-ea"/>
+              </a:rPr>
+              <a:t>테슬라 주가</a:t>
+            </a:r>
+            <a:r>
+              <a:rPr lang="en-US" altLang="ko-KR" sz="1400" spc="-150" dirty="0">
+                <a:solidFill>
+                  <a:schemeClr val="tx1">
+                    <a:lumMod val="75000"/>
+                    <a:lumOff val="25000"/>
+                  </a:schemeClr>
+                </a:solidFill>
+                <a:latin typeface="+mn-ea"/>
+              </a:rPr>
+              <a:t>,</a:t>
+            </a:r>
+          </a:p>
+          <a:p>
+            <a:pPr algn="just">
+              <a:lnSpc>
+                <a:spcPct val="120000"/>
+              </a:lnSpc>
+            </a:pPr>
+            <a:r>
+              <a:rPr lang="ko-KR" altLang="en-US" sz="1400" spc="-150" dirty="0">
+                <a:solidFill>
+                  <a:schemeClr val="tx1">
+                    <a:lumMod val="75000"/>
+                    <a:lumOff val="25000"/>
+                  </a:schemeClr>
+                </a:solidFill>
+                <a:latin typeface="+mn-ea"/>
+              </a:rPr>
+              <a:t>테슬라  거래량,</a:t>
+            </a:r>
+            <a:endParaRPr lang="en-US" altLang="ko-KR" sz="1400" spc="-150" dirty="0">
+              <a:solidFill>
+                <a:schemeClr val="tx1">
+                  <a:lumMod val="75000"/>
+                  <a:lumOff val="25000"/>
+                </a:schemeClr>
+              </a:solidFill>
+              <a:latin typeface="+mn-ea"/>
+            </a:endParaRPr>
+          </a:p>
+          <a:p>
+            <a:pPr algn="just">
+              <a:lnSpc>
+                <a:spcPct val="120000"/>
+              </a:lnSpc>
+            </a:pPr>
+            <a:r>
+              <a:rPr lang="ko-KR" altLang="en-US" sz="1400" spc="-150" dirty="0">
+                <a:solidFill>
+                  <a:schemeClr val="tx1">
+                    <a:lumMod val="75000"/>
+                    <a:lumOff val="25000"/>
+                  </a:schemeClr>
+                </a:solidFill>
+                <a:latin typeface="+mn-ea"/>
+              </a:rPr>
+              <a:t>테슬라</a:t>
+            </a:r>
+            <a:r>
+              <a:rPr lang="en-US" altLang="ko-KR" sz="1400" spc="-150" dirty="0">
+                <a:solidFill>
+                  <a:schemeClr val="tx1">
+                    <a:lumMod val="75000"/>
+                    <a:lumOff val="25000"/>
+                  </a:schemeClr>
+                </a:solidFill>
+                <a:latin typeface="+mn-ea"/>
+              </a:rPr>
+              <a:t>,</a:t>
+            </a:r>
+          </a:p>
+          <a:p>
+            <a:pPr algn="just">
+              <a:lnSpc>
+                <a:spcPct val="120000"/>
+              </a:lnSpc>
+            </a:pPr>
+            <a:r>
+              <a:rPr lang="ko-KR" altLang="en-US" sz="1400" spc="-150" dirty="0">
+                <a:solidFill>
+                  <a:schemeClr val="tx1">
+                    <a:lumMod val="75000"/>
+                    <a:lumOff val="25000"/>
+                  </a:schemeClr>
+                </a:solidFill>
+                <a:latin typeface="+mn-ea"/>
+              </a:rPr>
+              <a:t>구글  테슬라  검색  량</a:t>
+            </a:r>
+          </a:p>
+        </p:txBody>
+      </p:sp>
+      <p:sp>
+        <p:nvSpPr>
+          <p:cNvPr id="46" name="TextBox 45">
+            <a:extLst>
+              <a:ext uri="{FF2B5EF4-FFF2-40B4-BE49-F238E27FC236}">
+                <a16:creationId xmlns:a16="http://schemas.microsoft.com/office/drawing/2014/main" id="{EA47414C-084C-400B-931E-8FDFCB9F380C}"/>
+              </a:ext>
+            </a:extLst>
+          </p:cNvPr>
+          <p:cNvSpPr txBox="1"/>
+          <p:nvPr/>
+        </p:nvSpPr>
+        <p:spPr>
+          <a:xfrm>
+            <a:off x="3090302" y="2899278"/>
+            <a:ext cx="1682895" cy="2401876"/>
+          </a:xfrm>
+          <a:prstGeom prst="rect">
+            <a:avLst/>
+          </a:prstGeom>
+          <a:noFill/>
+        </p:spPr>
+        <p:txBody>
+          <a:bodyPr wrap="square" rtlCol="0">
+            <a:spAutoFit/>
+          </a:bodyPr>
+          <a:lstStyle/>
+          <a:p>
+            <a:pPr algn="just">
+              <a:lnSpc>
+                <a:spcPct val="120000"/>
+              </a:lnSpc>
+            </a:pPr>
+            <a:r>
+              <a:rPr lang="ko-KR" altLang="en-US" sz="1400" spc="-150" dirty="0">
+                <a:solidFill>
+                  <a:schemeClr val="tx1">
+                    <a:lumMod val="75000"/>
+                    <a:lumOff val="25000"/>
+                  </a:schemeClr>
+                </a:solidFill>
+                <a:latin typeface="+mn-ea"/>
+              </a:rPr>
+              <a:t>중국 </a:t>
+            </a:r>
+            <a:r>
+              <a:rPr lang="en-US" altLang="ko-KR" sz="1400" spc="-150" dirty="0">
+                <a:solidFill>
+                  <a:schemeClr val="tx1">
+                    <a:lumMod val="75000"/>
+                    <a:lumOff val="25000"/>
+                  </a:schemeClr>
+                </a:solidFill>
+                <a:latin typeface="+mn-ea"/>
+              </a:rPr>
+              <a:t>2</a:t>
+            </a:r>
+            <a:r>
+              <a:rPr lang="ko-KR" altLang="en-US" sz="1400" spc="-150" dirty="0">
+                <a:solidFill>
+                  <a:schemeClr val="tx1">
+                    <a:lumMod val="75000"/>
+                    <a:lumOff val="25000"/>
+                  </a:schemeClr>
+                </a:solidFill>
+                <a:latin typeface="+mn-ea"/>
+              </a:rPr>
+              <a:t>차 전지 </a:t>
+            </a:r>
+            <a:r>
+              <a:rPr lang="en-US" altLang="ko-KR" sz="1400" spc="-150" dirty="0">
+                <a:solidFill>
+                  <a:schemeClr val="tx1">
+                    <a:lumMod val="75000"/>
+                    <a:lumOff val="25000"/>
+                  </a:schemeClr>
+                </a:solidFill>
+                <a:latin typeface="+mn-ea"/>
+              </a:rPr>
+              <a:t>ETF,</a:t>
+            </a:r>
+          </a:p>
+          <a:p>
+            <a:pPr algn="just">
+              <a:lnSpc>
+                <a:spcPct val="120000"/>
+              </a:lnSpc>
+            </a:pPr>
+            <a:r>
+              <a:rPr lang="ko-KR" altLang="en-US" sz="1400" spc="-150" dirty="0">
+                <a:solidFill>
+                  <a:schemeClr val="tx1">
+                    <a:lumMod val="75000"/>
+                    <a:lumOff val="25000"/>
+                  </a:schemeClr>
+                </a:solidFill>
+                <a:latin typeface="+mn-ea"/>
+              </a:rPr>
+              <a:t>전기차 관련 </a:t>
+            </a:r>
+            <a:r>
+              <a:rPr lang="en-US" altLang="ko-KR" sz="1400" spc="-150" dirty="0">
+                <a:solidFill>
+                  <a:schemeClr val="tx1">
+                    <a:lumMod val="75000"/>
+                    <a:lumOff val="25000"/>
+                  </a:schemeClr>
+                </a:solidFill>
+                <a:latin typeface="+mn-ea"/>
+              </a:rPr>
+              <a:t>ETF,</a:t>
+            </a:r>
+          </a:p>
+          <a:p>
+            <a:pPr algn="just">
+              <a:lnSpc>
+                <a:spcPct val="120000"/>
+              </a:lnSpc>
+            </a:pPr>
+            <a:r>
+              <a:rPr lang="ko-KR" altLang="en-US" sz="1400" spc="-150" dirty="0">
+                <a:solidFill>
+                  <a:schemeClr val="tx1">
+                    <a:lumMod val="75000"/>
+                    <a:lumOff val="25000"/>
+                  </a:schemeClr>
+                </a:solidFill>
+                <a:latin typeface="+mn-ea"/>
+              </a:rPr>
+              <a:t>미국 반도체 </a:t>
+            </a:r>
+            <a:r>
+              <a:rPr lang="en-US" altLang="ko-KR" sz="1400" spc="-150" dirty="0">
+                <a:solidFill>
+                  <a:schemeClr val="tx1">
+                    <a:lumMod val="75000"/>
+                    <a:lumOff val="25000"/>
+                  </a:schemeClr>
+                </a:solidFill>
+                <a:latin typeface="+mn-ea"/>
+              </a:rPr>
+              <a:t>ETF,</a:t>
+            </a:r>
+          </a:p>
+          <a:p>
+            <a:pPr algn="just">
+              <a:lnSpc>
+                <a:spcPct val="120000"/>
+              </a:lnSpc>
+            </a:pPr>
+            <a:r>
+              <a:rPr lang="ko-KR" altLang="en-US" sz="1400" spc="-150" dirty="0" err="1">
+                <a:solidFill>
+                  <a:schemeClr val="tx1">
+                    <a:lumMod val="75000"/>
+                    <a:lumOff val="25000"/>
+                  </a:schemeClr>
+                </a:solidFill>
+                <a:latin typeface="+mn-ea"/>
+              </a:rPr>
+              <a:t>마국채금리</a:t>
+            </a:r>
+            <a:r>
+              <a:rPr lang="ko-KR" altLang="en-US" sz="1400" spc="-150" dirty="0">
+                <a:solidFill>
+                  <a:schemeClr val="tx1">
+                    <a:lumMod val="75000"/>
+                    <a:lumOff val="25000"/>
+                  </a:schemeClr>
+                </a:solidFill>
+                <a:latin typeface="+mn-ea"/>
+              </a:rPr>
+              <a:t> </a:t>
+            </a:r>
+            <a:r>
+              <a:rPr lang="en-US" altLang="ko-KR" sz="1400" spc="-150" dirty="0">
+                <a:solidFill>
+                  <a:schemeClr val="tx1">
+                    <a:lumMod val="75000"/>
+                    <a:lumOff val="25000"/>
+                  </a:schemeClr>
+                </a:solidFill>
+                <a:latin typeface="+mn-ea"/>
+              </a:rPr>
+              <a:t>7</a:t>
+            </a:r>
+            <a:r>
+              <a:rPr lang="ko-KR" altLang="en-US" sz="1400" spc="-150" dirty="0">
+                <a:solidFill>
+                  <a:schemeClr val="tx1">
+                    <a:lumMod val="75000"/>
+                    <a:lumOff val="25000"/>
+                  </a:schemeClr>
+                </a:solidFill>
+                <a:latin typeface="+mn-ea"/>
+              </a:rPr>
+              <a:t>년</a:t>
+            </a:r>
+            <a:r>
+              <a:rPr lang="en-US" altLang="ko-KR" sz="1400" spc="-150" dirty="0">
+                <a:solidFill>
+                  <a:schemeClr val="tx1">
+                    <a:lumMod val="75000"/>
+                    <a:lumOff val="25000"/>
+                  </a:schemeClr>
+                </a:solidFill>
+                <a:latin typeface="+mn-ea"/>
+              </a:rPr>
+              <a:t>,10</a:t>
+            </a:r>
+            <a:r>
+              <a:rPr lang="ko-KR" altLang="en-US" sz="1400" spc="-150" dirty="0" err="1">
+                <a:solidFill>
+                  <a:schemeClr val="tx1">
+                    <a:lumMod val="75000"/>
+                    <a:lumOff val="25000"/>
+                  </a:schemeClr>
+                </a:solidFill>
+                <a:latin typeface="+mn-ea"/>
+              </a:rPr>
+              <a:t>년물</a:t>
+            </a:r>
+            <a:r>
+              <a:rPr lang="ko-KR" altLang="en-US" sz="1400" spc="-150" dirty="0">
+                <a:solidFill>
+                  <a:schemeClr val="tx1">
+                    <a:lumMod val="75000"/>
+                    <a:lumOff val="25000"/>
+                  </a:schemeClr>
+                </a:solidFill>
+                <a:latin typeface="+mn-ea"/>
+              </a:rPr>
+              <a:t> </a:t>
+            </a:r>
+            <a:r>
+              <a:rPr lang="ko-KR" altLang="en-US" sz="1400" spc="-150" dirty="0" err="1">
+                <a:solidFill>
+                  <a:schemeClr val="tx1">
+                    <a:lumMod val="75000"/>
+                    <a:lumOff val="25000"/>
+                  </a:schemeClr>
+                </a:solidFill>
+                <a:latin typeface="+mn-ea"/>
+              </a:rPr>
+              <a:t>인버스</a:t>
+            </a:r>
+            <a:r>
+              <a:rPr lang="ko-KR" altLang="en-US" sz="1400" spc="-150" dirty="0">
+                <a:solidFill>
+                  <a:schemeClr val="tx1">
+                    <a:lumMod val="75000"/>
+                    <a:lumOff val="25000"/>
+                  </a:schemeClr>
+                </a:solidFill>
+                <a:latin typeface="+mn-ea"/>
+              </a:rPr>
+              <a:t> </a:t>
+            </a:r>
+            <a:r>
+              <a:rPr lang="en-US" altLang="ko-KR" sz="1400" spc="-150" dirty="0">
+                <a:solidFill>
+                  <a:schemeClr val="tx1">
+                    <a:lumMod val="75000"/>
+                    <a:lumOff val="25000"/>
+                  </a:schemeClr>
+                </a:solidFill>
+                <a:latin typeface="+mn-ea"/>
+              </a:rPr>
+              <a:t>ETF,</a:t>
+            </a:r>
+          </a:p>
+          <a:p>
+            <a:pPr algn="just">
+              <a:lnSpc>
+                <a:spcPct val="120000"/>
+              </a:lnSpc>
+            </a:pPr>
+            <a:r>
+              <a:rPr lang="ko-KR" altLang="en-US" sz="1400" spc="-150" dirty="0">
+                <a:solidFill>
+                  <a:schemeClr val="tx1">
+                    <a:lumMod val="75000"/>
+                    <a:lumOff val="25000"/>
+                  </a:schemeClr>
+                </a:solidFill>
+                <a:latin typeface="+mn-ea"/>
+              </a:rPr>
+              <a:t>배터리 </a:t>
+            </a:r>
+            <a:r>
+              <a:rPr lang="en-US" altLang="ko-KR" sz="1400" spc="-150" dirty="0">
+                <a:solidFill>
+                  <a:schemeClr val="tx1">
+                    <a:lumMod val="75000"/>
+                    <a:lumOff val="25000"/>
+                  </a:schemeClr>
+                </a:solidFill>
+                <a:latin typeface="+mn-ea"/>
+              </a:rPr>
+              <a:t>ETF,</a:t>
+            </a:r>
+          </a:p>
+          <a:p>
+            <a:pPr algn="just">
+              <a:lnSpc>
+                <a:spcPct val="120000"/>
+              </a:lnSpc>
+            </a:pPr>
+            <a:r>
+              <a:rPr lang="ko-KR" altLang="en-US" sz="1400" spc="-150" dirty="0">
+                <a:solidFill>
+                  <a:schemeClr val="tx1">
+                    <a:lumMod val="75000"/>
+                    <a:lumOff val="25000"/>
+                  </a:schemeClr>
+                </a:solidFill>
+                <a:latin typeface="+mn-ea"/>
+              </a:rPr>
+              <a:t>신재생에너지 </a:t>
+            </a:r>
+            <a:r>
+              <a:rPr lang="en-US" altLang="ko-KR" sz="1400" spc="-150" dirty="0">
+                <a:solidFill>
+                  <a:schemeClr val="tx1">
+                    <a:lumMod val="75000"/>
+                    <a:lumOff val="25000"/>
+                  </a:schemeClr>
+                </a:solidFill>
+                <a:latin typeface="+mn-ea"/>
+              </a:rPr>
+              <a:t>ETF,</a:t>
+            </a:r>
+          </a:p>
+          <a:p>
+            <a:pPr algn="just">
+              <a:lnSpc>
+                <a:spcPct val="120000"/>
+              </a:lnSpc>
+            </a:pPr>
+            <a:r>
+              <a:rPr lang="ko-KR" altLang="en-US" sz="1400" spc="-150" dirty="0" err="1">
+                <a:solidFill>
+                  <a:schemeClr val="tx1">
+                    <a:lumMod val="75000"/>
+                    <a:lumOff val="25000"/>
+                  </a:schemeClr>
+                </a:solidFill>
+                <a:latin typeface="+mn-ea"/>
+              </a:rPr>
+              <a:t>리튬전지</a:t>
+            </a:r>
+            <a:r>
+              <a:rPr lang="ko-KR" altLang="en-US" sz="1400" spc="-150" dirty="0">
+                <a:solidFill>
+                  <a:schemeClr val="tx1">
+                    <a:lumMod val="75000"/>
+                    <a:lumOff val="25000"/>
+                  </a:schemeClr>
+                </a:solidFill>
+                <a:latin typeface="+mn-ea"/>
+              </a:rPr>
+              <a:t> </a:t>
+            </a:r>
+            <a:r>
+              <a:rPr lang="en-US" altLang="ko-KR" sz="1400" spc="-150" dirty="0">
+                <a:solidFill>
+                  <a:schemeClr val="tx1">
+                    <a:lumMod val="75000"/>
+                    <a:lumOff val="25000"/>
+                  </a:schemeClr>
+                </a:solidFill>
+                <a:latin typeface="+mn-ea"/>
+              </a:rPr>
+              <a:t>ETF,</a:t>
+            </a:r>
+          </a:p>
+          <a:p>
+            <a:pPr algn="just">
+              <a:lnSpc>
+                <a:spcPct val="120000"/>
+              </a:lnSpc>
+            </a:pPr>
+            <a:endParaRPr lang="en-US" altLang="ko-KR" sz="1400" spc="-150" dirty="0">
+              <a:solidFill>
+                <a:schemeClr val="tx1">
+                  <a:lumMod val="75000"/>
+                  <a:lumOff val="25000"/>
+                </a:schemeClr>
+              </a:solidFill>
+              <a:latin typeface="+mn-ea"/>
+            </a:endParaRPr>
+          </a:p>
+        </p:txBody>
+      </p:sp>
+      <p:sp>
+        <p:nvSpPr>
+          <p:cNvPr id="47" name="TextBox 46">
+            <a:extLst>
+              <a:ext uri="{FF2B5EF4-FFF2-40B4-BE49-F238E27FC236}">
+                <a16:creationId xmlns:a16="http://schemas.microsoft.com/office/drawing/2014/main" id="{29439F87-5CF6-4204-942C-A62DD6471017}"/>
+              </a:ext>
+            </a:extLst>
+          </p:cNvPr>
+          <p:cNvSpPr txBox="1"/>
+          <p:nvPr/>
+        </p:nvSpPr>
+        <p:spPr>
+          <a:xfrm>
+            <a:off x="5374704" y="3094419"/>
+            <a:ext cx="1682895" cy="1884811"/>
+          </a:xfrm>
+          <a:prstGeom prst="rect">
+            <a:avLst/>
+          </a:prstGeom>
+          <a:noFill/>
+        </p:spPr>
+        <p:txBody>
+          <a:bodyPr wrap="square" rtlCol="0">
+            <a:spAutoFit/>
+          </a:bodyPr>
+          <a:lstStyle/>
+          <a:p>
+            <a:pPr algn="just">
+              <a:lnSpc>
+                <a:spcPct val="120000"/>
+              </a:lnSpc>
+            </a:pPr>
+            <a:r>
+              <a:rPr lang="ko-KR" altLang="en-US" sz="1400" spc="-150" dirty="0">
+                <a:solidFill>
+                  <a:schemeClr val="tx1">
+                    <a:lumMod val="75000"/>
+                    <a:lumOff val="25000"/>
+                  </a:schemeClr>
+                </a:solidFill>
+                <a:latin typeface="+mn-ea"/>
+              </a:rPr>
+              <a:t>원유</a:t>
+            </a:r>
+            <a:r>
+              <a:rPr lang="en-US" altLang="ko-KR" sz="1400" spc="-150" dirty="0">
+                <a:solidFill>
+                  <a:schemeClr val="tx1">
+                    <a:lumMod val="75000"/>
+                    <a:lumOff val="25000"/>
+                  </a:schemeClr>
+                </a:solidFill>
+                <a:latin typeface="+mn-ea"/>
+              </a:rPr>
+              <a:t>,</a:t>
+            </a:r>
+          </a:p>
+          <a:p>
+            <a:pPr algn="just">
+              <a:lnSpc>
+                <a:spcPct val="120000"/>
+              </a:lnSpc>
+            </a:pPr>
+            <a:r>
+              <a:rPr lang="ko-KR" altLang="en-US" sz="1400" spc="-150" dirty="0">
+                <a:solidFill>
+                  <a:schemeClr val="tx1">
+                    <a:lumMod val="75000"/>
+                    <a:lumOff val="25000"/>
+                  </a:schemeClr>
+                </a:solidFill>
+                <a:latin typeface="+mn-ea"/>
+              </a:rPr>
+              <a:t>구리</a:t>
+            </a:r>
+            <a:r>
+              <a:rPr lang="en-US" altLang="ko-KR" sz="1400" spc="-150" dirty="0">
+                <a:solidFill>
+                  <a:schemeClr val="tx1">
+                    <a:lumMod val="75000"/>
+                    <a:lumOff val="25000"/>
+                  </a:schemeClr>
+                </a:solidFill>
+                <a:latin typeface="+mn-ea"/>
+              </a:rPr>
+              <a:t>,</a:t>
+            </a:r>
+          </a:p>
+          <a:p>
+            <a:pPr algn="just">
+              <a:lnSpc>
+                <a:spcPct val="120000"/>
+              </a:lnSpc>
+            </a:pPr>
+            <a:r>
+              <a:rPr lang="ko-KR" altLang="en-US" sz="1400" spc="-150" dirty="0">
+                <a:solidFill>
+                  <a:schemeClr val="tx1">
+                    <a:lumMod val="75000"/>
+                    <a:lumOff val="25000"/>
+                  </a:schemeClr>
+                </a:solidFill>
+                <a:latin typeface="+mn-ea"/>
+              </a:rPr>
+              <a:t>알루미늄</a:t>
+            </a:r>
+            <a:r>
+              <a:rPr lang="en-US" altLang="ko-KR" sz="1400" spc="-150" dirty="0">
+                <a:solidFill>
+                  <a:schemeClr val="tx1">
+                    <a:lumMod val="75000"/>
+                    <a:lumOff val="25000"/>
+                  </a:schemeClr>
+                </a:solidFill>
+                <a:latin typeface="+mn-ea"/>
+              </a:rPr>
+              <a:t>,</a:t>
+            </a:r>
+          </a:p>
+          <a:p>
+            <a:pPr algn="just">
+              <a:lnSpc>
+                <a:spcPct val="120000"/>
+              </a:lnSpc>
+            </a:pPr>
+            <a:r>
+              <a:rPr lang="ko-KR" altLang="en-US" sz="1400" spc="-150" dirty="0">
+                <a:solidFill>
+                  <a:schemeClr val="tx1">
+                    <a:lumMod val="75000"/>
+                    <a:lumOff val="25000"/>
+                  </a:schemeClr>
+                </a:solidFill>
+                <a:latin typeface="+mn-ea"/>
+              </a:rPr>
+              <a:t>희토류</a:t>
+            </a:r>
+            <a:r>
+              <a:rPr lang="en-US" altLang="ko-KR" sz="1400" spc="-150" dirty="0">
+                <a:solidFill>
+                  <a:schemeClr val="tx1">
+                    <a:lumMod val="75000"/>
+                    <a:lumOff val="25000"/>
+                  </a:schemeClr>
+                </a:solidFill>
+                <a:latin typeface="+mn-ea"/>
+              </a:rPr>
+              <a:t>,</a:t>
+            </a:r>
+          </a:p>
+          <a:p>
+            <a:pPr algn="just">
+              <a:lnSpc>
+                <a:spcPct val="120000"/>
+              </a:lnSpc>
+            </a:pPr>
+            <a:r>
+              <a:rPr lang="ko-KR" altLang="en-US" sz="1400" spc="-150" dirty="0">
+                <a:solidFill>
+                  <a:schemeClr val="tx1">
+                    <a:lumMod val="75000"/>
+                    <a:lumOff val="25000"/>
+                  </a:schemeClr>
+                </a:solidFill>
+                <a:latin typeface="+mn-ea"/>
+              </a:rPr>
+              <a:t>리튬</a:t>
+            </a:r>
+            <a:r>
+              <a:rPr lang="en-US" altLang="ko-KR" sz="1400" spc="-150" dirty="0">
+                <a:solidFill>
+                  <a:schemeClr val="tx1">
+                    <a:lumMod val="75000"/>
+                    <a:lumOff val="25000"/>
+                  </a:schemeClr>
+                </a:solidFill>
+                <a:latin typeface="+mn-ea"/>
+              </a:rPr>
+              <a:t>,</a:t>
+            </a:r>
+          </a:p>
+          <a:p>
+            <a:pPr algn="just">
+              <a:lnSpc>
+                <a:spcPct val="120000"/>
+              </a:lnSpc>
+            </a:pPr>
+            <a:r>
+              <a:rPr lang="ko-KR" altLang="en-US" sz="1400" spc="-150" dirty="0">
+                <a:solidFill>
+                  <a:schemeClr val="tx1">
+                    <a:lumMod val="75000"/>
+                    <a:lumOff val="25000"/>
+                  </a:schemeClr>
+                </a:solidFill>
+                <a:latin typeface="+mn-ea"/>
+              </a:rPr>
+              <a:t>코발트</a:t>
+            </a:r>
+            <a:r>
+              <a:rPr lang="en-US" altLang="ko-KR" sz="1400" spc="-150" dirty="0">
+                <a:solidFill>
+                  <a:schemeClr val="tx1">
+                    <a:lumMod val="75000"/>
+                    <a:lumOff val="25000"/>
+                  </a:schemeClr>
+                </a:solidFill>
+                <a:latin typeface="+mn-ea"/>
+              </a:rPr>
+              <a:t>,</a:t>
+            </a:r>
+          </a:p>
+          <a:p>
+            <a:pPr algn="just">
+              <a:lnSpc>
+                <a:spcPct val="120000"/>
+              </a:lnSpc>
+            </a:pPr>
+            <a:r>
+              <a:rPr lang="ko-KR" altLang="en-US" sz="1400" spc="-150" dirty="0">
+                <a:solidFill>
+                  <a:schemeClr val="tx1">
+                    <a:lumMod val="75000"/>
+                    <a:lumOff val="25000"/>
+                  </a:schemeClr>
+                </a:solidFill>
+                <a:latin typeface="+mn-ea"/>
+              </a:rPr>
+              <a:t>탄소배출권</a:t>
+            </a:r>
+          </a:p>
+        </p:txBody>
+      </p:sp>
+      <p:sp>
+        <p:nvSpPr>
+          <p:cNvPr id="48" name="TextBox 47">
+            <a:extLst>
+              <a:ext uri="{FF2B5EF4-FFF2-40B4-BE49-F238E27FC236}">
+                <a16:creationId xmlns:a16="http://schemas.microsoft.com/office/drawing/2014/main" id="{9AA362F2-8374-4D1F-B1CB-8E952E911D2A}"/>
+              </a:ext>
+            </a:extLst>
+          </p:cNvPr>
+          <p:cNvSpPr txBox="1"/>
+          <p:nvPr/>
+        </p:nvSpPr>
+        <p:spPr>
+          <a:xfrm>
+            <a:off x="7648663" y="3785758"/>
+            <a:ext cx="1682895" cy="333617"/>
+          </a:xfrm>
+          <a:prstGeom prst="rect">
+            <a:avLst/>
+          </a:prstGeom>
+          <a:noFill/>
+        </p:spPr>
+        <p:txBody>
+          <a:bodyPr wrap="square" rtlCol="0">
+            <a:spAutoFit/>
+          </a:bodyPr>
+          <a:lstStyle/>
+          <a:p>
+            <a:pPr algn="just">
+              <a:lnSpc>
+                <a:spcPct val="120000"/>
+              </a:lnSpc>
+            </a:pPr>
+            <a:r>
+              <a:rPr lang="ko-KR" altLang="en-US" sz="1400" spc="-150" dirty="0">
+                <a:solidFill>
+                  <a:schemeClr val="tx1">
+                    <a:lumMod val="75000"/>
+                    <a:lumOff val="25000"/>
+                  </a:schemeClr>
+                </a:solidFill>
+                <a:latin typeface="+mn-ea"/>
+              </a:rPr>
+              <a:t> </a:t>
+            </a:r>
+            <a:r>
+              <a:rPr lang="ko-KR" altLang="en-US" sz="1400" spc="-150" dirty="0" err="1">
+                <a:solidFill>
+                  <a:schemeClr val="tx1">
+                    <a:lumMod val="75000"/>
+                    <a:lumOff val="25000"/>
+                  </a:schemeClr>
+                </a:solidFill>
+                <a:latin typeface="+mn-ea"/>
+              </a:rPr>
+              <a:t>제무제표</a:t>
+            </a:r>
+            <a:r>
+              <a:rPr lang="en-US" altLang="ko-KR" sz="1400" spc="-150" dirty="0">
+                <a:solidFill>
+                  <a:schemeClr val="tx1">
+                    <a:lumMod val="75000"/>
+                    <a:lumOff val="25000"/>
+                  </a:schemeClr>
+                </a:solidFill>
+                <a:latin typeface="+mn-ea"/>
+              </a:rPr>
+              <a:t>(</a:t>
+            </a:r>
+            <a:r>
+              <a:rPr lang="ko-KR" altLang="en-US" sz="1400" spc="-150" dirty="0">
+                <a:solidFill>
+                  <a:schemeClr val="tx1">
+                    <a:lumMod val="75000"/>
+                    <a:lumOff val="25000"/>
+                  </a:schemeClr>
+                </a:solidFill>
+                <a:latin typeface="+mn-ea"/>
+              </a:rPr>
+              <a:t>분기</a:t>
+            </a:r>
+            <a:r>
+              <a:rPr lang="en-US" altLang="ko-KR" sz="1400" spc="-150" dirty="0">
+                <a:solidFill>
+                  <a:schemeClr val="tx1">
+                    <a:lumMod val="75000"/>
+                    <a:lumOff val="25000"/>
+                  </a:schemeClr>
+                </a:solidFill>
+                <a:latin typeface="+mn-ea"/>
+              </a:rPr>
+              <a:t>)</a:t>
+            </a:r>
+            <a:endParaRPr lang="ko-KR" altLang="en-US" sz="1400" spc="-150" dirty="0">
+              <a:solidFill>
+                <a:schemeClr val="tx1">
+                  <a:lumMod val="75000"/>
+                  <a:lumOff val="25000"/>
+                </a:schemeClr>
+              </a:solidFill>
+              <a:latin typeface="+mn-ea"/>
+            </a:endParaRPr>
+          </a:p>
+        </p:txBody>
+      </p:sp>
+      <p:sp>
+        <p:nvSpPr>
+          <p:cNvPr id="49" name="직사각형 48">
+            <a:extLst>
+              <a:ext uri="{FF2B5EF4-FFF2-40B4-BE49-F238E27FC236}">
+                <a16:creationId xmlns:a16="http://schemas.microsoft.com/office/drawing/2014/main" id="{1155F935-0D31-4220-8BC1-D9305E9F2D37}"/>
+              </a:ext>
+            </a:extLst>
+          </p:cNvPr>
+          <p:cNvSpPr/>
+          <p:nvPr/>
+        </p:nvSpPr>
+        <p:spPr>
+          <a:xfrm>
+            <a:off x="9730324" y="2031365"/>
+            <a:ext cx="2041451" cy="3508786"/>
+          </a:xfrm>
+          <a:prstGeom prst="rect">
+            <a:avLst/>
+          </a:prstGeom>
+          <a:solidFill>
+            <a:schemeClr val="bg1">
+              <a:lumMod val="95000"/>
+            </a:schemeClr>
+          </a:solidFill>
+          <a:ln>
+            <a:noFill/>
+          </a:ln>
+        </p:spPr>
+        <p:style>
+          <a:lnRef idx="2">
+            <a:schemeClr val="accent1">
+              <a:shade val="50000"/>
+            </a:schemeClr>
+          </a:lnRef>
+          <a:fillRef idx="1">
+            <a:schemeClr val="accent1"/>
+          </a:fillRef>
+          <a:effectRef idx="0">
+            <a:schemeClr val="accent1"/>
+          </a:effectRef>
+          <a:fontRef idx="minor">
+            <a:schemeClr val="lt1"/>
+          </a:fontRef>
+        </p:style>
+        <p:txBody>
+          <a:bodyPr rtlCol="0" anchor="ctr"/>
+          <a:lstStyle/>
+          <a:p>
+            <a:pPr algn="ctr"/>
+            <a:endParaRPr lang="ko-KR" altLang="en-US"/>
+          </a:p>
+        </p:txBody>
+      </p:sp>
+      <p:sp>
+        <p:nvSpPr>
+          <p:cNvPr id="50" name="직사각형 49">
+            <a:extLst>
+              <a:ext uri="{FF2B5EF4-FFF2-40B4-BE49-F238E27FC236}">
+                <a16:creationId xmlns:a16="http://schemas.microsoft.com/office/drawing/2014/main" id="{39DF3DEB-7ABC-4DA7-BD8E-64D1EAB9C05E}"/>
+              </a:ext>
+            </a:extLst>
+          </p:cNvPr>
+          <p:cNvSpPr/>
+          <p:nvPr/>
+        </p:nvSpPr>
+        <p:spPr>
+          <a:xfrm>
+            <a:off x="9730320" y="2041155"/>
+            <a:ext cx="2041451" cy="604280"/>
+          </a:xfrm>
+          <a:prstGeom prst="rect">
+            <a:avLst/>
+          </a:prstGeom>
+          <a:solidFill>
+            <a:schemeClr val="accent1"/>
+          </a:solidFill>
+          <a:ln>
+            <a:noFill/>
+          </a:ln>
+        </p:spPr>
+        <p:style>
+          <a:lnRef idx="2">
+            <a:schemeClr val="accent1">
+              <a:shade val="50000"/>
+            </a:schemeClr>
+          </a:lnRef>
+          <a:fillRef idx="1">
+            <a:schemeClr val="accent1"/>
+          </a:fillRef>
+          <a:effectRef idx="0">
+            <a:schemeClr val="accent1"/>
+          </a:effectRef>
+          <a:fontRef idx="minor">
+            <a:schemeClr val="lt1"/>
+          </a:fontRef>
+        </p:style>
+        <p:txBody>
+          <a:bodyPr rtlCol="0" anchor="ctr"/>
+          <a:lstStyle/>
+          <a:p>
+            <a:pPr algn="ctr"/>
+            <a:endParaRPr lang="ko-KR" altLang="en-US"/>
+          </a:p>
+        </p:txBody>
+      </p:sp>
+      <p:sp>
+        <p:nvSpPr>
+          <p:cNvPr id="51" name="TextBox 50">
+            <a:extLst>
+              <a:ext uri="{FF2B5EF4-FFF2-40B4-BE49-F238E27FC236}">
+                <a16:creationId xmlns:a16="http://schemas.microsoft.com/office/drawing/2014/main" id="{13AEDE18-BC56-4D4B-BE97-E7BAC3F27825}"/>
+              </a:ext>
+            </a:extLst>
+          </p:cNvPr>
+          <p:cNvSpPr txBox="1"/>
+          <p:nvPr/>
+        </p:nvSpPr>
+        <p:spPr>
+          <a:xfrm>
+            <a:off x="10027352" y="2166646"/>
+            <a:ext cx="1391728" cy="369332"/>
+          </a:xfrm>
+          <a:prstGeom prst="rect">
+            <a:avLst/>
+          </a:prstGeom>
+          <a:noFill/>
+        </p:spPr>
+        <p:txBody>
+          <a:bodyPr wrap="none" rtlCol="0">
+            <a:spAutoFit/>
+          </a:bodyPr>
+          <a:lstStyle/>
+          <a:p>
+            <a:pPr algn="ctr"/>
+            <a:r>
+              <a:rPr lang="ko-KR" altLang="en-US" dirty="0">
+                <a:solidFill>
+                  <a:schemeClr val="bg1">
+                    <a:lumMod val="95000"/>
+                  </a:schemeClr>
+                </a:solidFill>
+              </a:rPr>
+              <a:t>금융 데이터</a:t>
+            </a:r>
+          </a:p>
+        </p:txBody>
+      </p:sp>
+      <p:sp>
+        <p:nvSpPr>
+          <p:cNvPr id="52" name="TextBox 51">
+            <a:extLst>
+              <a:ext uri="{FF2B5EF4-FFF2-40B4-BE49-F238E27FC236}">
+                <a16:creationId xmlns:a16="http://schemas.microsoft.com/office/drawing/2014/main" id="{FB0CA319-F242-490F-8BB6-F3FD6411356E}"/>
+              </a:ext>
+            </a:extLst>
+          </p:cNvPr>
+          <p:cNvSpPr txBox="1"/>
+          <p:nvPr/>
+        </p:nvSpPr>
+        <p:spPr>
+          <a:xfrm>
+            <a:off x="10002844" y="3231151"/>
+            <a:ext cx="1682895" cy="1109214"/>
+          </a:xfrm>
+          <a:prstGeom prst="rect">
+            <a:avLst/>
+          </a:prstGeom>
+          <a:noFill/>
+        </p:spPr>
+        <p:txBody>
+          <a:bodyPr wrap="square" rtlCol="0">
+            <a:spAutoFit/>
+          </a:bodyPr>
+          <a:lstStyle/>
+          <a:p>
+            <a:pPr algn="just">
+              <a:lnSpc>
+                <a:spcPct val="120000"/>
+              </a:lnSpc>
+            </a:pPr>
+            <a:r>
+              <a:rPr lang="ko-KR" altLang="en-US" sz="1400" spc="-150" dirty="0">
+                <a:solidFill>
+                  <a:schemeClr val="tx1">
+                    <a:lumMod val="75000"/>
+                    <a:lumOff val="25000"/>
+                  </a:schemeClr>
+                </a:solidFill>
+                <a:latin typeface="+mn-ea"/>
+              </a:rPr>
+              <a:t> 중국  상해지수</a:t>
+            </a:r>
+            <a:r>
+              <a:rPr lang="en-US" altLang="ko-KR" sz="1400" spc="-150" dirty="0">
+                <a:solidFill>
+                  <a:schemeClr val="tx1">
+                    <a:lumMod val="75000"/>
+                    <a:lumOff val="25000"/>
+                  </a:schemeClr>
+                </a:solidFill>
+                <a:latin typeface="+mn-ea"/>
+              </a:rPr>
+              <a:t>,</a:t>
+            </a:r>
+          </a:p>
+          <a:p>
+            <a:pPr algn="just">
+              <a:lnSpc>
+                <a:spcPct val="120000"/>
+              </a:lnSpc>
+            </a:pPr>
+            <a:r>
+              <a:rPr lang="ko-KR" altLang="en-US" sz="1400" spc="-150" dirty="0">
+                <a:solidFill>
+                  <a:schemeClr val="tx1">
+                    <a:lumMod val="75000"/>
+                    <a:lumOff val="25000"/>
+                  </a:schemeClr>
+                </a:solidFill>
+                <a:latin typeface="+mn-ea"/>
+              </a:rPr>
+              <a:t>나스닥 지수</a:t>
+            </a:r>
+            <a:r>
+              <a:rPr lang="en-US" altLang="ko-KR" sz="1400" spc="-150" dirty="0">
+                <a:solidFill>
+                  <a:schemeClr val="tx1">
+                    <a:lumMod val="75000"/>
+                    <a:lumOff val="25000"/>
+                  </a:schemeClr>
+                </a:solidFill>
+                <a:latin typeface="+mn-ea"/>
+              </a:rPr>
+              <a:t>,</a:t>
+            </a:r>
+          </a:p>
+          <a:p>
+            <a:pPr algn="just">
+              <a:lnSpc>
+                <a:spcPct val="120000"/>
+              </a:lnSpc>
+            </a:pPr>
+            <a:r>
+              <a:rPr lang="en-US" altLang="ko-KR" sz="1400" spc="-150" dirty="0">
+                <a:solidFill>
+                  <a:schemeClr val="tx1">
+                    <a:lumMod val="75000"/>
+                    <a:lumOff val="25000"/>
+                  </a:schemeClr>
+                </a:solidFill>
+                <a:latin typeface="+mn-ea"/>
+              </a:rPr>
+              <a:t>S&amp;P</a:t>
+            </a:r>
+            <a:r>
+              <a:rPr lang="ko-KR" altLang="en-US" sz="1400" spc="-150" dirty="0">
+                <a:solidFill>
+                  <a:schemeClr val="tx1">
+                    <a:lumMod val="75000"/>
+                    <a:lumOff val="25000"/>
+                  </a:schemeClr>
+                </a:solidFill>
+                <a:latin typeface="+mn-ea"/>
+              </a:rPr>
+              <a:t>지수</a:t>
+            </a:r>
+            <a:r>
+              <a:rPr lang="en-US" altLang="ko-KR" sz="1400" spc="-150" dirty="0">
+                <a:solidFill>
+                  <a:schemeClr val="tx1">
+                    <a:lumMod val="75000"/>
+                    <a:lumOff val="25000"/>
+                  </a:schemeClr>
+                </a:solidFill>
+                <a:latin typeface="+mn-ea"/>
+              </a:rPr>
+              <a:t>,</a:t>
+            </a:r>
+          </a:p>
+          <a:p>
+            <a:pPr algn="just">
+              <a:lnSpc>
+                <a:spcPct val="120000"/>
+              </a:lnSpc>
+            </a:pPr>
+            <a:endParaRPr lang="ko-KR" altLang="en-US" sz="1400" spc="-150" dirty="0">
+              <a:solidFill>
+                <a:schemeClr val="tx1">
+                  <a:lumMod val="75000"/>
+                  <a:lumOff val="25000"/>
+                </a:schemeClr>
+              </a:solidFill>
+              <a:latin typeface="+mn-ea"/>
+            </a:endParaRPr>
           </a:p>
         </p:txBody>
       </p:sp>
     </p:spTree>
     <p:extLst>
       <p:ext uri="{BB962C8B-B14F-4D97-AF65-F5344CB8AC3E}">
-        <p14:creationId xmlns:p14="http://schemas.microsoft.com/office/powerpoint/2010/main" val="3669176100"/>
+        <p14:creationId xmlns:p14="http://schemas.microsoft.com/office/powerpoint/2010/main" val="293297354"/>
+      </p:ext>
+    </p:extLst>
+  </p:cSld>
+  <p:clrMapOvr>
+    <a:masterClrMapping/>
+  </p:clrMapOvr>
+  <mc:AlternateContent xmlns:mc="http://schemas.openxmlformats.org/markup-compatibility/2006">
+    <mc:Choice xmlns:p14="http://schemas.microsoft.com/office/powerpoint/2010/main" Requires="p14">
+      <p:transition p14:dur="0"/>
+    </mc:Choice>
+    <mc:Fallback>
+      <p:transition/>
+    </mc:Fallback>
+  </mc:AlternateContent>
+</p:sld>
+</file>
+
+<file path=ppt/slides/slide9.xml><?xml version="1.0" encoding="utf-8"?>
+<p:sld xmlns:a="http://schemas.openxmlformats.org/drawingml/2006/main" xmlns:r="http://schemas.openxmlformats.org/officeDocument/2006/relationships" xmlns:p="http://schemas.openxmlformats.org/presentationml/2006/main">
+  <p:cSld>
+    <p:spTree>
+      <p:nvGrpSpPr>
+        <p:cNvPr id="1" name=""/>
+        <p:cNvGrpSpPr/>
+        <p:nvPr/>
+      </p:nvGrpSpPr>
+      <p:grpSpPr>
+        <a:xfrm>
+          <a:off x="0" y="0"/>
+          <a:ext cx="0" cy="0"/>
+          <a:chOff x="0" y="0"/>
+          <a:chExt cx="0" cy="0"/>
+        </a:xfrm>
+      </p:grpSpPr>
+      <p:cxnSp>
+        <p:nvCxnSpPr>
+          <p:cNvPr id="4" name="직선 연결선 3">
+            <a:extLst>
+              <a:ext uri="{FF2B5EF4-FFF2-40B4-BE49-F238E27FC236}">
+                <a16:creationId xmlns:a16="http://schemas.microsoft.com/office/drawing/2014/main" id="{9A8E474A-6ECB-442D-8A42-7881F4DFBB2A}"/>
+              </a:ext>
+            </a:extLst>
+          </p:cNvPr>
+          <p:cNvCxnSpPr>
+            <a:cxnSpLocks/>
+          </p:cNvCxnSpPr>
+          <p:nvPr/>
+        </p:nvCxnSpPr>
+        <p:spPr>
+          <a:xfrm>
+            <a:off x="177800" y="835707"/>
+            <a:ext cx="12014200" cy="0"/>
+          </a:xfrm>
+          <a:prstGeom prst="line">
+            <a:avLst/>
+          </a:prstGeom>
+          <a:ln>
+            <a:solidFill>
+              <a:schemeClr val="accent2"/>
+            </a:solidFill>
+          </a:ln>
+        </p:spPr>
+        <p:style>
+          <a:lnRef idx="1">
+            <a:schemeClr val="accent1"/>
+          </a:lnRef>
+          <a:fillRef idx="0">
+            <a:schemeClr val="accent1"/>
+          </a:fillRef>
+          <a:effectRef idx="0">
+            <a:schemeClr val="accent1"/>
+          </a:effectRef>
+          <a:fontRef idx="minor">
+            <a:schemeClr val="tx1"/>
+          </a:fontRef>
+        </p:style>
+      </p:cxnSp>
+      <p:sp>
+        <p:nvSpPr>
+          <p:cNvPr id="5" name="직사각형 4">
+            <a:extLst>
+              <a:ext uri="{FF2B5EF4-FFF2-40B4-BE49-F238E27FC236}">
+                <a16:creationId xmlns:a16="http://schemas.microsoft.com/office/drawing/2014/main" id="{76EF8051-9646-4552-BE57-7D95D1538BA2}"/>
+              </a:ext>
+            </a:extLst>
+          </p:cNvPr>
+          <p:cNvSpPr/>
+          <p:nvPr/>
+        </p:nvSpPr>
+        <p:spPr>
+          <a:xfrm>
+            <a:off x="0" y="0"/>
+            <a:ext cx="177800" cy="6858000"/>
+          </a:xfrm>
+          <a:prstGeom prst="rect">
+            <a:avLst/>
+          </a:prstGeom>
+          <a:solidFill>
+            <a:schemeClr val="accent1"/>
+          </a:solidFill>
+          <a:ln>
+            <a:noFill/>
+          </a:ln>
+        </p:spPr>
+        <p:style>
+          <a:lnRef idx="2">
+            <a:schemeClr val="accent1">
+              <a:shade val="50000"/>
+            </a:schemeClr>
+          </a:lnRef>
+          <a:fillRef idx="1">
+            <a:schemeClr val="accent1"/>
+          </a:fillRef>
+          <a:effectRef idx="0">
+            <a:schemeClr val="accent1"/>
+          </a:effectRef>
+          <a:fontRef idx="minor">
+            <a:schemeClr val="lt1"/>
+          </a:fontRef>
+        </p:style>
+        <p:txBody>
+          <a:bodyPr rtlCol="0" anchor="ctr"/>
+          <a:lstStyle/>
+          <a:p>
+            <a:pPr algn="ctr"/>
+            <a:endParaRPr lang="ko-KR" altLang="en-US"/>
+          </a:p>
+        </p:txBody>
+      </p:sp>
+      <p:sp>
+        <p:nvSpPr>
+          <p:cNvPr id="9" name="TextBox 8">
+            <a:extLst>
+              <a:ext uri="{FF2B5EF4-FFF2-40B4-BE49-F238E27FC236}">
+                <a16:creationId xmlns:a16="http://schemas.microsoft.com/office/drawing/2014/main" id="{7FFA9BC9-96FB-4B17-AF51-48D81692F2D7}"/>
+              </a:ext>
+            </a:extLst>
+          </p:cNvPr>
+          <p:cNvSpPr txBox="1"/>
+          <p:nvPr/>
+        </p:nvSpPr>
+        <p:spPr>
+          <a:xfrm>
+            <a:off x="329610" y="111525"/>
+            <a:ext cx="3985386" cy="584775"/>
+          </a:xfrm>
+          <a:prstGeom prst="rect">
+            <a:avLst/>
+          </a:prstGeom>
+          <a:noFill/>
+        </p:spPr>
+        <p:txBody>
+          <a:bodyPr wrap="none" rtlCol="0">
+            <a:spAutoFit/>
+          </a:bodyPr>
+          <a:lstStyle/>
+          <a:p>
+            <a:r>
+              <a:rPr lang="en-US" altLang="ko-KR" sz="3200" spc="-300" dirty="0">
+                <a:solidFill>
+                  <a:schemeClr val="tx1">
+                    <a:lumMod val="85000"/>
+                    <a:lumOff val="15000"/>
+                  </a:schemeClr>
+                </a:solidFill>
+              </a:rPr>
+              <a:t>5. </a:t>
+            </a:r>
+            <a:r>
+              <a:rPr lang="ko-KR" altLang="en-US" sz="3200" spc="-300" dirty="0">
+                <a:solidFill>
+                  <a:schemeClr val="tx1">
+                    <a:lumMod val="85000"/>
+                    <a:lumOff val="15000"/>
+                  </a:schemeClr>
+                </a:solidFill>
+              </a:rPr>
+              <a:t>진행계획 및 결과 예측</a:t>
+            </a:r>
+          </a:p>
+        </p:txBody>
+      </p:sp>
+      <p:sp>
+        <p:nvSpPr>
+          <p:cNvPr id="22" name="직사각형 21">
+            <a:extLst>
+              <a:ext uri="{FF2B5EF4-FFF2-40B4-BE49-F238E27FC236}">
+                <a16:creationId xmlns:a16="http://schemas.microsoft.com/office/drawing/2014/main" id="{8AE31619-6FDF-42E9-82F7-C3756377E023}"/>
+              </a:ext>
+            </a:extLst>
+          </p:cNvPr>
+          <p:cNvSpPr/>
+          <p:nvPr/>
+        </p:nvSpPr>
+        <p:spPr>
+          <a:xfrm>
+            <a:off x="928225" y="2036558"/>
+            <a:ext cx="2041451" cy="3508786"/>
+          </a:xfrm>
+          <a:prstGeom prst="rect">
+            <a:avLst/>
+          </a:prstGeom>
+          <a:solidFill>
+            <a:schemeClr val="bg1">
+              <a:lumMod val="95000"/>
+            </a:schemeClr>
+          </a:solidFill>
+          <a:ln>
+            <a:noFill/>
+          </a:ln>
+        </p:spPr>
+        <p:style>
+          <a:lnRef idx="2">
+            <a:schemeClr val="accent1">
+              <a:shade val="50000"/>
+            </a:schemeClr>
+          </a:lnRef>
+          <a:fillRef idx="1">
+            <a:schemeClr val="accent1"/>
+          </a:fillRef>
+          <a:effectRef idx="0">
+            <a:schemeClr val="accent1"/>
+          </a:effectRef>
+          <a:fontRef idx="minor">
+            <a:schemeClr val="lt1"/>
+          </a:fontRef>
+        </p:style>
+        <p:txBody>
+          <a:bodyPr rtlCol="0" anchor="ctr"/>
+          <a:lstStyle/>
+          <a:p>
+            <a:pPr algn="ctr"/>
+            <a:endParaRPr lang="ko-KR" altLang="en-US"/>
+          </a:p>
+        </p:txBody>
+      </p:sp>
+      <p:sp>
+        <p:nvSpPr>
+          <p:cNvPr id="23" name="직사각형 22">
+            <a:extLst>
+              <a:ext uri="{FF2B5EF4-FFF2-40B4-BE49-F238E27FC236}">
+                <a16:creationId xmlns:a16="http://schemas.microsoft.com/office/drawing/2014/main" id="{494AFC25-2A92-4C24-B572-12B917896FF7}"/>
+              </a:ext>
+            </a:extLst>
+          </p:cNvPr>
+          <p:cNvSpPr/>
+          <p:nvPr/>
+        </p:nvSpPr>
+        <p:spPr>
+          <a:xfrm>
+            <a:off x="928225" y="2036556"/>
+            <a:ext cx="2041451" cy="604280"/>
+          </a:xfrm>
+          <a:prstGeom prst="rect">
+            <a:avLst/>
+          </a:prstGeom>
+          <a:solidFill>
+            <a:schemeClr val="accent5">
+              <a:lumMod val="60000"/>
+              <a:lumOff val="40000"/>
+            </a:schemeClr>
+          </a:solidFill>
+          <a:ln>
+            <a:noFill/>
+          </a:ln>
+        </p:spPr>
+        <p:style>
+          <a:lnRef idx="2">
+            <a:schemeClr val="accent1">
+              <a:shade val="50000"/>
+            </a:schemeClr>
+          </a:lnRef>
+          <a:fillRef idx="1">
+            <a:schemeClr val="accent1"/>
+          </a:fillRef>
+          <a:effectRef idx="0">
+            <a:schemeClr val="accent1"/>
+          </a:effectRef>
+          <a:fontRef idx="minor">
+            <a:schemeClr val="lt1"/>
+          </a:fontRef>
+        </p:style>
+        <p:txBody>
+          <a:bodyPr rtlCol="0" anchor="ctr"/>
+          <a:lstStyle/>
+          <a:p>
+            <a:pPr algn="ctr"/>
+            <a:endParaRPr lang="ko-KR" altLang="en-US"/>
+          </a:p>
+        </p:txBody>
+      </p:sp>
+      <p:sp>
+        <p:nvSpPr>
+          <p:cNvPr id="24" name="직사각형 23">
+            <a:extLst>
+              <a:ext uri="{FF2B5EF4-FFF2-40B4-BE49-F238E27FC236}">
+                <a16:creationId xmlns:a16="http://schemas.microsoft.com/office/drawing/2014/main" id="{28E6C5CC-C6BA-40B5-9D17-36E1217947E5}"/>
+              </a:ext>
+            </a:extLst>
+          </p:cNvPr>
+          <p:cNvSpPr/>
+          <p:nvPr/>
+        </p:nvSpPr>
+        <p:spPr>
+          <a:xfrm>
+            <a:off x="9203900" y="2036558"/>
+            <a:ext cx="2041451" cy="3508786"/>
+          </a:xfrm>
+          <a:prstGeom prst="rect">
+            <a:avLst/>
+          </a:prstGeom>
+          <a:solidFill>
+            <a:schemeClr val="bg1">
+              <a:lumMod val="95000"/>
+            </a:schemeClr>
+          </a:solidFill>
+          <a:ln>
+            <a:noFill/>
+          </a:ln>
+        </p:spPr>
+        <p:style>
+          <a:lnRef idx="2">
+            <a:schemeClr val="accent1">
+              <a:shade val="50000"/>
+            </a:schemeClr>
+          </a:lnRef>
+          <a:fillRef idx="1">
+            <a:schemeClr val="accent1"/>
+          </a:fillRef>
+          <a:effectRef idx="0">
+            <a:schemeClr val="accent1"/>
+          </a:effectRef>
+          <a:fontRef idx="minor">
+            <a:schemeClr val="lt1"/>
+          </a:fontRef>
+        </p:style>
+        <p:txBody>
+          <a:bodyPr rtlCol="0" anchor="ctr"/>
+          <a:lstStyle/>
+          <a:p>
+            <a:pPr algn="ctr"/>
+            <a:endParaRPr lang="ko-KR" altLang="en-US"/>
+          </a:p>
+        </p:txBody>
+      </p:sp>
+      <p:sp>
+        <p:nvSpPr>
+          <p:cNvPr id="25" name="직사각형 24">
+            <a:extLst>
+              <a:ext uri="{FF2B5EF4-FFF2-40B4-BE49-F238E27FC236}">
+                <a16:creationId xmlns:a16="http://schemas.microsoft.com/office/drawing/2014/main" id="{3D59F73C-BAD3-4A07-A7E1-1539E7852C7B}"/>
+              </a:ext>
+            </a:extLst>
+          </p:cNvPr>
+          <p:cNvSpPr/>
+          <p:nvPr/>
+        </p:nvSpPr>
+        <p:spPr>
+          <a:xfrm>
+            <a:off x="3686783" y="2036558"/>
+            <a:ext cx="2041451" cy="3508786"/>
+          </a:xfrm>
+          <a:prstGeom prst="rect">
+            <a:avLst/>
+          </a:prstGeom>
+          <a:solidFill>
+            <a:schemeClr val="bg1">
+              <a:lumMod val="95000"/>
+            </a:schemeClr>
+          </a:solidFill>
+          <a:ln>
+            <a:noFill/>
+          </a:ln>
+        </p:spPr>
+        <p:style>
+          <a:lnRef idx="2">
+            <a:schemeClr val="accent1">
+              <a:shade val="50000"/>
+            </a:schemeClr>
+          </a:lnRef>
+          <a:fillRef idx="1">
+            <a:schemeClr val="accent1"/>
+          </a:fillRef>
+          <a:effectRef idx="0">
+            <a:schemeClr val="accent1"/>
+          </a:effectRef>
+          <a:fontRef idx="minor">
+            <a:schemeClr val="lt1"/>
+          </a:fontRef>
+        </p:style>
+        <p:txBody>
+          <a:bodyPr rtlCol="0" anchor="ctr"/>
+          <a:lstStyle/>
+          <a:p>
+            <a:pPr algn="ctr"/>
+            <a:endParaRPr lang="ko-KR" altLang="en-US"/>
+          </a:p>
+        </p:txBody>
+      </p:sp>
+      <p:sp>
+        <p:nvSpPr>
+          <p:cNvPr id="26" name="직사각형 25">
+            <a:extLst>
+              <a:ext uri="{FF2B5EF4-FFF2-40B4-BE49-F238E27FC236}">
+                <a16:creationId xmlns:a16="http://schemas.microsoft.com/office/drawing/2014/main" id="{AA193566-DC5A-4BD2-BBFF-176881B803C6}"/>
+              </a:ext>
+            </a:extLst>
+          </p:cNvPr>
+          <p:cNvSpPr/>
+          <p:nvPr/>
+        </p:nvSpPr>
+        <p:spPr>
+          <a:xfrm>
+            <a:off x="6445341" y="2036558"/>
+            <a:ext cx="2041451" cy="3508786"/>
+          </a:xfrm>
+          <a:prstGeom prst="rect">
+            <a:avLst/>
+          </a:prstGeom>
+          <a:solidFill>
+            <a:schemeClr val="bg1">
+              <a:lumMod val="95000"/>
+            </a:schemeClr>
+          </a:solidFill>
+          <a:ln>
+            <a:noFill/>
+          </a:ln>
+        </p:spPr>
+        <p:style>
+          <a:lnRef idx="2">
+            <a:schemeClr val="accent1">
+              <a:shade val="50000"/>
+            </a:schemeClr>
+          </a:lnRef>
+          <a:fillRef idx="1">
+            <a:schemeClr val="accent1"/>
+          </a:fillRef>
+          <a:effectRef idx="0">
+            <a:schemeClr val="accent1"/>
+          </a:effectRef>
+          <a:fontRef idx="minor">
+            <a:schemeClr val="lt1"/>
+          </a:fontRef>
+        </p:style>
+        <p:txBody>
+          <a:bodyPr rtlCol="0" anchor="ctr"/>
+          <a:lstStyle/>
+          <a:p>
+            <a:pPr algn="ctr"/>
+            <a:endParaRPr lang="ko-KR" altLang="en-US"/>
+          </a:p>
+        </p:txBody>
+      </p:sp>
+      <p:sp>
+        <p:nvSpPr>
+          <p:cNvPr id="27" name="TextBox 26">
+            <a:extLst>
+              <a:ext uri="{FF2B5EF4-FFF2-40B4-BE49-F238E27FC236}">
+                <a16:creationId xmlns:a16="http://schemas.microsoft.com/office/drawing/2014/main" id="{55EF3C12-730E-4AFD-BEB5-3B474AC65425}"/>
+              </a:ext>
+            </a:extLst>
+          </p:cNvPr>
+          <p:cNvSpPr txBox="1"/>
+          <p:nvPr/>
+        </p:nvSpPr>
+        <p:spPr>
+          <a:xfrm>
+            <a:off x="3133303" y="3723758"/>
+            <a:ext cx="389850" cy="369332"/>
+          </a:xfrm>
+          <a:prstGeom prst="rect">
+            <a:avLst/>
+          </a:prstGeom>
+          <a:noFill/>
+        </p:spPr>
+        <p:txBody>
+          <a:bodyPr wrap="none" rtlCol="0">
+            <a:spAutoFit/>
+          </a:bodyPr>
+          <a:lstStyle/>
+          <a:p>
+            <a:r>
+              <a:rPr lang="en-US" altLang="ko-KR" dirty="0">
+                <a:latin typeface="+mn-ea"/>
+              </a:rPr>
+              <a:t>&gt;&gt;</a:t>
+            </a:r>
+            <a:endParaRPr lang="ko-KR" altLang="en-US" dirty="0">
+              <a:latin typeface="+mn-ea"/>
+            </a:endParaRPr>
+          </a:p>
+        </p:txBody>
+      </p:sp>
+      <p:sp>
+        <p:nvSpPr>
+          <p:cNvPr id="28" name="TextBox 27">
+            <a:extLst>
+              <a:ext uri="{FF2B5EF4-FFF2-40B4-BE49-F238E27FC236}">
+                <a16:creationId xmlns:a16="http://schemas.microsoft.com/office/drawing/2014/main" id="{C12AC40B-081A-4C79-BF80-1243419EFDA8}"/>
+              </a:ext>
+            </a:extLst>
+          </p:cNvPr>
+          <p:cNvSpPr txBox="1"/>
+          <p:nvPr/>
+        </p:nvSpPr>
+        <p:spPr>
+          <a:xfrm>
+            <a:off x="5907507" y="3723758"/>
+            <a:ext cx="389850" cy="369332"/>
+          </a:xfrm>
+          <a:prstGeom prst="rect">
+            <a:avLst/>
+          </a:prstGeom>
+          <a:noFill/>
+        </p:spPr>
+        <p:txBody>
+          <a:bodyPr wrap="none" rtlCol="0">
+            <a:spAutoFit/>
+          </a:bodyPr>
+          <a:lstStyle/>
+          <a:p>
+            <a:r>
+              <a:rPr lang="en-US" altLang="ko-KR" dirty="0">
+                <a:latin typeface="+mn-ea"/>
+              </a:rPr>
+              <a:t>&gt;&gt;</a:t>
+            </a:r>
+            <a:endParaRPr lang="ko-KR" altLang="en-US" dirty="0">
+              <a:latin typeface="+mn-ea"/>
+            </a:endParaRPr>
+          </a:p>
+        </p:txBody>
+      </p:sp>
+      <p:sp>
+        <p:nvSpPr>
+          <p:cNvPr id="29" name="TextBox 28">
+            <a:extLst>
+              <a:ext uri="{FF2B5EF4-FFF2-40B4-BE49-F238E27FC236}">
+                <a16:creationId xmlns:a16="http://schemas.microsoft.com/office/drawing/2014/main" id="{33B273D9-6F8C-42CE-838F-E8F10E9E2223}"/>
+              </a:ext>
+            </a:extLst>
+          </p:cNvPr>
+          <p:cNvSpPr txBox="1"/>
+          <p:nvPr/>
+        </p:nvSpPr>
+        <p:spPr>
+          <a:xfrm>
+            <a:off x="8634767" y="3723758"/>
+            <a:ext cx="389850" cy="369332"/>
+          </a:xfrm>
+          <a:prstGeom prst="rect">
+            <a:avLst/>
+          </a:prstGeom>
+          <a:noFill/>
+        </p:spPr>
+        <p:txBody>
+          <a:bodyPr wrap="none" rtlCol="0">
+            <a:spAutoFit/>
+          </a:bodyPr>
+          <a:lstStyle/>
+          <a:p>
+            <a:r>
+              <a:rPr lang="en-US" altLang="ko-KR" dirty="0">
+                <a:latin typeface="+mn-ea"/>
+              </a:rPr>
+              <a:t>&gt;&gt;</a:t>
+            </a:r>
+            <a:endParaRPr lang="ko-KR" altLang="en-US" dirty="0">
+              <a:latin typeface="+mn-ea"/>
+            </a:endParaRPr>
+          </a:p>
+        </p:txBody>
+      </p:sp>
+      <p:sp>
+        <p:nvSpPr>
+          <p:cNvPr id="30" name="TextBox 29">
+            <a:extLst>
+              <a:ext uri="{FF2B5EF4-FFF2-40B4-BE49-F238E27FC236}">
+                <a16:creationId xmlns:a16="http://schemas.microsoft.com/office/drawing/2014/main" id="{9E92FD61-6DA6-410E-A460-8661C9FCAEDF}"/>
+              </a:ext>
+            </a:extLst>
+          </p:cNvPr>
+          <p:cNvSpPr txBox="1"/>
+          <p:nvPr/>
+        </p:nvSpPr>
+        <p:spPr>
+          <a:xfrm>
+            <a:off x="1562144" y="2151529"/>
+            <a:ext cx="742512" cy="369332"/>
+          </a:xfrm>
+          <a:prstGeom prst="rect">
+            <a:avLst/>
+          </a:prstGeom>
+          <a:noFill/>
+        </p:spPr>
+        <p:txBody>
+          <a:bodyPr wrap="none" rtlCol="0">
+            <a:spAutoFit/>
+          </a:bodyPr>
+          <a:lstStyle/>
+          <a:p>
+            <a:pPr algn="ctr"/>
+            <a:r>
+              <a:rPr lang="en-US" altLang="ko-KR" dirty="0">
+                <a:solidFill>
+                  <a:schemeClr val="tx1">
+                    <a:lumMod val="85000"/>
+                    <a:lumOff val="15000"/>
+                  </a:schemeClr>
+                </a:solidFill>
+              </a:rPr>
+              <a:t>03/07</a:t>
+            </a:r>
+            <a:endParaRPr lang="ko-KR" altLang="en-US" dirty="0">
+              <a:solidFill>
+                <a:schemeClr val="tx1">
+                  <a:lumMod val="85000"/>
+                  <a:lumOff val="15000"/>
+                </a:schemeClr>
+              </a:solidFill>
+            </a:endParaRPr>
+          </a:p>
+        </p:txBody>
+      </p:sp>
+      <p:sp>
+        <p:nvSpPr>
+          <p:cNvPr id="31" name="직사각형 30">
+            <a:extLst>
+              <a:ext uri="{FF2B5EF4-FFF2-40B4-BE49-F238E27FC236}">
+                <a16:creationId xmlns:a16="http://schemas.microsoft.com/office/drawing/2014/main" id="{7472C25E-5EDE-4AF0-8F73-402F7A97A34D}"/>
+              </a:ext>
+            </a:extLst>
+          </p:cNvPr>
+          <p:cNvSpPr/>
+          <p:nvPr/>
+        </p:nvSpPr>
+        <p:spPr>
+          <a:xfrm>
+            <a:off x="3686782" y="2036556"/>
+            <a:ext cx="2041451" cy="604280"/>
+          </a:xfrm>
+          <a:prstGeom prst="rect">
+            <a:avLst/>
+          </a:prstGeom>
+          <a:solidFill>
+            <a:schemeClr val="accent3"/>
+          </a:solidFill>
+          <a:ln>
+            <a:noFill/>
+          </a:ln>
+        </p:spPr>
+        <p:style>
+          <a:lnRef idx="2">
+            <a:schemeClr val="accent1">
+              <a:shade val="50000"/>
+            </a:schemeClr>
+          </a:lnRef>
+          <a:fillRef idx="1">
+            <a:schemeClr val="accent1"/>
+          </a:fillRef>
+          <a:effectRef idx="0">
+            <a:schemeClr val="accent1"/>
+          </a:effectRef>
+          <a:fontRef idx="minor">
+            <a:schemeClr val="lt1"/>
+          </a:fontRef>
+        </p:style>
+        <p:txBody>
+          <a:bodyPr rtlCol="0" anchor="ctr"/>
+          <a:lstStyle/>
+          <a:p>
+            <a:pPr algn="ctr"/>
+            <a:endParaRPr lang="ko-KR" altLang="en-US"/>
+          </a:p>
+        </p:txBody>
+      </p:sp>
+      <p:sp>
+        <p:nvSpPr>
+          <p:cNvPr id="32" name="TextBox 31">
+            <a:extLst>
+              <a:ext uri="{FF2B5EF4-FFF2-40B4-BE49-F238E27FC236}">
+                <a16:creationId xmlns:a16="http://schemas.microsoft.com/office/drawing/2014/main" id="{F761A1AA-C01F-4FD0-BAF1-75B09F3267AA}"/>
+              </a:ext>
+            </a:extLst>
+          </p:cNvPr>
+          <p:cNvSpPr txBox="1"/>
+          <p:nvPr/>
+        </p:nvSpPr>
+        <p:spPr>
+          <a:xfrm>
+            <a:off x="4343945" y="2151529"/>
+            <a:ext cx="742512" cy="369332"/>
+          </a:xfrm>
+          <a:prstGeom prst="rect">
+            <a:avLst/>
+          </a:prstGeom>
+          <a:noFill/>
+        </p:spPr>
+        <p:txBody>
+          <a:bodyPr wrap="none" rtlCol="0">
+            <a:spAutoFit/>
+          </a:bodyPr>
+          <a:lstStyle/>
+          <a:p>
+            <a:pPr algn="ctr"/>
+            <a:r>
+              <a:rPr lang="en-US" altLang="ko-KR" dirty="0">
+                <a:solidFill>
+                  <a:schemeClr val="bg1">
+                    <a:lumMod val="95000"/>
+                  </a:schemeClr>
+                </a:solidFill>
+              </a:rPr>
+              <a:t>03/08</a:t>
+            </a:r>
+            <a:endParaRPr lang="ko-KR" altLang="en-US" dirty="0">
+              <a:solidFill>
+                <a:schemeClr val="bg1">
+                  <a:lumMod val="95000"/>
+                </a:schemeClr>
+              </a:solidFill>
+            </a:endParaRPr>
+          </a:p>
+        </p:txBody>
+      </p:sp>
+      <p:sp>
+        <p:nvSpPr>
+          <p:cNvPr id="33" name="직사각형 32">
+            <a:extLst>
+              <a:ext uri="{FF2B5EF4-FFF2-40B4-BE49-F238E27FC236}">
+                <a16:creationId xmlns:a16="http://schemas.microsoft.com/office/drawing/2014/main" id="{01A9AF63-31AA-49C6-ACBB-4C532B64710B}"/>
+              </a:ext>
+            </a:extLst>
+          </p:cNvPr>
+          <p:cNvSpPr/>
+          <p:nvPr/>
+        </p:nvSpPr>
+        <p:spPr>
+          <a:xfrm>
+            <a:off x="6445339" y="2036556"/>
+            <a:ext cx="2041451" cy="604280"/>
+          </a:xfrm>
+          <a:prstGeom prst="rect">
+            <a:avLst/>
+          </a:prstGeom>
+          <a:solidFill>
+            <a:schemeClr val="accent2"/>
+          </a:solidFill>
+          <a:ln>
+            <a:noFill/>
+          </a:ln>
+        </p:spPr>
+        <p:style>
+          <a:lnRef idx="2">
+            <a:schemeClr val="accent1">
+              <a:shade val="50000"/>
+            </a:schemeClr>
+          </a:lnRef>
+          <a:fillRef idx="1">
+            <a:schemeClr val="accent1"/>
+          </a:fillRef>
+          <a:effectRef idx="0">
+            <a:schemeClr val="accent1"/>
+          </a:effectRef>
+          <a:fontRef idx="minor">
+            <a:schemeClr val="lt1"/>
+          </a:fontRef>
+        </p:style>
+        <p:txBody>
+          <a:bodyPr rtlCol="0" anchor="ctr"/>
+          <a:lstStyle/>
+          <a:p>
+            <a:pPr algn="ctr"/>
+            <a:endParaRPr lang="ko-KR" altLang="en-US"/>
+          </a:p>
+        </p:txBody>
+      </p:sp>
+      <p:sp>
+        <p:nvSpPr>
+          <p:cNvPr id="34" name="TextBox 33">
+            <a:extLst>
+              <a:ext uri="{FF2B5EF4-FFF2-40B4-BE49-F238E27FC236}">
+                <a16:creationId xmlns:a16="http://schemas.microsoft.com/office/drawing/2014/main" id="{A1A20815-B360-4B1E-85A3-62B6AB453174}"/>
+              </a:ext>
+            </a:extLst>
+          </p:cNvPr>
+          <p:cNvSpPr txBox="1"/>
+          <p:nvPr/>
+        </p:nvSpPr>
+        <p:spPr>
+          <a:xfrm>
+            <a:off x="7103303" y="2151529"/>
+            <a:ext cx="742512" cy="369332"/>
+          </a:xfrm>
+          <a:prstGeom prst="rect">
+            <a:avLst/>
+          </a:prstGeom>
+          <a:noFill/>
+        </p:spPr>
+        <p:txBody>
+          <a:bodyPr wrap="none" rtlCol="0">
+            <a:spAutoFit/>
+          </a:bodyPr>
+          <a:lstStyle/>
+          <a:p>
+            <a:pPr algn="ctr"/>
+            <a:r>
+              <a:rPr lang="en-US" altLang="ko-KR" dirty="0">
+                <a:solidFill>
+                  <a:schemeClr val="bg1">
+                    <a:lumMod val="95000"/>
+                  </a:schemeClr>
+                </a:solidFill>
+              </a:rPr>
+              <a:t>03/10</a:t>
+            </a:r>
+            <a:endParaRPr lang="ko-KR" altLang="en-US" dirty="0">
+              <a:solidFill>
+                <a:schemeClr val="bg1">
+                  <a:lumMod val="95000"/>
+                </a:schemeClr>
+              </a:solidFill>
+            </a:endParaRPr>
+          </a:p>
+        </p:txBody>
+      </p:sp>
+      <p:sp>
+        <p:nvSpPr>
+          <p:cNvPr id="35" name="직사각형 34">
+            <a:extLst>
+              <a:ext uri="{FF2B5EF4-FFF2-40B4-BE49-F238E27FC236}">
+                <a16:creationId xmlns:a16="http://schemas.microsoft.com/office/drawing/2014/main" id="{43BBC1AC-C158-4AE1-9D8F-67AEEEB17C9F}"/>
+              </a:ext>
+            </a:extLst>
+          </p:cNvPr>
+          <p:cNvSpPr/>
+          <p:nvPr/>
+        </p:nvSpPr>
+        <p:spPr>
+          <a:xfrm>
+            <a:off x="9203896" y="2036556"/>
+            <a:ext cx="2041451" cy="604280"/>
+          </a:xfrm>
+          <a:prstGeom prst="rect">
+            <a:avLst/>
+          </a:prstGeom>
+          <a:solidFill>
+            <a:schemeClr val="accent1"/>
+          </a:solidFill>
+          <a:ln>
+            <a:noFill/>
+          </a:ln>
+        </p:spPr>
+        <p:style>
+          <a:lnRef idx="2">
+            <a:schemeClr val="accent1">
+              <a:shade val="50000"/>
+            </a:schemeClr>
+          </a:lnRef>
+          <a:fillRef idx="1">
+            <a:schemeClr val="accent1"/>
+          </a:fillRef>
+          <a:effectRef idx="0">
+            <a:schemeClr val="accent1"/>
+          </a:effectRef>
+          <a:fontRef idx="minor">
+            <a:schemeClr val="lt1"/>
+          </a:fontRef>
+        </p:style>
+        <p:txBody>
+          <a:bodyPr rtlCol="0" anchor="ctr"/>
+          <a:lstStyle/>
+          <a:p>
+            <a:pPr algn="ctr"/>
+            <a:endParaRPr lang="ko-KR" altLang="en-US"/>
+          </a:p>
+        </p:txBody>
+      </p:sp>
+      <p:sp>
+        <p:nvSpPr>
+          <p:cNvPr id="36" name="TextBox 35">
+            <a:extLst>
+              <a:ext uri="{FF2B5EF4-FFF2-40B4-BE49-F238E27FC236}">
+                <a16:creationId xmlns:a16="http://schemas.microsoft.com/office/drawing/2014/main" id="{5063A084-1DD6-4B82-B483-15FCA3A48B69}"/>
+              </a:ext>
+            </a:extLst>
+          </p:cNvPr>
+          <p:cNvSpPr txBox="1"/>
+          <p:nvPr/>
+        </p:nvSpPr>
+        <p:spPr>
+          <a:xfrm>
+            <a:off x="9853632" y="2151529"/>
+            <a:ext cx="742512" cy="369332"/>
+          </a:xfrm>
+          <a:prstGeom prst="rect">
+            <a:avLst/>
+          </a:prstGeom>
+          <a:noFill/>
+        </p:spPr>
+        <p:txBody>
+          <a:bodyPr wrap="none" rtlCol="0">
+            <a:spAutoFit/>
+          </a:bodyPr>
+          <a:lstStyle/>
+          <a:p>
+            <a:pPr algn="ctr"/>
+            <a:r>
+              <a:rPr lang="en-US" altLang="ko-KR" dirty="0">
+                <a:solidFill>
+                  <a:schemeClr val="bg1">
+                    <a:lumMod val="95000"/>
+                  </a:schemeClr>
+                </a:solidFill>
+              </a:rPr>
+              <a:t>03/11</a:t>
+            </a:r>
+            <a:endParaRPr lang="ko-KR" altLang="en-US" dirty="0">
+              <a:solidFill>
+                <a:schemeClr val="bg1">
+                  <a:lumMod val="95000"/>
+                </a:schemeClr>
+              </a:solidFill>
+            </a:endParaRPr>
+          </a:p>
+        </p:txBody>
+      </p:sp>
+      <p:sp>
+        <p:nvSpPr>
+          <p:cNvPr id="37" name="TextBox 36">
+            <a:extLst>
+              <a:ext uri="{FF2B5EF4-FFF2-40B4-BE49-F238E27FC236}">
+                <a16:creationId xmlns:a16="http://schemas.microsoft.com/office/drawing/2014/main" id="{16B0A7E0-4649-4149-9C1A-40FB28E685CF}"/>
+              </a:ext>
+            </a:extLst>
+          </p:cNvPr>
+          <p:cNvSpPr txBox="1"/>
+          <p:nvPr/>
+        </p:nvSpPr>
+        <p:spPr>
+          <a:xfrm>
+            <a:off x="1133788" y="3532419"/>
+            <a:ext cx="1682895" cy="848950"/>
+          </a:xfrm>
+          <a:prstGeom prst="rect">
+            <a:avLst/>
+          </a:prstGeom>
+          <a:noFill/>
+        </p:spPr>
+        <p:txBody>
+          <a:bodyPr wrap="square" rtlCol="0">
+            <a:spAutoFit/>
+          </a:bodyPr>
+          <a:lstStyle/>
+          <a:p>
+            <a:pPr algn="just">
+              <a:lnSpc>
+                <a:spcPct val="120000"/>
+              </a:lnSpc>
+            </a:pPr>
+            <a:r>
+              <a:rPr lang="en-US" altLang="ko-KR" sz="1400" spc="-150" dirty="0">
+                <a:solidFill>
+                  <a:schemeClr val="tx1">
+                    <a:lumMod val="75000"/>
+                    <a:lumOff val="25000"/>
+                  </a:schemeClr>
+                </a:solidFill>
+                <a:latin typeface="+mn-ea"/>
+              </a:rPr>
+              <a:t>Feature  </a:t>
+            </a:r>
+            <a:r>
+              <a:rPr lang="ko-KR" altLang="en-US" sz="1400" spc="-150" dirty="0">
+                <a:solidFill>
+                  <a:schemeClr val="tx1">
+                    <a:lumMod val="75000"/>
+                    <a:lumOff val="25000"/>
+                  </a:schemeClr>
+                </a:solidFill>
+                <a:latin typeface="+mn-ea"/>
+              </a:rPr>
+              <a:t>선정</a:t>
+            </a:r>
+            <a:endParaRPr lang="en-US" altLang="ko-KR" sz="1400" spc="-150" dirty="0">
+              <a:solidFill>
+                <a:schemeClr val="tx1">
+                  <a:lumMod val="75000"/>
+                  <a:lumOff val="25000"/>
+                </a:schemeClr>
+              </a:solidFill>
+              <a:latin typeface="+mn-ea"/>
+            </a:endParaRPr>
+          </a:p>
+          <a:p>
+            <a:pPr algn="just">
+              <a:lnSpc>
+                <a:spcPct val="120000"/>
+              </a:lnSpc>
+            </a:pPr>
+            <a:endParaRPr lang="en-US" altLang="ko-KR" sz="1400" spc="-150" dirty="0">
+              <a:solidFill>
+                <a:schemeClr val="tx1">
+                  <a:lumMod val="75000"/>
+                  <a:lumOff val="25000"/>
+                </a:schemeClr>
+              </a:solidFill>
+              <a:latin typeface="+mn-ea"/>
+            </a:endParaRPr>
+          </a:p>
+          <a:p>
+            <a:pPr algn="just">
+              <a:lnSpc>
+                <a:spcPct val="120000"/>
+              </a:lnSpc>
+            </a:pPr>
+            <a:r>
+              <a:rPr lang="ko-KR" altLang="en-US" sz="1400" spc="-150" dirty="0">
+                <a:solidFill>
+                  <a:schemeClr val="tx1">
+                    <a:lumMod val="75000"/>
+                    <a:lumOff val="25000"/>
+                  </a:schemeClr>
+                </a:solidFill>
+                <a:latin typeface="+mn-ea"/>
+              </a:rPr>
+              <a:t>데이터 확보</a:t>
+            </a:r>
+          </a:p>
+        </p:txBody>
+      </p:sp>
+      <p:sp>
+        <p:nvSpPr>
+          <p:cNvPr id="38" name="TextBox 37">
+            <a:extLst>
+              <a:ext uri="{FF2B5EF4-FFF2-40B4-BE49-F238E27FC236}">
+                <a16:creationId xmlns:a16="http://schemas.microsoft.com/office/drawing/2014/main" id="{D30274E9-BD5D-4E97-9C9F-91F062DC1F8E}"/>
+              </a:ext>
+            </a:extLst>
+          </p:cNvPr>
+          <p:cNvSpPr txBox="1"/>
+          <p:nvPr/>
+        </p:nvSpPr>
+        <p:spPr>
+          <a:xfrm>
+            <a:off x="3831357" y="3790951"/>
+            <a:ext cx="1682895" cy="331886"/>
+          </a:xfrm>
+          <a:prstGeom prst="rect">
+            <a:avLst/>
+          </a:prstGeom>
+          <a:noFill/>
+        </p:spPr>
+        <p:txBody>
+          <a:bodyPr wrap="square" rtlCol="0">
+            <a:spAutoFit/>
+          </a:bodyPr>
+          <a:lstStyle/>
+          <a:p>
+            <a:pPr algn="just">
+              <a:lnSpc>
+                <a:spcPct val="120000"/>
+              </a:lnSpc>
+            </a:pPr>
+            <a:r>
+              <a:rPr lang="ko-KR" altLang="en-US" sz="1400" spc="-150" dirty="0">
+                <a:solidFill>
+                  <a:schemeClr val="tx1">
+                    <a:lumMod val="75000"/>
+                    <a:lumOff val="25000"/>
+                  </a:schemeClr>
+                </a:solidFill>
+                <a:latin typeface="+mn-ea"/>
+              </a:rPr>
+              <a:t>데이터  </a:t>
+            </a:r>
+            <a:r>
+              <a:rPr lang="ko-KR" altLang="en-US" sz="1400" spc="-150" dirty="0" err="1">
+                <a:solidFill>
+                  <a:schemeClr val="tx1">
+                    <a:lumMod val="75000"/>
+                    <a:lumOff val="25000"/>
+                  </a:schemeClr>
+                </a:solidFill>
+                <a:latin typeface="+mn-ea"/>
+              </a:rPr>
+              <a:t>전처리</a:t>
+            </a:r>
+            <a:endParaRPr lang="en-US" altLang="ko-KR" sz="1400" spc="-150" dirty="0">
+              <a:solidFill>
+                <a:schemeClr val="tx1">
+                  <a:lumMod val="75000"/>
+                  <a:lumOff val="25000"/>
+                </a:schemeClr>
+              </a:solidFill>
+              <a:latin typeface="+mn-ea"/>
+            </a:endParaRPr>
+          </a:p>
+        </p:txBody>
+      </p:sp>
+      <p:sp>
+        <p:nvSpPr>
+          <p:cNvPr id="39" name="TextBox 38">
+            <a:extLst>
+              <a:ext uri="{FF2B5EF4-FFF2-40B4-BE49-F238E27FC236}">
+                <a16:creationId xmlns:a16="http://schemas.microsoft.com/office/drawing/2014/main" id="{5452D78C-B1FC-429D-AC70-107D9C6D10D9}"/>
+              </a:ext>
+            </a:extLst>
+          </p:cNvPr>
+          <p:cNvSpPr txBox="1"/>
+          <p:nvPr/>
+        </p:nvSpPr>
+        <p:spPr>
+          <a:xfrm>
+            <a:off x="6593318" y="3668615"/>
+            <a:ext cx="1682895" cy="848950"/>
+          </a:xfrm>
+          <a:prstGeom prst="rect">
+            <a:avLst/>
+          </a:prstGeom>
+          <a:noFill/>
+        </p:spPr>
+        <p:txBody>
+          <a:bodyPr wrap="square" rtlCol="0">
+            <a:spAutoFit/>
+          </a:bodyPr>
+          <a:lstStyle/>
+          <a:p>
+            <a:pPr algn="just">
+              <a:lnSpc>
+                <a:spcPct val="120000"/>
+              </a:lnSpc>
+            </a:pPr>
+            <a:r>
+              <a:rPr lang="ko-KR" altLang="en-US" sz="1400" spc="-150" dirty="0">
+                <a:solidFill>
+                  <a:schemeClr val="tx1">
+                    <a:lumMod val="75000"/>
+                    <a:lumOff val="25000"/>
+                  </a:schemeClr>
+                </a:solidFill>
+                <a:latin typeface="+mn-ea"/>
+              </a:rPr>
+              <a:t>데이터  </a:t>
+            </a:r>
+            <a:r>
+              <a:rPr lang="ko-KR" altLang="en-US" sz="1400" spc="-150" dirty="0" err="1">
+                <a:solidFill>
+                  <a:schemeClr val="tx1">
+                    <a:lumMod val="75000"/>
+                    <a:lumOff val="25000"/>
+                  </a:schemeClr>
+                </a:solidFill>
+                <a:latin typeface="+mn-ea"/>
+              </a:rPr>
+              <a:t>전처리</a:t>
+            </a:r>
+            <a:endParaRPr lang="en-US" altLang="ko-KR" sz="1400" spc="-150" dirty="0">
+              <a:solidFill>
+                <a:schemeClr val="tx1">
+                  <a:lumMod val="75000"/>
+                  <a:lumOff val="25000"/>
+                </a:schemeClr>
+              </a:solidFill>
+              <a:latin typeface="+mn-ea"/>
+            </a:endParaRPr>
+          </a:p>
+          <a:p>
+            <a:pPr algn="just">
+              <a:lnSpc>
+                <a:spcPct val="120000"/>
+              </a:lnSpc>
+            </a:pPr>
+            <a:endParaRPr lang="en-US" altLang="ko-KR" sz="1400" spc="-150" dirty="0">
+              <a:solidFill>
+                <a:schemeClr val="tx1">
+                  <a:lumMod val="75000"/>
+                  <a:lumOff val="25000"/>
+                </a:schemeClr>
+              </a:solidFill>
+              <a:latin typeface="+mn-ea"/>
+            </a:endParaRPr>
+          </a:p>
+          <a:p>
+            <a:pPr algn="just">
+              <a:lnSpc>
+                <a:spcPct val="120000"/>
+              </a:lnSpc>
+            </a:pPr>
+            <a:r>
+              <a:rPr lang="ko-KR" altLang="en-US" sz="1400" spc="-150" dirty="0" err="1">
+                <a:solidFill>
+                  <a:schemeClr val="tx1">
+                    <a:lumMod val="75000"/>
+                    <a:lumOff val="25000"/>
+                  </a:schemeClr>
+                </a:solidFill>
+                <a:latin typeface="+mn-ea"/>
+              </a:rPr>
+              <a:t>머신러닝</a:t>
+            </a:r>
+            <a:r>
+              <a:rPr lang="ko-KR" altLang="en-US" sz="1400" spc="-150" dirty="0">
+                <a:solidFill>
+                  <a:schemeClr val="tx1">
+                    <a:lumMod val="75000"/>
+                    <a:lumOff val="25000"/>
+                  </a:schemeClr>
+                </a:solidFill>
+                <a:latin typeface="+mn-ea"/>
+              </a:rPr>
+              <a:t> 모델 생성</a:t>
+            </a:r>
+          </a:p>
+        </p:txBody>
+      </p:sp>
+      <p:sp>
+        <p:nvSpPr>
+          <p:cNvPr id="40" name="TextBox 39">
+            <a:extLst>
+              <a:ext uri="{FF2B5EF4-FFF2-40B4-BE49-F238E27FC236}">
+                <a16:creationId xmlns:a16="http://schemas.microsoft.com/office/drawing/2014/main" id="{26934A90-DC10-4BD2-8469-BEB9AAE5A7D4}"/>
+              </a:ext>
+            </a:extLst>
+          </p:cNvPr>
+          <p:cNvSpPr txBox="1"/>
+          <p:nvPr/>
+        </p:nvSpPr>
+        <p:spPr>
+          <a:xfrm>
+            <a:off x="9375317" y="3789220"/>
+            <a:ext cx="1682895" cy="333617"/>
+          </a:xfrm>
+          <a:prstGeom prst="rect">
+            <a:avLst/>
+          </a:prstGeom>
+          <a:noFill/>
+        </p:spPr>
+        <p:txBody>
+          <a:bodyPr wrap="square" rtlCol="0">
+            <a:spAutoFit/>
+          </a:bodyPr>
+          <a:lstStyle/>
+          <a:p>
+            <a:pPr algn="just">
+              <a:lnSpc>
+                <a:spcPct val="120000"/>
+              </a:lnSpc>
+            </a:pPr>
+            <a:r>
+              <a:rPr lang="ko-KR" altLang="en-US" sz="1400" spc="-150" dirty="0" err="1">
+                <a:solidFill>
+                  <a:schemeClr val="tx1">
+                    <a:lumMod val="75000"/>
+                    <a:lumOff val="25000"/>
+                  </a:schemeClr>
+                </a:solidFill>
+                <a:latin typeface="+mn-ea"/>
+              </a:rPr>
+              <a:t>머신러닝</a:t>
+            </a:r>
+            <a:r>
+              <a:rPr lang="ko-KR" altLang="en-US" sz="1400" spc="-150" dirty="0">
+                <a:solidFill>
+                  <a:schemeClr val="tx1">
+                    <a:lumMod val="75000"/>
+                    <a:lumOff val="25000"/>
+                  </a:schemeClr>
+                </a:solidFill>
+                <a:latin typeface="+mn-ea"/>
+              </a:rPr>
+              <a:t> 모델 평가</a:t>
+            </a:r>
+          </a:p>
+        </p:txBody>
+      </p:sp>
+      <p:sp>
+        <p:nvSpPr>
+          <p:cNvPr id="41" name="TextBox 40">
+            <a:extLst>
+              <a:ext uri="{FF2B5EF4-FFF2-40B4-BE49-F238E27FC236}">
+                <a16:creationId xmlns:a16="http://schemas.microsoft.com/office/drawing/2014/main" id="{92B7B5C9-F745-401A-99F6-001F312C8F5D}"/>
+              </a:ext>
+            </a:extLst>
+          </p:cNvPr>
+          <p:cNvSpPr txBox="1"/>
+          <p:nvPr/>
+        </p:nvSpPr>
+        <p:spPr>
+          <a:xfrm>
+            <a:off x="-98231" y="50565"/>
+            <a:ext cx="353943" cy="1849121"/>
+          </a:xfrm>
+          <a:prstGeom prst="rect">
+            <a:avLst/>
+          </a:prstGeom>
+          <a:noFill/>
+        </p:spPr>
+        <p:txBody>
+          <a:bodyPr vert="eaVert" wrap="square" rtlCol="0">
+            <a:spAutoFit/>
+          </a:bodyPr>
+          <a:lstStyle/>
+          <a:p>
+            <a:r>
+              <a:rPr lang="en-US" altLang="ko-KR" sz="1100" dirty="0">
+                <a:solidFill>
+                  <a:schemeClr val="bg1"/>
+                </a:solidFill>
+              </a:rPr>
+              <a:t>Part 1</a:t>
+            </a:r>
+            <a:endParaRPr lang="ko-KR" altLang="en-US" sz="1100" dirty="0">
+              <a:solidFill>
+                <a:schemeClr val="bg1"/>
+              </a:solidFill>
+            </a:endParaRPr>
+          </a:p>
+        </p:txBody>
+      </p:sp>
+    </p:spTree>
+    <p:extLst>
+      <p:ext uri="{BB962C8B-B14F-4D97-AF65-F5344CB8AC3E}">
+        <p14:creationId xmlns:p14="http://schemas.microsoft.com/office/powerpoint/2010/main" val="1120228696"/>
       </p:ext>
     </p:extLst>
   </p:cSld>
